--- a/01-CleanCode/CleanCode.pptx
+++ b/01-CleanCode/CleanCode.pptx
@@ -5,17 +5,17 @@
     <p:sldMasterId id="2147483648" r:id="rId1"/>
   </p:sldMasterIdLst>
   <p:notesMasterIdLst>
-    <p:notesMasterId r:id="rId46"/>
+    <p:notesMasterId r:id="rId51"/>
   </p:notesMasterIdLst>
   <p:handoutMasterIdLst>
-    <p:handoutMasterId r:id="rId47"/>
+    <p:handoutMasterId r:id="rId52"/>
   </p:handoutMasterIdLst>
   <p:sldIdLst>
     <p:sldId id="306" r:id="rId2"/>
     <p:sldId id="267" r:id="rId3"/>
     <p:sldId id="391" r:id="rId4"/>
     <p:sldId id="420" r:id="rId5"/>
-    <p:sldId id="324" r:id="rId6"/>
+    <p:sldId id="433" r:id="rId6"/>
     <p:sldId id="356" r:id="rId7"/>
     <p:sldId id="410" r:id="rId8"/>
     <p:sldId id="257" r:id="rId9"/>
@@ -46,15 +46,20 @@
     <p:sldId id="423" r:id="rId34"/>
     <p:sldId id="412" r:id="rId35"/>
     <p:sldId id="425" r:id="rId36"/>
-    <p:sldId id="340" r:id="rId37"/>
-    <p:sldId id="395" r:id="rId38"/>
-    <p:sldId id="321" r:id="rId39"/>
+    <p:sldId id="395" r:id="rId37"/>
+    <p:sldId id="321" r:id="rId38"/>
+    <p:sldId id="340" r:id="rId39"/>
     <p:sldId id="358" r:id="rId40"/>
     <p:sldId id="359" r:id="rId41"/>
     <p:sldId id="400" r:id="rId42"/>
     <p:sldId id="381" r:id="rId43"/>
-    <p:sldId id="376" r:id="rId44"/>
-    <p:sldId id="319" r:id="rId45"/>
+    <p:sldId id="435" r:id="rId44"/>
+    <p:sldId id="436" r:id="rId45"/>
+    <p:sldId id="437" r:id="rId46"/>
+    <p:sldId id="434" r:id="rId47"/>
+    <p:sldId id="376" r:id="rId48"/>
+    <p:sldId id="438" r:id="rId49"/>
+    <p:sldId id="319" r:id="rId50"/>
   </p:sldIdLst>
   <p:sldSz cx="9144000" cy="6858000" type="screen4x3"/>
   <p:notesSz cx="6858000" cy="9144000"/>
@@ -238,7 +243,7 @@
           <a:p>
             <a:fld id="{2C2C51BA-9C8E-4938-991B-0B9DAB69953D}" type="datetimeFigureOut">
               <a:rPr lang="ru-RU" smtClean="0"/>
-              <a:t>22.06.2014</a:t>
+              <a:t>30.06.2014</a:t>
             </a:fld>
             <a:endParaRPr lang="ru-RU"/>
           </a:p>
@@ -403,7 +408,7 @@
           <a:p>
             <a:fld id="{426FB16C-8069-43A4-A09F-21010F2DDFB6}" type="datetimeFigureOut">
               <a:rPr lang="ru-RU" smtClean="0"/>
-              <a:t>22.06.2014</a:t>
+              <a:t>30.06.2014</a:t>
             </a:fld>
             <a:endParaRPr lang="ru-RU"/>
           </a:p>
@@ -715,33 +720,6 @@
           <a:bodyPr/>
           <a:lstStyle/>
           <a:p>
-            <a:r>
-              <a:rPr lang="ru-RU" dirty="0" smtClean="0"/>
-              <a:t>Командная работа</a:t>
-            </a:r>
-            <a:r>
-              <a:rPr lang="ru-RU" baseline="0" dirty="0" smtClean="0"/>
-              <a:t> — когда есть коллективное владение кодом. Код-</a:t>
-            </a:r>
-            <a:r>
-              <a:rPr lang="ru-RU" baseline="0" dirty="0" err="1" smtClean="0"/>
-              <a:t>ревью</a:t>
-            </a:r>
-            <a:r>
-              <a:rPr lang="ru-RU" baseline="0" dirty="0" smtClean="0"/>
-              <a:t>, баги, отпуска, …</a:t>
-            </a:r>
-            <a:endParaRPr lang="ru-RU" dirty="0" smtClean="0"/>
-          </a:p>
-          <a:p>
-            <a:r>
-              <a:rPr lang="ru-RU" dirty="0" smtClean="0"/>
-              <a:t>Либо будут читать и развивать, либо будут бояться</a:t>
-            </a:r>
-            <a:r>
-              <a:rPr lang="ru-RU" baseline="0" dirty="0" smtClean="0"/>
-              <a:t> и выкинут.</a:t>
-            </a:r>
             <a:endParaRPr lang="ru-RU" dirty="0"/>
           </a:p>
         </p:txBody>
@@ -826,7 +804,471 @@
           <a:bodyPr/>
           <a:lstStyle/>
           <a:p>
-            <a:endParaRPr lang="ru-RU" dirty="0"/>
+            <a:r>
+              <a:rPr lang="en-US" dirty="0" smtClean="0">
+                <a:latin typeface="Consolas" panose="020B0609020204030204" pitchFamily="49" charset="0"/>
+                <a:cs typeface="Consolas" panose="020B0609020204030204" pitchFamily="49" charset="0"/>
+              </a:rPr>
+              <a:t>class </a:t>
+            </a:r>
+            <a:r>
+              <a:rPr lang="en-US" dirty="0" err="1" smtClean="0">
+                <a:latin typeface="Consolas" panose="020B0609020204030204" pitchFamily="49" charset="0"/>
+                <a:cs typeface="Consolas" panose="020B0609020204030204" pitchFamily="49" charset="0"/>
+              </a:rPr>
+              <a:t>NGram</a:t>
+            </a:r>
+            <a:r>
+              <a:rPr lang="en-US" dirty="0" smtClean="0">
+                <a:latin typeface="Consolas" panose="020B0609020204030204" pitchFamily="49" charset="0"/>
+                <a:cs typeface="Consolas" panose="020B0609020204030204" pitchFamily="49" charset="0"/>
+              </a:rPr>
+              <a:t>{</a:t>
+            </a:r>
+          </a:p>
+          <a:p>
+            <a:r>
+              <a:rPr lang="en-US" dirty="0" smtClean="0">
+                <a:latin typeface="Consolas" panose="020B0609020204030204" pitchFamily="49" charset="0"/>
+                <a:cs typeface="Consolas" panose="020B0609020204030204" pitchFamily="49" charset="0"/>
+              </a:rPr>
+              <a:t>	string[] Words;</a:t>
+            </a:r>
+          </a:p>
+          <a:p>
+            <a:r>
+              <a:rPr lang="en-US" dirty="0" smtClean="0">
+                <a:latin typeface="Consolas" panose="020B0609020204030204" pitchFamily="49" charset="0"/>
+                <a:cs typeface="Consolas" panose="020B0609020204030204" pitchFamily="49" charset="0"/>
+              </a:rPr>
+              <a:t>}</a:t>
+            </a:r>
+          </a:p>
+          <a:p>
+            <a:endParaRPr lang="en-US" dirty="0" smtClean="0">
+              <a:latin typeface="Consolas" panose="020B0609020204030204" pitchFamily="49" charset="0"/>
+              <a:cs typeface="Consolas" panose="020B0609020204030204" pitchFamily="49" charset="0"/>
+            </a:endParaRPr>
+          </a:p>
+          <a:p>
+            <a:r>
+              <a:rPr lang="en-US" dirty="0" smtClean="0">
+                <a:latin typeface="Consolas" panose="020B0609020204030204" pitchFamily="49" charset="0"/>
+                <a:cs typeface="Consolas" panose="020B0609020204030204" pitchFamily="49" charset="0"/>
+              </a:rPr>
+              <a:t>class </a:t>
+            </a:r>
+            <a:r>
+              <a:rPr lang="en-US" dirty="0" err="1" smtClean="0">
+                <a:latin typeface="Consolas" panose="020B0609020204030204" pitchFamily="49" charset="0"/>
+                <a:cs typeface="Consolas" panose="020B0609020204030204" pitchFamily="49" charset="0"/>
+              </a:rPr>
+              <a:t>Freq</a:t>
+            </a:r>
+            <a:r>
+              <a:rPr lang="en-US" dirty="0" smtClean="0">
+                <a:latin typeface="Consolas" panose="020B0609020204030204" pitchFamily="49" charset="0"/>
+                <a:cs typeface="Consolas" panose="020B0609020204030204" pitchFamily="49" charset="0"/>
+              </a:rPr>
+              <a:t>&lt;T&gt;{</a:t>
+            </a:r>
+          </a:p>
+          <a:p>
+            <a:r>
+              <a:rPr lang="en-US" dirty="0" smtClean="0">
+                <a:latin typeface="Consolas" panose="020B0609020204030204" pitchFamily="49" charset="0"/>
+                <a:cs typeface="Consolas" panose="020B0609020204030204" pitchFamily="49" charset="0"/>
+              </a:rPr>
+              <a:t>	T Value;</a:t>
+            </a:r>
+          </a:p>
+          <a:p>
+            <a:r>
+              <a:rPr lang="en-US" dirty="0" smtClean="0">
+                <a:latin typeface="Consolas" panose="020B0609020204030204" pitchFamily="49" charset="0"/>
+                <a:cs typeface="Consolas" panose="020B0609020204030204" pitchFamily="49" charset="0"/>
+              </a:rPr>
+              <a:t>	</a:t>
+            </a:r>
+            <a:r>
+              <a:rPr lang="en-US" dirty="0" err="1" smtClean="0">
+                <a:latin typeface="Consolas" panose="020B0609020204030204" pitchFamily="49" charset="0"/>
+                <a:cs typeface="Consolas" panose="020B0609020204030204" pitchFamily="49" charset="0"/>
+              </a:rPr>
+              <a:t>int</a:t>
+            </a:r>
+            <a:r>
+              <a:rPr lang="en-US" dirty="0" smtClean="0">
+                <a:latin typeface="Consolas" panose="020B0609020204030204" pitchFamily="49" charset="0"/>
+                <a:cs typeface="Consolas" panose="020B0609020204030204" pitchFamily="49" charset="0"/>
+              </a:rPr>
+              <a:t> Frequency;</a:t>
+            </a:r>
+          </a:p>
+          <a:p>
+            <a:r>
+              <a:rPr lang="en-US" dirty="0" smtClean="0">
+                <a:latin typeface="Consolas" panose="020B0609020204030204" pitchFamily="49" charset="0"/>
+                <a:cs typeface="Consolas" panose="020B0609020204030204" pitchFamily="49" charset="0"/>
+              </a:rPr>
+              <a:t>}</a:t>
+            </a:r>
+          </a:p>
+          <a:p>
+            <a:endParaRPr lang="en-US" dirty="0" smtClean="0">
+              <a:latin typeface="Consolas" panose="020B0609020204030204" pitchFamily="49" charset="0"/>
+              <a:cs typeface="Consolas" panose="020B0609020204030204" pitchFamily="49" charset="0"/>
+            </a:endParaRPr>
+          </a:p>
+          <a:p>
+            <a:r>
+              <a:rPr lang="en-US" dirty="0" smtClean="0">
+                <a:latin typeface="Consolas" panose="020B0609020204030204" pitchFamily="49" charset="0"/>
+                <a:cs typeface="Consolas" panose="020B0609020204030204" pitchFamily="49" charset="0"/>
+              </a:rPr>
+              <a:t>string[] </a:t>
+            </a:r>
+            <a:r>
+              <a:rPr lang="en-US" dirty="0" err="1" smtClean="0">
+                <a:latin typeface="Consolas" panose="020B0609020204030204" pitchFamily="49" charset="0"/>
+                <a:cs typeface="Consolas" panose="020B0609020204030204" pitchFamily="49" charset="0"/>
+              </a:rPr>
+              <a:t>ReadWords</a:t>
+            </a:r>
+            <a:r>
+              <a:rPr lang="en-US" dirty="0" smtClean="0">
+                <a:latin typeface="Consolas" panose="020B0609020204030204" pitchFamily="49" charset="0"/>
+                <a:cs typeface="Consolas" panose="020B0609020204030204" pitchFamily="49" charset="0"/>
+              </a:rPr>
+              <a:t>(string filename)</a:t>
+            </a:r>
+          </a:p>
+          <a:p>
+            <a:r>
+              <a:rPr lang="en-US" dirty="0" err="1" smtClean="0">
+                <a:latin typeface="Consolas" panose="020B0609020204030204" pitchFamily="49" charset="0"/>
+                <a:cs typeface="Consolas" panose="020B0609020204030204" pitchFamily="49" charset="0"/>
+              </a:rPr>
+              <a:t>NGram</a:t>
+            </a:r>
+            <a:r>
+              <a:rPr lang="en-US" dirty="0" smtClean="0">
+                <a:latin typeface="Consolas" panose="020B0609020204030204" pitchFamily="49" charset="0"/>
+                <a:cs typeface="Consolas" panose="020B0609020204030204" pitchFamily="49" charset="0"/>
+              </a:rPr>
+              <a:t>[] </a:t>
+            </a:r>
+            <a:r>
+              <a:rPr lang="en-US" dirty="0" err="1" smtClean="0">
+                <a:latin typeface="Consolas" panose="020B0609020204030204" pitchFamily="49" charset="0"/>
+                <a:cs typeface="Consolas" panose="020B0609020204030204" pitchFamily="49" charset="0"/>
+              </a:rPr>
+              <a:t>SplitToBigrams</a:t>
+            </a:r>
+            <a:r>
+              <a:rPr lang="en-US" dirty="0" smtClean="0">
+                <a:latin typeface="Consolas" panose="020B0609020204030204" pitchFamily="49" charset="0"/>
+                <a:cs typeface="Consolas" panose="020B0609020204030204" pitchFamily="49" charset="0"/>
+              </a:rPr>
+              <a:t>(string[] words)</a:t>
+            </a:r>
+          </a:p>
+          <a:p>
+            <a:r>
+              <a:rPr lang="en-US" dirty="0" err="1" smtClean="0">
+                <a:latin typeface="Consolas" panose="020B0609020204030204" pitchFamily="49" charset="0"/>
+                <a:cs typeface="Consolas" panose="020B0609020204030204" pitchFamily="49" charset="0"/>
+              </a:rPr>
+              <a:t>Freq</a:t>
+            </a:r>
+            <a:r>
+              <a:rPr lang="en-US" dirty="0" smtClean="0">
+                <a:latin typeface="Consolas" panose="020B0609020204030204" pitchFamily="49" charset="0"/>
+                <a:cs typeface="Consolas" panose="020B0609020204030204" pitchFamily="49" charset="0"/>
+              </a:rPr>
+              <a:t>&lt;T&gt;[] </a:t>
+            </a:r>
+            <a:r>
+              <a:rPr lang="en-US" dirty="0" err="1" smtClean="0">
+                <a:latin typeface="Consolas" panose="020B0609020204030204" pitchFamily="49" charset="0"/>
+                <a:cs typeface="Consolas" panose="020B0609020204030204" pitchFamily="49" charset="0"/>
+              </a:rPr>
+              <a:t>GetFreqRating</a:t>
+            </a:r>
+            <a:r>
+              <a:rPr lang="en-US" dirty="0" smtClean="0">
+                <a:latin typeface="Consolas" panose="020B0609020204030204" pitchFamily="49" charset="0"/>
+                <a:cs typeface="Consolas" panose="020B0609020204030204" pitchFamily="49" charset="0"/>
+              </a:rPr>
+              <a:t>&lt;T&gt;(T[] items)</a:t>
+            </a:r>
+          </a:p>
+          <a:p>
+            <a:r>
+              <a:rPr lang="en-US" dirty="0" err="1" smtClean="0">
+                <a:latin typeface="Consolas" panose="020B0609020204030204" pitchFamily="49" charset="0"/>
+                <a:cs typeface="Consolas" panose="020B0609020204030204" pitchFamily="49" charset="0"/>
+              </a:rPr>
+              <a:t>WriteBigramsRating</a:t>
+            </a:r>
+            <a:r>
+              <a:rPr lang="en-US" dirty="0" smtClean="0">
+                <a:latin typeface="Consolas" panose="020B0609020204030204" pitchFamily="49" charset="0"/>
+                <a:cs typeface="Consolas" panose="020B0609020204030204" pitchFamily="49" charset="0"/>
+              </a:rPr>
+              <a:t>(</a:t>
+            </a:r>
+            <a:r>
+              <a:rPr lang="en-US" dirty="0" err="1" smtClean="0">
+                <a:latin typeface="Consolas" panose="020B0609020204030204" pitchFamily="49" charset="0"/>
+                <a:cs typeface="Consolas" panose="020B0609020204030204" pitchFamily="49" charset="0"/>
+              </a:rPr>
+              <a:t>Freq</a:t>
+            </a:r>
+            <a:r>
+              <a:rPr lang="en-US" dirty="0" smtClean="0">
+                <a:latin typeface="Consolas" panose="020B0609020204030204" pitchFamily="49" charset="0"/>
+                <a:cs typeface="Consolas" panose="020B0609020204030204" pitchFamily="49" charset="0"/>
+              </a:rPr>
+              <a:t>&lt;</a:t>
+            </a:r>
+            <a:r>
+              <a:rPr lang="en-US" dirty="0" err="1" smtClean="0">
+                <a:latin typeface="Consolas" panose="020B0609020204030204" pitchFamily="49" charset="0"/>
+                <a:cs typeface="Consolas" panose="020B0609020204030204" pitchFamily="49" charset="0"/>
+              </a:rPr>
+              <a:t>NGram</a:t>
+            </a:r>
+            <a:r>
+              <a:rPr lang="en-US" dirty="0" smtClean="0">
+                <a:latin typeface="Consolas" panose="020B0609020204030204" pitchFamily="49" charset="0"/>
+                <a:cs typeface="Consolas" panose="020B0609020204030204" pitchFamily="49" charset="0"/>
+              </a:rPr>
+              <a:t>&gt;[] </a:t>
+            </a:r>
+            <a:r>
+              <a:rPr lang="en-US" dirty="0" err="1" smtClean="0">
+                <a:latin typeface="Consolas" panose="020B0609020204030204" pitchFamily="49" charset="0"/>
+                <a:cs typeface="Consolas" panose="020B0609020204030204" pitchFamily="49" charset="0"/>
+              </a:rPr>
+              <a:t>bigramsRating</a:t>
+            </a:r>
+            <a:r>
+              <a:rPr lang="en-US" dirty="0" smtClean="0">
+                <a:latin typeface="Consolas" panose="020B0609020204030204" pitchFamily="49" charset="0"/>
+                <a:cs typeface="Consolas" panose="020B0609020204030204" pitchFamily="49" charset="0"/>
+              </a:rPr>
+              <a:t>);</a:t>
+            </a:r>
+            <a:endParaRPr lang="ru-RU" dirty="0" smtClean="0">
+              <a:latin typeface="Consolas" panose="020B0609020204030204" pitchFamily="49" charset="0"/>
+              <a:cs typeface="Consolas" panose="020B0609020204030204" pitchFamily="49" charset="0"/>
+            </a:endParaRPr>
+          </a:p>
+          <a:p>
+            <a:endParaRPr lang="ru-RU" dirty="0" smtClean="0">
+              <a:latin typeface="Consolas" panose="020B0609020204030204" pitchFamily="49" charset="0"/>
+              <a:cs typeface="Consolas" panose="020B0609020204030204" pitchFamily="49" charset="0"/>
+            </a:endParaRPr>
+          </a:p>
+          <a:p>
+            <a:r>
+              <a:rPr lang="ru-RU" dirty="0" smtClean="0">
+                <a:latin typeface="Consolas" panose="020B0609020204030204" pitchFamily="49" charset="0"/>
+                <a:cs typeface="Consolas" panose="020B0609020204030204" pitchFamily="49" charset="0"/>
+              </a:rPr>
+              <a:t>Или</a:t>
+            </a:r>
+          </a:p>
+          <a:p>
+            <a:r>
+              <a:rPr lang="en-US" dirty="0" err="1" smtClean="0">
+                <a:latin typeface="Consolas" panose="020B0609020204030204" pitchFamily="49" charset="0"/>
+                <a:cs typeface="Consolas" panose="020B0609020204030204" pitchFamily="49" charset="0"/>
+              </a:rPr>
+              <a:t>IEnumerable</a:t>
+            </a:r>
+            <a:r>
+              <a:rPr lang="en-US" dirty="0" smtClean="0">
+                <a:latin typeface="Consolas" panose="020B0609020204030204" pitchFamily="49" charset="0"/>
+                <a:cs typeface="Consolas" panose="020B0609020204030204" pitchFamily="49" charset="0"/>
+              </a:rPr>
+              <a:t>&lt;string&gt; </a:t>
+            </a:r>
+            <a:r>
+              <a:rPr lang="en-US" dirty="0" err="1" smtClean="0">
+                <a:latin typeface="Consolas" panose="020B0609020204030204" pitchFamily="49" charset="0"/>
+                <a:cs typeface="Consolas" panose="020B0609020204030204" pitchFamily="49" charset="0"/>
+              </a:rPr>
+              <a:t>ReadWords</a:t>
+            </a:r>
+            <a:r>
+              <a:rPr lang="en-US" dirty="0" smtClean="0">
+                <a:latin typeface="Consolas" panose="020B0609020204030204" pitchFamily="49" charset="0"/>
+                <a:cs typeface="Consolas" panose="020B0609020204030204" pitchFamily="49" charset="0"/>
+              </a:rPr>
+              <a:t>(string filename)</a:t>
+            </a:r>
+          </a:p>
+          <a:p>
+            <a:r>
+              <a:rPr lang="en-US" dirty="0" err="1" smtClean="0">
+                <a:latin typeface="Consolas" panose="020B0609020204030204" pitchFamily="49" charset="0"/>
+                <a:cs typeface="Consolas" panose="020B0609020204030204" pitchFamily="49" charset="0"/>
+              </a:rPr>
+              <a:t>IEnumerable</a:t>
+            </a:r>
+            <a:r>
+              <a:rPr lang="en-US" dirty="0" smtClean="0">
+                <a:latin typeface="Consolas" panose="020B0609020204030204" pitchFamily="49" charset="0"/>
+                <a:cs typeface="Consolas" panose="020B0609020204030204" pitchFamily="49" charset="0"/>
+              </a:rPr>
+              <a:t>&lt;Tuple&lt;string, string&gt;&gt; </a:t>
+            </a:r>
+            <a:r>
+              <a:rPr lang="en-US" dirty="0" err="1" smtClean="0">
+                <a:latin typeface="Consolas" panose="020B0609020204030204" pitchFamily="49" charset="0"/>
+                <a:cs typeface="Consolas" panose="020B0609020204030204" pitchFamily="49" charset="0"/>
+              </a:rPr>
+              <a:t>SplitToBigrams</a:t>
+            </a:r>
+            <a:r>
+              <a:rPr lang="en-US" dirty="0" smtClean="0">
+                <a:latin typeface="Consolas" panose="020B0609020204030204" pitchFamily="49" charset="0"/>
+                <a:cs typeface="Consolas" panose="020B0609020204030204" pitchFamily="49" charset="0"/>
+              </a:rPr>
+              <a:t>(</a:t>
+            </a:r>
+            <a:r>
+              <a:rPr lang="en-US" dirty="0" err="1" smtClean="0">
+                <a:latin typeface="Consolas" panose="020B0609020204030204" pitchFamily="49" charset="0"/>
+                <a:cs typeface="Consolas" panose="020B0609020204030204" pitchFamily="49" charset="0"/>
+              </a:rPr>
+              <a:t>IEnumerable</a:t>
+            </a:r>
+            <a:r>
+              <a:rPr lang="en-US" dirty="0" smtClean="0">
+                <a:latin typeface="Consolas" panose="020B0609020204030204" pitchFamily="49" charset="0"/>
+                <a:cs typeface="Consolas" panose="020B0609020204030204" pitchFamily="49" charset="0"/>
+              </a:rPr>
+              <a:t>&lt;string&gt; words)</a:t>
+            </a:r>
+          </a:p>
+          <a:p>
+            <a:r>
+              <a:rPr lang="en-US" dirty="0" err="1" smtClean="0">
+                <a:latin typeface="Consolas" panose="020B0609020204030204" pitchFamily="49" charset="0"/>
+                <a:cs typeface="Consolas" panose="020B0609020204030204" pitchFamily="49" charset="0"/>
+              </a:rPr>
+              <a:t>IEnumerable</a:t>
+            </a:r>
+            <a:r>
+              <a:rPr lang="en-US" dirty="0" smtClean="0">
+                <a:latin typeface="Consolas" panose="020B0609020204030204" pitchFamily="49" charset="0"/>
+                <a:cs typeface="Consolas" panose="020B0609020204030204" pitchFamily="49" charset="0"/>
+              </a:rPr>
+              <a:t>&lt;Tuple&lt;</a:t>
+            </a:r>
+            <a:r>
+              <a:rPr lang="en-US" dirty="0" err="1" smtClean="0">
+                <a:latin typeface="Consolas" panose="020B0609020204030204" pitchFamily="49" charset="0"/>
+                <a:cs typeface="Consolas" panose="020B0609020204030204" pitchFamily="49" charset="0"/>
+              </a:rPr>
+              <a:t>int</a:t>
+            </a:r>
+            <a:r>
+              <a:rPr lang="en-US" dirty="0" smtClean="0">
+                <a:latin typeface="Consolas" panose="020B0609020204030204" pitchFamily="49" charset="0"/>
+                <a:cs typeface="Consolas" panose="020B0609020204030204" pitchFamily="49" charset="0"/>
+              </a:rPr>
+              <a:t>, T&gt;&gt; </a:t>
+            </a:r>
+            <a:r>
+              <a:rPr lang="en-US" dirty="0" err="1" smtClean="0">
+                <a:latin typeface="Consolas" panose="020B0609020204030204" pitchFamily="49" charset="0"/>
+                <a:cs typeface="Consolas" panose="020B0609020204030204" pitchFamily="49" charset="0"/>
+              </a:rPr>
+              <a:t>GetFrequencyRating</a:t>
+            </a:r>
+            <a:r>
+              <a:rPr lang="en-US" dirty="0" smtClean="0">
+                <a:latin typeface="Consolas" panose="020B0609020204030204" pitchFamily="49" charset="0"/>
+                <a:cs typeface="Consolas" panose="020B0609020204030204" pitchFamily="49" charset="0"/>
+              </a:rPr>
+              <a:t>&lt;T&gt;(</a:t>
+            </a:r>
+            <a:r>
+              <a:rPr lang="en-US" dirty="0" err="1" smtClean="0">
+                <a:latin typeface="Consolas" panose="020B0609020204030204" pitchFamily="49" charset="0"/>
+                <a:cs typeface="Consolas" panose="020B0609020204030204" pitchFamily="49" charset="0"/>
+              </a:rPr>
+              <a:t>IEnumerable</a:t>
+            </a:r>
+            <a:r>
+              <a:rPr lang="en-US" dirty="0" smtClean="0">
+                <a:latin typeface="Consolas" panose="020B0609020204030204" pitchFamily="49" charset="0"/>
+                <a:cs typeface="Consolas" panose="020B0609020204030204" pitchFamily="49" charset="0"/>
+              </a:rPr>
+              <a:t>&lt;T&gt; items)</a:t>
+            </a:r>
+          </a:p>
+          <a:p>
+            <a:r>
+              <a:rPr lang="en-US" dirty="0" err="1" smtClean="0">
+                <a:latin typeface="Consolas" panose="020B0609020204030204" pitchFamily="49" charset="0"/>
+                <a:cs typeface="Consolas" panose="020B0609020204030204" pitchFamily="49" charset="0"/>
+              </a:rPr>
+              <a:t>WriteBigrams</a:t>
+            </a:r>
+            <a:r>
+              <a:rPr lang="en-US" dirty="0" smtClean="0">
+                <a:latin typeface="Consolas" panose="020B0609020204030204" pitchFamily="49" charset="0"/>
+                <a:cs typeface="Consolas" panose="020B0609020204030204" pitchFamily="49" charset="0"/>
+              </a:rPr>
+              <a:t>(</a:t>
+            </a:r>
+            <a:r>
+              <a:rPr lang="en-US" dirty="0" err="1" smtClean="0">
+                <a:latin typeface="Consolas" panose="020B0609020204030204" pitchFamily="49" charset="0"/>
+                <a:cs typeface="Consolas" panose="020B0609020204030204" pitchFamily="49" charset="0"/>
+              </a:rPr>
+              <a:t>IEnumerable</a:t>
+            </a:r>
+            <a:r>
+              <a:rPr lang="en-US" dirty="0" smtClean="0">
+                <a:latin typeface="Consolas" panose="020B0609020204030204" pitchFamily="49" charset="0"/>
+                <a:cs typeface="Consolas" panose="020B0609020204030204" pitchFamily="49" charset="0"/>
+              </a:rPr>
+              <a:t>&lt;Tuple&lt;</a:t>
+            </a:r>
+            <a:r>
+              <a:rPr lang="en-US" dirty="0" err="1" smtClean="0">
+                <a:latin typeface="Consolas" panose="020B0609020204030204" pitchFamily="49" charset="0"/>
+                <a:cs typeface="Consolas" panose="020B0609020204030204" pitchFamily="49" charset="0"/>
+              </a:rPr>
+              <a:t>int</a:t>
+            </a:r>
+            <a:r>
+              <a:rPr lang="en-US" dirty="0" smtClean="0">
+                <a:latin typeface="Consolas" panose="020B0609020204030204" pitchFamily="49" charset="0"/>
+                <a:cs typeface="Consolas" panose="020B0609020204030204" pitchFamily="49" charset="0"/>
+              </a:rPr>
+              <a:t>, Tuple&lt;string, string&gt;&gt;&gt; </a:t>
+            </a:r>
+            <a:r>
+              <a:rPr lang="en-US" dirty="0" err="1" smtClean="0">
+                <a:latin typeface="Consolas" panose="020B0609020204030204" pitchFamily="49" charset="0"/>
+                <a:cs typeface="Consolas" panose="020B0609020204030204" pitchFamily="49" charset="0"/>
+              </a:rPr>
+              <a:t>birgamFrequencies</a:t>
+            </a:r>
+            <a:r>
+              <a:rPr lang="en-US" dirty="0" smtClean="0">
+                <a:latin typeface="Consolas" panose="020B0609020204030204" pitchFamily="49" charset="0"/>
+                <a:cs typeface="Consolas" panose="020B0609020204030204" pitchFamily="49" charset="0"/>
+              </a:rPr>
+              <a:t>)</a:t>
+            </a:r>
           </a:p>
         </p:txBody>
       </p:sp>
@@ -847,7 +1289,7 @@
           <a:p>
             <a:fld id="{414C0F9C-8EEB-4FCC-AFE2-CBC89CE9F378}" type="slidenum">
               <a:rPr lang="ru-RU" smtClean="0"/>
-              <a:t>39</a:t>
+              <a:t>38</a:t>
             </a:fld>
             <a:endParaRPr lang="ru-RU"/>
           </a:p>
@@ -856,7 +1298,7 @@
     </p:spTree>
     <p:extLst>
       <p:ext uri="{BB962C8B-B14F-4D97-AF65-F5344CB8AC3E}">
-        <p14:creationId xmlns:p14="http://schemas.microsoft.com/office/powerpoint/2010/main" val="1084297011"/>
+        <p14:creationId xmlns:p14="http://schemas.microsoft.com/office/powerpoint/2010/main" val="3742409906"/>
       </p:ext>
     </p:extLst>
   </p:cSld>
@@ -931,6 +1373,90 @@
           <a:p>
             <a:fld id="{414C0F9C-8EEB-4FCC-AFE2-CBC89CE9F378}" type="slidenum">
               <a:rPr lang="ru-RU" smtClean="0"/>
+              <a:t>39</a:t>
+            </a:fld>
+            <a:endParaRPr lang="ru-RU"/>
+          </a:p>
+        </p:txBody>
+      </p:sp>
+    </p:spTree>
+    <p:extLst>
+      <p:ext uri="{BB962C8B-B14F-4D97-AF65-F5344CB8AC3E}">
+        <p14:creationId xmlns:p14="http://schemas.microsoft.com/office/powerpoint/2010/main" val="1084297011"/>
+      </p:ext>
+    </p:extLst>
+  </p:cSld>
+  <p:clrMapOvr>
+    <a:masterClrMapping/>
+  </p:clrMapOvr>
+</p:notes>
+</file>
+
+<file path=ppt/notesSlides/notesSlide12.xml><?xml version="1.0" encoding="utf-8"?>
+<p:notes xmlns:a="http://schemas.openxmlformats.org/drawingml/2006/main" xmlns:r="http://schemas.openxmlformats.org/officeDocument/2006/relationships" xmlns:p="http://schemas.openxmlformats.org/presentationml/2006/main">
+  <p:cSld>
+    <p:spTree>
+      <p:nvGrpSpPr>
+        <p:cNvPr id="1" name=""/>
+        <p:cNvGrpSpPr/>
+        <p:nvPr/>
+      </p:nvGrpSpPr>
+      <p:grpSpPr>
+        <a:xfrm>
+          <a:off x="0" y="0"/>
+          <a:ext cx="0" cy="0"/>
+          <a:chOff x="0" y="0"/>
+          <a:chExt cx="0" cy="0"/>
+        </a:xfrm>
+      </p:grpSpPr>
+      <p:sp>
+        <p:nvSpPr>
+          <p:cNvPr id="2" name="Образ слайда 1"/>
+          <p:cNvSpPr>
+            <a:spLocks noGrp="1" noRot="1" noChangeAspect="1"/>
+          </p:cNvSpPr>
+          <p:nvPr>
+            <p:ph type="sldImg"/>
+          </p:nvPr>
+        </p:nvSpPr>
+        <p:spPr/>
+      </p:sp>
+      <p:sp>
+        <p:nvSpPr>
+          <p:cNvPr id="3" name="Заметки 2"/>
+          <p:cNvSpPr>
+            <a:spLocks noGrp="1"/>
+          </p:cNvSpPr>
+          <p:nvPr>
+            <p:ph type="body" idx="1"/>
+          </p:nvPr>
+        </p:nvSpPr>
+        <p:spPr/>
+        <p:txBody>
+          <a:bodyPr/>
+          <a:lstStyle/>
+          <a:p>
+            <a:endParaRPr lang="ru-RU" dirty="0"/>
+          </a:p>
+        </p:txBody>
+      </p:sp>
+      <p:sp>
+        <p:nvSpPr>
+          <p:cNvPr id="4" name="Номер слайда 3"/>
+          <p:cNvSpPr>
+            <a:spLocks noGrp="1"/>
+          </p:cNvSpPr>
+          <p:nvPr>
+            <p:ph type="sldNum" sz="quarter" idx="10"/>
+          </p:nvPr>
+        </p:nvSpPr>
+        <p:spPr/>
+        <p:txBody>
+          <a:bodyPr/>
+          <a:lstStyle/>
+          <a:p>
+            <a:fld id="{414C0F9C-8EEB-4FCC-AFE2-CBC89CE9F378}" type="slidenum">
+              <a:rPr lang="ru-RU" smtClean="0"/>
               <a:t>40</a:t>
             </a:fld>
             <a:endParaRPr lang="ru-RU"/>
@@ -950,7 +1476,7 @@
 </p:notes>
 </file>
 
-<file path=ppt/notesSlides/notesSlide12.xml><?xml version="1.0" encoding="utf-8"?>
+<file path=ppt/notesSlides/notesSlide13.xml><?xml version="1.0" encoding="utf-8"?>
 <p:notes xmlns:a="http://schemas.openxmlformats.org/drawingml/2006/main" xmlns:r="http://schemas.openxmlformats.org/officeDocument/2006/relationships" xmlns:p="http://schemas.openxmlformats.org/presentationml/2006/main">
   <p:cSld>
     <p:spTree>
@@ -1078,6 +1604,36 @@
           <a:bodyPr/>
           <a:lstStyle/>
           <a:p>
+            <a:r>
+              <a:rPr lang="ru-RU" dirty="0" smtClean="0"/>
+              <a:t>Командная работа</a:t>
+            </a:r>
+            <a:r>
+              <a:rPr lang="ru-RU" baseline="0" dirty="0" smtClean="0"/>
+              <a:t> — когда есть коллективное владение кодом. Код-</a:t>
+            </a:r>
+            <a:r>
+              <a:rPr lang="ru-RU" baseline="0" dirty="0" err="1" smtClean="0"/>
+              <a:t>ревью</a:t>
+            </a:r>
+            <a:r>
+              <a:rPr lang="ru-RU" baseline="0" dirty="0" smtClean="0"/>
+              <a:t>, баги, отпуска, …</a:t>
+            </a:r>
+            <a:endParaRPr lang="ru-RU" dirty="0" smtClean="0"/>
+          </a:p>
+          <a:p>
+            <a:r>
+              <a:rPr lang="ru-RU" dirty="0" smtClean="0"/>
+              <a:t>Либо будут читать и развивать, либо будут бояться</a:t>
+            </a:r>
+            <a:r>
+              <a:rPr lang="ru-RU" baseline="0" dirty="0" smtClean="0"/>
+              <a:t> и выкинут.</a:t>
+            </a:r>
+            <a:endParaRPr lang="ru-RU" dirty="0" smtClean="0"/>
+          </a:p>
+          <a:p>
             <a:endParaRPr lang="ru-RU" dirty="0"/>
           </a:p>
         </p:txBody>
@@ -1099,7 +1655,7 @@
           <a:p>
             <a:fld id="{414C0F9C-8EEB-4FCC-AFE2-CBC89CE9F378}" type="slidenum">
               <a:rPr lang="ru-RU" smtClean="0"/>
-              <a:t>9</a:t>
+              <a:t>3</a:t>
             </a:fld>
             <a:endParaRPr lang="ru-RU"/>
           </a:p>
@@ -1108,7 +1664,7 @@
     </p:spTree>
     <p:extLst>
       <p:ext uri="{BB962C8B-B14F-4D97-AF65-F5344CB8AC3E}">
-        <p14:creationId xmlns:p14="http://schemas.microsoft.com/office/powerpoint/2010/main" val="3265270521"/>
+        <p14:creationId xmlns:p14="http://schemas.microsoft.com/office/powerpoint/2010/main" val="2342520185"/>
       </p:ext>
     </p:extLst>
   </p:cSld>
@@ -1162,16 +1718,6 @@
           <a:bodyPr/>
           <a:lstStyle/>
           <a:p>
-            <a:r>
-              <a:rPr lang="ru-RU" dirty="0" smtClean="0"/>
-              <a:t>Переделать</a:t>
-            </a:r>
-            <a:r>
-              <a:rPr lang="ru-RU" baseline="0" dirty="0" smtClean="0"/>
-              <a:t> в устные задачи</a:t>
-            </a:r>
-          </a:p>
-          <a:p>
             <a:endParaRPr lang="ru-RU" dirty="0"/>
           </a:p>
         </p:txBody>
@@ -1193,7 +1739,7 @@
           <a:p>
             <a:fld id="{414C0F9C-8EEB-4FCC-AFE2-CBC89CE9F378}" type="slidenum">
               <a:rPr lang="ru-RU" smtClean="0"/>
-              <a:t>10</a:t>
+              <a:t>9</a:t>
             </a:fld>
             <a:endParaRPr lang="ru-RU"/>
           </a:p>
@@ -1202,7 +1748,7 @@
     </p:spTree>
     <p:extLst>
       <p:ext uri="{BB962C8B-B14F-4D97-AF65-F5344CB8AC3E}">
-        <p14:creationId xmlns:p14="http://schemas.microsoft.com/office/powerpoint/2010/main" val="2941234724"/>
+        <p14:creationId xmlns:p14="http://schemas.microsoft.com/office/powerpoint/2010/main" val="3265270521"/>
       </p:ext>
     </p:extLst>
   </p:cSld>
@@ -1287,7 +1833,7 @@
           <a:p>
             <a:fld id="{414C0F9C-8EEB-4FCC-AFE2-CBC89CE9F378}" type="slidenum">
               <a:rPr lang="ru-RU" smtClean="0"/>
-              <a:t>11</a:t>
+              <a:t>10</a:t>
             </a:fld>
             <a:endParaRPr lang="ru-RU"/>
           </a:p>
@@ -1351,53 +1897,15 @@
           <a:lstStyle/>
           <a:p>
             <a:r>
-              <a:rPr lang="en-US" dirty="0" err="1" smtClean="0"/>
-              <a:t>FindPerson</a:t>
-            </a:r>
-            <a:r>
               <a:rPr lang="ru-RU" dirty="0" smtClean="0"/>
-              <a:t> — плохое</a:t>
+              <a:t>Переделать</a:t>
             </a:r>
             <a:r>
               <a:rPr lang="ru-RU" baseline="0" dirty="0" smtClean="0"/>
-              <a:t> имя.</a:t>
-            </a:r>
-          </a:p>
-          <a:p>
-            <a:r>
-              <a:rPr lang="ru-RU" dirty="0" smtClean="0"/>
-              <a:t>Это</a:t>
-            </a:r>
-            <a:r>
-              <a:rPr lang="ru-RU" baseline="0" dirty="0" smtClean="0"/>
-              <a:t> скорее </a:t>
-            </a:r>
-            <a:r>
-              <a:rPr lang="en-US" baseline="0" dirty="0" err="1" smtClean="0"/>
-              <a:t>GetOrCreate</a:t>
-            </a:r>
-            <a:endParaRPr lang="en-US" baseline="0" dirty="0" smtClean="0"/>
-          </a:p>
-          <a:p>
-            <a:r>
-              <a:rPr lang="ru-RU" baseline="0" dirty="0" smtClean="0"/>
-              <a:t>Или даже </a:t>
-            </a:r>
-            <a:r>
-              <a:rPr lang="en-US" baseline="0" dirty="0" err="1" smtClean="0"/>
-              <a:t>GetOrCreateAndIncreaseCapacityIfNeeded</a:t>
-            </a:r>
-            <a:endParaRPr lang="en-US" baseline="0" dirty="0" smtClean="0"/>
-          </a:p>
-          <a:p>
-            <a:r>
-              <a:rPr lang="en-US" baseline="0" dirty="0" smtClean="0"/>
-              <a:t>CQS — Command Query </a:t>
-            </a:r>
-            <a:r>
-              <a:rPr lang="en-US" baseline="0" dirty="0" err="1" smtClean="0"/>
-              <a:t>Sepration</a:t>
-            </a:r>
+              <a:t> в устные задачи</a:t>
+            </a:r>
+          </a:p>
+          <a:p>
             <a:endParaRPr lang="ru-RU" dirty="0"/>
           </a:p>
         </p:txBody>
@@ -1419,7 +1927,7 @@
           <a:p>
             <a:fld id="{414C0F9C-8EEB-4FCC-AFE2-CBC89CE9F378}" type="slidenum">
               <a:rPr lang="ru-RU" smtClean="0"/>
-              <a:t>12</a:t>
+              <a:t>11</a:t>
             </a:fld>
             <a:endParaRPr lang="ru-RU"/>
           </a:p>
@@ -1428,7 +1936,7 @@
     </p:spTree>
     <p:extLst>
       <p:ext uri="{BB962C8B-B14F-4D97-AF65-F5344CB8AC3E}">
-        <p14:creationId xmlns:p14="http://schemas.microsoft.com/office/powerpoint/2010/main" val="1688428503"/>
+        <p14:creationId xmlns:p14="http://schemas.microsoft.com/office/powerpoint/2010/main" val="2941234724"/>
       </p:ext>
     </p:extLst>
   </p:cSld>
@@ -1483,20 +1991,52 @@
           <a:lstStyle/>
           <a:p>
             <a:r>
+              <a:rPr lang="en-US" dirty="0" err="1" smtClean="0"/>
+              <a:t>FindPerson</a:t>
+            </a:r>
+            <a:r>
               <a:rPr lang="ru-RU" dirty="0" smtClean="0"/>
-              <a:t>Возможно</a:t>
+              <a:t> — плохое</a:t>
             </a:r>
             <a:r>
               <a:rPr lang="ru-RU" baseline="0" dirty="0" smtClean="0"/>
-              <a:t> теперь вся сложность в </a:t>
+              <a:t> имя.</a:t>
+            </a:r>
+          </a:p>
+          <a:p>
+            <a:r>
+              <a:rPr lang="ru-RU" dirty="0" smtClean="0"/>
+              <a:t>Это</a:t>
+            </a:r>
+            <a:r>
+              <a:rPr lang="ru-RU" baseline="0" dirty="0" smtClean="0"/>
+              <a:t> скорее </a:t>
             </a:r>
             <a:r>
               <a:rPr lang="en-US" baseline="0" dirty="0" err="1" smtClean="0"/>
-              <a:t>ReadField</a:t>
-            </a:r>
+              <a:t>GetOrCreate</a:t>
+            </a:r>
+            <a:endParaRPr lang="en-US" baseline="0" dirty="0" smtClean="0"/>
+          </a:p>
+          <a:p>
             <a:r>
               <a:rPr lang="ru-RU" baseline="0" dirty="0" smtClean="0"/>
-              <a:t>?</a:t>
+              <a:t>Или даже </a:t>
+            </a:r>
+            <a:r>
+              <a:rPr lang="en-US" baseline="0" dirty="0" err="1" smtClean="0"/>
+              <a:t>GetOrCreateAndIncreaseCapacityIfNeeded</a:t>
+            </a:r>
+            <a:endParaRPr lang="en-US" baseline="0" dirty="0" smtClean="0"/>
+          </a:p>
+          <a:p>
+            <a:r>
+              <a:rPr lang="en-US" baseline="0" dirty="0" smtClean="0"/>
+              <a:t>CQS — Command Query </a:t>
+            </a:r>
+            <a:r>
+              <a:rPr lang="en-US" baseline="0" dirty="0" err="1" smtClean="0"/>
+              <a:t>Sepration</a:t>
             </a:r>
             <a:endParaRPr lang="ru-RU" dirty="0"/>
           </a:p>
@@ -1519,7 +2059,7 @@
           <a:p>
             <a:fld id="{414C0F9C-8EEB-4FCC-AFE2-CBC89CE9F378}" type="slidenum">
               <a:rPr lang="ru-RU" smtClean="0"/>
-              <a:t>30</a:t>
+              <a:t>12</a:t>
             </a:fld>
             <a:endParaRPr lang="ru-RU"/>
           </a:p>
@@ -1528,7 +2068,7 @@
     </p:spTree>
     <p:extLst>
       <p:ext uri="{BB962C8B-B14F-4D97-AF65-F5344CB8AC3E}">
-        <p14:creationId xmlns:p14="http://schemas.microsoft.com/office/powerpoint/2010/main" val="365505434"/>
+        <p14:creationId xmlns:p14="http://schemas.microsoft.com/office/powerpoint/2010/main" val="1688428503"/>
       </p:ext>
     </p:extLst>
   </p:cSld>
@@ -1584,11 +2124,19 @@
           <a:p>
             <a:r>
               <a:rPr lang="ru-RU" dirty="0" smtClean="0"/>
-              <a:t>… и</a:t>
+              <a:t>Возможно</a:t>
             </a:r>
             <a:r>
               <a:rPr lang="ru-RU" baseline="0" dirty="0" smtClean="0"/>
-              <a:t> теперь он выглядит вот так?</a:t>
+              <a:t> теперь вся сложность в </a:t>
+            </a:r>
+            <a:r>
+              <a:rPr lang="en-US" baseline="0" dirty="0" err="1" smtClean="0"/>
+              <a:t>ReadField</a:t>
+            </a:r>
+            <a:r>
+              <a:rPr lang="ru-RU" baseline="0" dirty="0" smtClean="0"/>
+              <a:t>?</a:t>
             </a:r>
             <a:endParaRPr lang="ru-RU" dirty="0"/>
           </a:p>
@@ -1611,7 +2159,7 @@
           <a:p>
             <a:fld id="{414C0F9C-8EEB-4FCC-AFE2-CBC89CE9F378}" type="slidenum">
               <a:rPr lang="ru-RU" smtClean="0"/>
-              <a:t>31</a:t>
+              <a:t>30</a:t>
             </a:fld>
             <a:endParaRPr lang="ru-RU"/>
           </a:p>
@@ -1620,7 +2168,7 @@
     </p:spTree>
     <p:extLst>
       <p:ext uri="{BB962C8B-B14F-4D97-AF65-F5344CB8AC3E}">
-        <p14:creationId xmlns:p14="http://schemas.microsoft.com/office/powerpoint/2010/main" val="2505652150"/>
+        <p14:creationId xmlns:p14="http://schemas.microsoft.com/office/powerpoint/2010/main" val="365505434"/>
       </p:ext>
     </p:extLst>
   </p:cSld>
@@ -1676,7 +2224,11 @@
           <a:p>
             <a:r>
               <a:rPr lang="ru-RU" dirty="0" smtClean="0"/>
-              <a:t>Продолжаем декомпозицию</a:t>
+              <a:t>… и</a:t>
+            </a:r>
+            <a:r>
+              <a:rPr lang="ru-RU" baseline="0" dirty="0" smtClean="0"/>
+              <a:t> теперь он выглядит вот так?</a:t>
             </a:r>
             <a:endParaRPr lang="ru-RU" dirty="0"/>
           </a:p>
@@ -1699,7 +2251,7 @@
           <a:p>
             <a:fld id="{414C0F9C-8EEB-4FCC-AFE2-CBC89CE9F378}" type="slidenum">
               <a:rPr lang="ru-RU" smtClean="0"/>
-              <a:t>32</a:t>
+              <a:t>31</a:t>
             </a:fld>
             <a:endParaRPr lang="ru-RU"/>
           </a:p>
@@ -1708,7 +2260,7 @@
     </p:spTree>
     <p:extLst>
       <p:ext uri="{BB962C8B-B14F-4D97-AF65-F5344CB8AC3E}">
-        <p14:creationId xmlns:p14="http://schemas.microsoft.com/office/powerpoint/2010/main" val="331271944"/>
+        <p14:creationId xmlns:p14="http://schemas.microsoft.com/office/powerpoint/2010/main" val="2505652150"/>
       </p:ext>
     </p:extLst>
   </p:cSld>
@@ -1763,470 +2315,10 @@
           <a:lstStyle/>
           <a:p>
             <a:r>
-              <a:rPr lang="en-US" dirty="0" smtClean="0">
-                <a:latin typeface="Consolas" panose="020B0609020204030204" pitchFamily="49" charset="0"/>
-                <a:cs typeface="Consolas" panose="020B0609020204030204" pitchFamily="49" charset="0"/>
-              </a:rPr>
-              <a:t>class </a:t>
-            </a:r>
-            <a:r>
-              <a:rPr lang="en-US" dirty="0" err="1" smtClean="0">
-                <a:latin typeface="Consolas" panose="020B0609020204030204" pitchFamily="49" charset="0"/>
-                <a:cs typeface="Consolas" panose="020B0609020204030204" pitchFamily="49" charset="0"/>
-              </a:rPr>
-              <a:t>NGram</a:t>
-            </a:r>
-            <a:r>
-              <a:rPr lang="en-US" dirty="0" smtClean="0">
-                <a:latin typeface="Consolas" panose="020B0609020204030204" pitchFamily="49" charset="0"/>
-                <a:cs typeface="Consolas" panose="020B0609020204030204" pitchFamily="49" charset="0"/>
-              </a:rPr>
-              <a:t>{</a:t>
-            </a:r>
-          </a:p>
-          <a:p>
-            <a:r>
-              <a:rPr lang="en-US" dirty="0" smtClean="0">
-                <a:latin typeface="Consolas" panose="020B0609020204030204" pitchFamily="49" charset="0"/>
-                <a:cs typeface="Consolas" panose="020B0609020204030204" pitchFamily="49" charset="0"/>
-              </a:rPr>
-              <a:t>	string[] Words;</a:t>
-            </a:r>
-          </a:p>
-          <a:p>
-            <a:r>
-              <a:rPr lang="en-US" dirty="0" smtClean="0">
-                <a:latin typeface="Consolas" panose="020B0609020204030204" pitchFamily="49" charset="0"/>
-                <a:cs typeface="Consolas" panose="020B0609020204030204" pitchFamily="49" charset="0"/>
-              </a:rPr>
-              <a:t>}</a:t>
-            </a:r>
-          </a:p>
-          <a:p>
-            <a:endParaRPr lang="en-US" dirty="0" smtClean="0">
-              <a:latin typeface="Consolas" panose="020B0609020204030204" pitchFamily="49" charset="0"/>
-              <a:cs typeface="Consolas" panose="020B0609020204030204" pitchFamily="49" charset="0"/>
-            </a:endParaRPr>
-          </a:p>
-          <a:p>
-            <a:r>
-              <a:rPr lang="en-US" dirty="0" smtClean="0">
-                <a:latin typeface="Consolas" panose="020B0609020204030204" pitchFamily="49" charset="0"/>
-                <a:cs typeface="Consolas" panose="020B0609020204030204" pitchFamily="49" charset="0"/>
-              </a:rPr>
-              <a:t>class </a:t>
-            </a:r>
-            <a:r>
-              <a:rPr lang="en-US" dirty="0" err="1" smtClean="0">
-                <a:latin typeface="Consolas" panose="020B0609020204030204" pitchFamily="49" charset="0"/>
-                <a:cs typeface="Consolas" panose="020B0609020204030204" pitchFamily="49" charset="0"/>
-              </a:rPr>
-              <a:t>Freq</a:t>
-            </a:r>
-            <a:r>
-              <a:rPr lang="en-US" dirty="0" smtClean="0">
-                <a:latin typeface="Consolas" panose="020B0609020204030204" pitchFamily="49" charset="0"/>
-                <a:cs typeface="Consolas" panose="020B0609020204030204" pitchFamily="49" charset="0"/>
-              </a:rPr>
-              <a:t>&lt;T&gt;{</a:t>
-            </a:r>
-          </a:p>
-          <a:p>
-            <a:r>
-              <a:rPr lang="en-US" dirty="0" smtClean="0">
-                <a:latin typeface="Consolas" panose="020B0609020204030204" pitchFamily="49" charset="0"/>
-                <a:cs typeface="Consolas" panose="020B0609020204030204" pitchFamily="49" charset="0"/>
-              </a:rPr>
-              <a:t>	T Value;</a:t>
-            </a:r>
-          </a:p>
-          <a:p>
-            <a:r>
-              <a:rPr lang="en-US" dirty="0" smtClean="0">
-                <a:latin typeface="Consolas" panose="020B0609020204030204" pitchFamily="49" charset="0"/>
-                <a:cs typeface="Consolas" panose="020B0609020204030204" pitchFamily="49" charset="0"/>
-              </a:rPr>
-              <a:t>	</a:t>
-            </a:r>
-            <a:r>
-              <a:rPr lang="en-US" dirty="0" err="1" smtClean="0">
-                <a:latin typeface="Consolas" panose="020B0609020204030204" pitchFamily="49" charset="0"/>
-                <a:cs typeface="Consolas" panose="020B0609020204030204" pitchFamily="49" charset="0"/>
-              </a:rPr>
-              <a:t>int</a:t>
-            </a:r>
-            <a:r>
-              <a:rPr lang="en-US" dirty="0" smtClean="0">
-                <a:latin typeface="Consolas" panose="020B0609020204030204" pitchFamily="49" charset="0"/>
-                <a:cs typeface="Consolas" panose="020B0609020204030204" pitchFamily="49" charset="0"/>
-              </a:rPr>
-              <a:t> Frequency;</a:t>
-            </a:r>
-          </a:p>
-          <a:p>
-            <a:r>
-              <a:rPr lang="en-US" dirty="0" smtClean="0">
-                <a:latin typeface="Consolas" panose="020B0609020204030204" pitchFamily="49" charset="0"/>
-                <a:cs typeface="Consolas" panose="020B0609020204030204" pitchFamily="49" charset="0"/>
-              </a:rPr>
-              <a:t>}</a:t>
-            </a:r>
-          </a:p>
-          <a:p>
-            <a:endParaRPr lang="en-US" dirty="0" smtClean="0">
-              <a:latin typeface="Consolas" panose="020B0609020204030204" pitchFamily="49" charset="0"/>
-              <a:cs typeface="Consolas" panose="020B0609020204030204" pitchFamily="49" charset="0"/>
-            </a:endParaRPr>
-          </a:p>
-          <a:p>
-            <a:r>
-              <a:rPr lang="en-US" dirty="0" smtClean="0">
-                <a:latin typeface="Consolas" panose="020B0609020204030204" pitchFamily="49" charset="0"/>
-                <a:cs typeface="Consolas" panose="020B0609020204030204" pitchFamily="49" charset="0"/>
-              </a:rPr>
-              <a:t>string[] </a:t>
-            </a:r>
-            <a:r>
-              <a:rPr lang="en-US" dirty="0" err="1" smtClean="0">
-                <a:latin typeface="Consolas" panose="020B0609020204030204" pitchFamily="49" charset="0"/>
-                <a:cs typeface="Consolas" panose="020B0609020204030204" pitchFamily="49" charset="0"/>
-              </a:rPr>
-              <a:t>ReadWords</a:t>
-            </a:r>
-            <a:r>
-              <a:rPr lang="en-US" dirty="0" smtClean="0">
-                <a:latin typeface="Consolas" panose="020B0609020204030204" pitchFamily="49" charset="0"/>
-                <a:cs typeface="Consolas" panose="020B0609020204030204" pitchFamily="49" charset="0"/>
-              </a:rPr>
-              <a:t>(string filename)</a:t>
-            </a:r>
-          </a:p>
-          <a:p>
-            <a:r>
-              <a:rPr lang="en-US" dirty="0" err="1" smtClean="0">
-                <a:latin typeface="Consolas" panose="020B0609020204030204" pitchFamily="49" charset="0"/>
-                <a:cs typeface="Consolas" panose="020B0609020204030204" pitchFamily="49" charset="0"/>
-              </a:rPr>
-              <a:t>NGram</a:t>
-            </a:r>
-            <a:r>
-              <a:rPr lang="en-US" dirty="0" smtClean="0">
-                <a:latin typeface="Consolas" panose="020B0609020204030204" pitchFamily="49" charset="0"/>
-                <a:cs typeface="Consolas" panose="020B0609020204030204" pitchFamily="49" charset="0"/>
-              </a:rPr>
-              <a:t>[] </a:t>
-            </a:r>
-            <a:r>
-              <a:rPr lang="en-US" dirty="0" err="1" smtClean="0">
-                <a:latin typeface="Consolas" panose="020B0609020204030204" pitchFamily="49" charset="0"/>
-                <a:cs typeface="Consolas" panose="020B0609020204030204" pitchFamily="49" charset="0"/>
-              </a:rPr>
-              <a:t>SplitToBigrams</a:t>
-            </a:r>
-            <a:r>
-              <a:rPr lang="en-US" dirty="0" smtClean="0">
-                <a:latin typeface="Consolas" panose="020B0609020204030204" pitchFamily="49" charset="0"/>
-                <a:cs typeface="Consolas" panose="020B0609020204030204" pitchFamily="49" charset="0"/>
-              </a:rPr>
-              <a:t>(string[] words)</a:t>
-            </a:r>
-          </a:p>
-          <a:p>
-            <a:r>
-              <a:rPr lang="en-US" dirty="0" err="1" smtClean="0">
-                <a:latin typeface="Consolas" panose="020B0609020204030204" pitchFamily="49" charset="0"/>
-                <a:cs typeface="Consolas" panose="020B0609020204030204" pitchFamily="49" charset="0"/>
-              </a:rPr>
-              <a:t>Freq</a:t>
-            </a:r>
-            <a:r>
-              <a:rPr lang="en-US" dirty="0" smtClean="0">
-                <a:latin typeface="Consolas" panose="020B0609020204030204" pitchFamily="49" charset="0"/>
-                <a:cs typeface="Consolas" panose="020B0609020204030204" pitchFamily="49" charset="0"/>
-              </a:rPr>
-              <a:t>&lt;T&gt;[] </a:t>
-            </a:r>
-            <a:r>
-              <a:rPr lang="en-US" dirty="0" err="1" smtClean="0">
-                <a:latin typeface="Consolas" panose="020B0609020204030204" pitchFamily="49" charset="0"/>
-                <a:cs typeface="Consolas" panose="020B0609020204030204" pitchFamily="49" charset="0"/>
-              </a:rPr>
-              <a:t>GetFreqRating</a:t>
-            </a:r>
-            <a:r>
-              <a:rPr lang="en-US" dirty="0" smtClean="0">
-                <a:latin typeface="Consolas" panose="020B0609020204030204" pitchFamily="49" charset="0"/>
-                <a:cs typeface="Consolas" panose="020B0609020204030204" pitchFamily="49" charset="0"/>
-              </a:rPr>
-              <a:t>&lt;T&gt;(T[] items)</a:t>
-            </a:r>
-          </a:p>
-          <a:p>
-            <a:r>
-              <a:rPr lang="en-US" dirty="0" err="1" smtClean="0">
-                <a:latin typeface="Consolas" panose="020B0609020204030204" pitchFamily="49" charset="0"/>
-                <a:cs typeface="Consolas" panose="020B0609020204030204" pitchFamily="49" charset="0"/>
-              </a:rPr>
-              <a:t>WriteBigramsRating</a:t>
-            </a:r>
-            <a:r>
-              <a:rPr lang="en-US" dirty="0" smtClean="0">
-                <a:latin typeface="Consolas" panose="020B0609020204030204" pitchFamily="49" charset="0"/>
-                <a:cs typeface="Consolas" panose="020B0609020204030204" pitchFamily="49" charset="0"/>
-              </a:rPr>
-              <a:t>(</a:t>
-            </a:r>
-            <a:r>
-              <a:rPr lang="en-US" dirty="0" err="1" smtClean="0">
-                <a:latin typeface="Consolas" panose="020B0609020204030204" pitchFamily="49" charset="0"/>
-                <a:cs typeface="Consolas" panose="020B0609020204030204" pitchFamily="49" charset="0"/>
-              </a:rPr>
-              <a:t>Freq</a:t>
-            </a:r>
-            <a:r>
-              <a:rPr lang="en-US" dirty="0" smtClean="0">
-                <a:latin typeface="Consolas" panose="020B0609020204030204" pitchFamily="49" charset="0"/>
-                <a:cs typeface="Consolas" panose="020B0609020204030204" pitchFamily="49" charset="0"/>
-              </a:rPr>
-              <a:t>&lt;</a:t>
-            </a:r>
-            <a:r>
-              <a:rPr lang="en-US" dirty="0" err="1" smtClean="0">
-                <a:latin typeface="Consolas" panose="020B0609020204030204" pitchFamily="49" charset="0"/>
-                <a:cs typeface="Consolas" panose="020B0609020204030204" pitchFamily="49" charset="0"/>
-              </a:rPr>
-              <a:t>NGram</a:t>
-            </a:r>
-            <a:r>
-              <a:rPr lang="en-US" dirty="0" smtClean="0">
-                <a:latin typeface="Consolas" panose="020B0609020204030204" pitchFamily="49" charset="0"/>
-                <a:cs typeface="Consolas" panose="020B0609020204030204" pitchFamily="49" charset="0"/>
-              </a:rPr>
-              <a:t>&gt;[] </a:t>
-            </a:r>
-            <a:r>
-              <a:rPr lang="en-US" dirty="0" err="1" smtClean="0">
-                <a:latin typeface="Consolas" panose="020B0609020204030204" pitchFamily="49" charset="0"/>
-                <a:cs typeface="Consolas" panose="020B0609020204030204" pitchFamily="49" charset="0"/>
-              </a:rPr>
-              <a:t>bigramsRating</a:t>
-            </a:r>
-            <a:r>
-              <a:rPr lang="en-US" dirty="0" smtClean="0">
-                <a:latin typeface="Consolas" panose="020B0609020204030204" pitchFamily="49" charset="0"/>
-                <a:cs typeface="Consolas" panose="020B0609020204030204" pitchFamily="49" charset="0"/>
-              </a:rPr>
-              <a:t>);</a:t>
-            </a:r>
-            <a:endParaRPr lang="ru-RU" dirty="0" smtClean="0">
-              <a:latin typeface="Consolas" panose="020B0609020204030204" pitchFamily="49" charset="0"/>
-              <a:cs typeface="Consolas" panose="020B0609020204030204" pitchFamily="49" charset="0"/>
-            </a:endParaRPr>
-          </a:p>
-          <a:p>
-            <a:endParaRPr lang="ru-RU" dirty="0" smtClean="0">
-              <a:latin typeface="Consolas" panose="020B0609020204030204" pitchFamily="49" charset="0"/>
-              <a:cs typeface="Consolas" panose="020B0609020204030204" pitchFamily="49" charset="0"/>
-            </a:endParaRPr>
-          </a:p>
-          <a:p>
-            <a:r>
-              <a:rPr lang="ru-RU" dirty="0" smtClean="0">
-                <a:latin typeface="Consolas" panose="020B0609020204030204" pitchFamily="49" charset="0"/>
-                <a:cs typeface="Consolas" panose="020B0609020204030204" pitchFamily="49" charset="0"/>
-              </a:rPr>
-              <a:t>Или</a:t>
-            </a:r>
-          </a:p>
-          <a:p>
-            <a:r>
-              <a:rPr lang="en-US" dirty="0" err="1" smtClean="0">
-                <a:latin typeface="Consolas" panose="020B0609020204030204" pitchFamily="49" charset="0"/>
-                <a:cs typeface="Consolas" panose="020B0609020204030204" pitchFamily="49" charset="0"/>
-              </a:rPr>
-              <a:t>IEnumerable</a:t>
-            </a:r>
-            <a:r>
-              <a:rPr lang="en-US" dirty="0" smtClean="0">
-                <a:latin typeface="Consolas" panose="020B0609020204030204" pitchFamily="49" charset="0"/>
-                <a:cs typeface="Consolas" panose="020B0609020204030204" pitchFamily="49" charset="0"/>
-              </a:rPr>
-              <a:t>&lt;string&gt; </a:t>
-            </a:r>
-            <a:r>
-              <a:rPr lang="en-US" dirty="0" err="1" smtClean="0">
-                <a:latin typeface="Consolas" panose="020B0609020204030204" pitchFamily="49" charset="0"/>
-                <a:cs typeface="Consolas" panose="020B0609020204030204" pitchFamily="49" charset="0"/>
-              </a:rPr>
-              <a:t>ReadWords</a:t>
-            </a:r>
-            <a:r>
-              <a:rPr lang="en-US" dirty="0" smtClean="0">
-                <a:latin typeface="Consolas" panose="020B0609020204030204" pitchFamily="49" charset="0"/>
-                <a:cs typeface="Consolas" panose="020B0609020204030204" pitchFamily="49" charset="0"/>
-              </a:rPr>
-              <a:t>(string filename)</a:t>
-            </a:r>
-          </a:p>
-          <a:p>
-            <a:r>
-              <a:rPr lang="en-US" dirty="0" err="1" smtClean="0">
-                <a:latin typeface="Consolas" panose="020B0609020204030204" pitchFamily="49" charset="0"/>
-                <a:cs typeface="Consolas" panose="020B0609020204030204" pitchFamily="49" charset="0"/>
-              </a:rPr>
-              <a:t>IEnumerable</a:t>
-            </a:r>
-            <a:r>
-              <a:rPr lang="en-US" dirty="0" smtClean="0">
-                <a:latin typeface="Consolas" panose="020B0609020204030204" pitchFamily="49" charset="0"/>
-                <a:cs typeface="Consolas" panose="020B0609020204030204" pitchFamily="49" charset="0"/>
-              </a:rPr>
-              <a:t>&lt;Tuple&lt;string, string&gt;&gt; </a:t>
-            </a:r>
-            <a:r>
-              <a:rPr lang="en-US" dirty="0" err="1" smtClean="0">
-                <a:latin typeface="Consolas" panose="020B0609020204030204" pitchFamily="49" charset="0"/>
-                <a:cs typeface="Consolas" panose="020B0609020204030204" pitchFamily="49" charset="0"/>
-              </a:rPr>
-              <a:t>SplitToBigrams</a:t>
-            </a:r>
-            <a:r>
-              <a:rPr lang="en-US" dirty="0" smtClean="0">
-                <a:latin typeface="Consolas" panose="020B0609020204030204" pitchFamily="49" charset="0"/>
-                <a:cs typeface="Consolas" panose="020B0609020204030204" pitchFamily="49" charset="0"/>
-              </a:rPr>
-              <a:t>(</a:t>
-            </a:r>
-            <a:r>
-              <a:rPr lang="en-US" dirty="0" err="1" smtClean="0">
-                <a:latin typeface="Consolas" panose="020B0609020204030204" pitchFamily="49" charset="0"/>
-                <a:cs typeface="Consolas" panose="020B0609020204030204" pitchFamily="49" charset="0"/>
-              </a:rPr>
-              <a:t>IEnumerable</a:t>
-            </a:r>
-            <a:r>
-              <a:rPr lang="en-US" dirty="0" smtClean="0">
-                <a:latin typeface="Consolas" panose="020B0609020204030204" pitchFamily="49" charset="0"/>
-                <a:cs typeface="Consolas" panose="020B0609020204030204" pitchFamily="49" charset="0"/>
-              </a:rPr>
-              <a:t>&lt;string&gt; words)</a:t>
-            </a:r>
-          </a:p>
-          <a:p>
-            <a:r>
-              <a:rPr lang="en-US" dirty="0" err="1" smtClean="0">
-                <a:latin typeface="Consolas" panose="020B0609020204030204" pitchFamily="49" charset="0"/>
-                <a:cs typeface="Consolas" panose="020B0609020204030204" pitchFamily="49" charset="0"/>
-              </a:rPr>
-              <a:t>IEnumerable</a:t>
-            </a:r>
-            <a:r>
-              <a:rPr lang="en-US" dirty="0" smtClean="0">
-                <a:latin typeface="Consolas" panose="020B0609020204030204" pitchFamily="49" charset="0"/>
-                <a:cs typeface="Consolas" panose="020B0609020204030204" pitchFamily="49" charset="0"/>
-              </a:rPr>
-              <a:t>&lt;Tuple&lt;</a:t>
-            </a:r>
-            <a:r>
-              <a:rPr lang="en-US" dirty="0" err="1" smtClean="0">
-                <a:latin typeface="Consolas" panose="020B0609020204030204" pitchFamily="49" charset="0"/>
-                <a:cs typeface="Consolas" panose="020B0609020204030204" pitchFamily="49" charset="0"/>
-              </a:rPr>
-              <a:t>int</a:t>
-            </a:r>
-            <a:r>
-              <a:rPr lang="en-US" dirty="0" smtClean="0">
-                <a:latin typeface="Consolas" panose="020B0609020204030204" pitchFamily="49" charset="0"/>
-                <a:cs typeface="Consolas" panose="020B0609020204030204" pitchFamily="49" charset="0"/>
-              </a:rPr>
-              <a:t>, T&gt;&gt; </a:t>
-            </a:r>
-            <a:r>
-              <a:rPr lang="en-US" dirty="0" err="1" smtClean="0">
-                <a:latin typeface="Consolas" panose="020B0609020204030204" pitchFamily="49" charset="0"/>
-                <a:cs typeface="Consolas" panose="020B0609020204030204" pitchFamily="49" charset="0"/>
-              </a:rPr>
-              <a:t>GetFrequencyRating</a:t>
-            </a:r>
-            <a:r>
-              <a:rPr lang="en-US" dirty="0" smtClean="0">
-                <a:latin typeface="Consolas" panose="020B0609020204030204" pitchFamily="49" charset="0"/>
-                <a:cs typeface="Consolas" panose="020B0609020204030204" pitchFamily="49" charset="0"/>
-              </a:rPr>
-              <a:t>&lt;T&gt;(</a:t>
-            </a:r>
-            <a:r>
-              <a:rPr lang="en-US" dirty="0" err="1" smtClean="0">
-                <a:latin typeface="Consolas" panose="020B0609020204030204" pitchFamily="49" charset="0"/>
-                <a:cs typeface="Consolas" panose="020B0609020204030204" pitchFamily="49" charset="0"/>
-              </a:rPr>
-              <a:t>IEnumerable</a:t>
-            </a:r>
-            <a:r>
-              <a:rPr lang="en-US" dirty="0" smtClean="0">
-                <a:latin typeface="Consolas" panose="020B0609020204030204" pitchFamily="49" charset="0"/>
-                <a:cs typeface="Consolas" panose="020B0609020204030204" pitchFamily="49" charset="0"/>
-              </a:rPr>
-              <a:t>&lt;T&gt; items)</a:t>
-            </a:r>
-          </a:p>
-          <a:p>
-            <a:r>
-              <a:rPr lang="en-US" dirty="0" err="1" smtClean="0">
-                <a:latin typeface="Consolas" panose="020B0609020204030204" pitchFamily="49" charset="0"/>
-                <a:cs typeface="Consolas" panose="020B0609020204030204" pitchFamily="49" charset="0"/>
-              </a:rPr>
-              <a:t>WriteBigrams</a:t>
-            </a:r>
-            <a:r>
-              <a:rPr lang="en-US" dirty="0" smtClean="0">
-                <a:latin typeface="Consolas" panose="020B0609020204030204" pitchFamily="49" charset="0"/>
-                <a:cs typeface="Consolas" panose="020B0609020204030204" pitchFamily="49" charset="0"/>
-              </a:rPr>
-              <a:t>(</a:t>
-            </a:r>
-            <a:r>
-              <a:rPr lang="en-US" dirty="0" err="1" smtClean="0">
-                <a:latin typeface="Consolas" panose="020B0609020204030204" pitchFamily="49" charset="0"/>
-                <a:cs typeface="Consolas" panose="020B0609020204030204" pitchFamily="49" charset="0"/>
-              </a:rPr>
-              <a:t>IEnumerable</a:t>
-            </a:r>
-            <a:r>
-              <a:rPr lang="en-US" dirty="0" smtClean="0">
-                <a:latin typeface="Consolas" panose="020B0609020204030204" pitchFamily="49" charset="0"/>
-                <a:cs typeface="Consolas" panose="020B0609020204030204" pitchFamily="49" charset="0"/>
-              </a:rPr>
-              <a:t>&lt;Tuple&lt;</a:t>
-            </a:r>
-            <a:r>
-              <a:rPr lang="en-US" dirty="0" err="1" smtClean="0">
-                <a:latin typeface="Consolas" panose="020B0609020204030204" pitchFamily="49" charset="0"/>
-                <a:cs typeface="Consolas" panose="020B0609020204030204" pitchFamily="49" charset="0"/>
-              </a:rPr>
-              <a:t>int</a:t>
-            </a:r>
-            <a:r>
-              <a:rPr lang="en-US" dirty="0" smtClean="0">
-                <a:latin typeface="Consolas" panose="020B0609020204030204" pitchFamily="49" charset="0"/>
-                <a:cs typeface="Consolas" panose="020B0609020204030204" pitchFamily="49" charset="0"/>
-              </a:rPr>
-              <a:t>, Tuple&lt;string, string&gt;&gt;&gt; </a:t>
-            </a:r>
-            <a:r>
-              <a:rPr lang="en-US" dirty="0" err="1" smtClean="0">
-                <a:latin typeface="Consolas" panose="020B0609020204030204" pitchFamily="49" charset="0"/>
-                <a:cs typeface="Consolas" panose="020B0609020204030204" pitchFamily="49" charset="0"/>
-              </a:rPr>
-              <a:t>birgamFrequencies</a:t>
-            </a:r>
-            <a:r>
-              <a:rPr lang="en-US" dirty="0" smtClean="0">
-                <a:latin typeface="Consolas" panose="020B0609020204030204" pitchFamily="49" charset="0"/>
-                <a:cs typeface="Consolas" panose="020B0609020204030204" pitchFamily="49" charset="0"/>
-              </a:rPr>
-              <a:t>)</a:t>
-            </a:r>
+              <a:rPr lang="ru-RU" dirty="0" smtClean="0"/>
+              <a:t>Продолжаем декомпозицию</a:t>
+            </a:r>
+            <a:endParaRPr lang="ru-RU" dirty="0"/>
           </a:p>
         </p:txBody>
       </p:sp>
@@ -2247,7 +2339,7 @@
           <a:p>
             <a:fld id="{414C0F9C-8EEB-4FCC-AFE2-CBC89CE9F378}" type="slidenum">
               <a:rPr lang="ru-RU" smtClean="0"/>
-              <a:t>36</a:t>
+              <a:t>32</a:t>
             </a:fld>
             <a:endParaRPr lang="ru-RU"/>
           </a:p>
@@ -2256,7 +2348,7 @@
     </p:spTree>
     <p:extLst>
       <p:ext uri="{BB962C8B-B14F-4D97-AF65-F5344CB8AC3E}">
-        <p14:creationId xmlns:p14="http://schemas.microsoft.com/office/powerpoint/2010/main" val="3742409906"/>
+        <p14:creationId xmlns:p14="http://schemas.microsoft.com/office/powerpoint/2010/main" val="331271944"/>
       </p:ext>
     </p:extLst>
   </p:cSld>
@@ -2447,7 +2539,7 @@
           <a:p>
             <a:fld id="{8097313E-B044-4ACF-96A1-82807229EA96}" type="datetimeFigureOut">
               <a:rPr lang="ru-RU" smtClean="0"/>
-              <a:t>22.06.2014</a:t>
+              <a:t>30.06.2014</a:t>
             </a:fld>
             <a:endParaRPr lang="ru-RU"/>
           </a:p>
@@ -2617,7 +2709,7 @@
           <a:p>
             <a:fld id="{8097313E-B044-4ACF-96A1-82807229EA96}" type="datetimeFigureOut">
               <a:rPr lang="ru-RU" smtClean="0"/>
-              <a:t>22.06.2014</a:t>
+              <a:t>30.06.2014</a:t>
             </a:fld>
             <a:endParaRPr lang="ru-RU"/>
           </a:p>
@@ -2797,7 +2889,7 @@
           <a:p>
             <a:fld id="{8097313E-B044-4ACF-96A1-82807229EA96}" type="datetimeFigureOut">
               <a:rPr lang="ru-RU" smtClean="0"/>
-              <a:t>22.06.2014</a:t>
+              <a:t>30.06.2014</a:t>
             </a:fld>
             <a:endParaRPr lang="ru-RU"/>
           </a:p>
@@ -2974,7 +3066,7 @@
           <a:p>
             <a:fld id="{8097313E-B044-4ACF-96A1-82807229EA96}" type="datetimeFigureOut">
               <a:rPr lang="ru-RU" smtClean="0"/>
-              <a:t>22.06.2014</a:t>
+              <a:t>30.06.2014</a:t>
             </a:fld>
             <a:endParaRPr lang="ru-RU"/>
           </a:p>
@@ -3227,7 +3319,7 @@
           <a:p>
             <a:fld id="{8097313E-B044-4ACF-96A1-82807229EA96}" type="datetimeFigureOut">
               <a:rPr lang="ru-RU" smtClean="0"/>
-              <a:t>22.06.2014</a:t>
+              <a:t>30.06.2014</a:t>
             </a:fld>
             <a:endParaRPr lang="ru-RU"/>
           </a:p>
@@ -3515,7 +3607,7 @@
           <a:p>
             <a:fld id="{8097313E-B044-4ACF-96A1-82807229EA96}" type="datetimeFigureOut">
               <a:rPr lang="ru-RU" smtClean="0"/>
-              <a:t>22.06.2014</a:t>
+              <a:t>30.06.2014</a:t>
             </a:fld>
             <a:endParaRPr lang="ru-RU"/>
           </a:p>
@@ -3937,7 +4029,7 @@
           <a:p>
             <a:fld id="{8097313E-B044-4ACF-96A1-82807229EA96}" type="datetimeFigureOut">
               <a:rPr lang="ru-RU" smtClean="0"/>
-              <a:t>22.06.2014</a:t>
+              <a:t>30.06.2014</a:t>
             </a:fld>
             <a:endParaRPr lang="ru-RU"/>
           </a:p>
@@ -4070,7 +4162,7 @@
           <a:p>
             <a:fld id="{8097313E-B044-4ACF-96A1-82807229EA96}" type="datetimeFigureOut">
               <a:rPr lang="ru-RU" smtClean="0"/>
-              <a:t>22.06.2014</a:t>
+              <a:t>30.06.2014</a:t>
             </a:fld>
             <a:endParaRPr lang="ru-RU"/>
           </a:p>
@@ -4172,7 +4264,7 @@
           <a:p>
             <a:fld id="{8097313E-B044-4ACF-96A1-82807229EA96}" type="datetimeFigureOut">
               <a:rPr lang="ru-RU" smtClean="0"/>
-              <a:t>22.06.2014</a:t>
+              <a:t>30.06.2014</a:t>
             </a:fld>
             <a:endParaRPr lang="ru-RU"/>
           </a:p>
@@ -4449,7 +4541,7 @@
           <a:p>
             <a:fld id="{8097313E-B044-4ACF-96A1-82807229EA96}" type="datetimeFigureOut">
               <a:rPr lang="ru-RU" smtClean="0"/>
-              <a:t>22.06.2014</a:t>
+              <a:t>30.06.2014</a:t>
             </a:fld>
             <a:endParaRPr lang="ru-RU"/>
           </a:p>
@@ -4702,7 +4794,7 @@
           <a:p>
             <a:fld id="{8097313E-B044-4ACF-96A1-82807229EA96}" type="datetimeFigureOut">
               <a:rPr lang="ru-RU" smtClean="0"/>
-              <a:t>22.06.2014</a:t>
+              <a:t>30.06.2014</a:t>
             </a:fld>
             <a:endParaRPr lang="ru-RU"/>
           </a:p>
@@ -4915,7 +5007,7 @@
           <a:p>
             <a:fld id="{8097313E-B044-4ACF-96A1-82807229EA96}" type="datetimeFigureOut">
               <a:rPr lang="ru-RU" smtClean="0"/>
-              <a:t>22.06.2014</a:t>
+              <a:t>30.06.2014</a:t>
             </a:fld>
             <a:endParaRPr lang="ru-RU"/>
           </a:p>
@@ -5447,7 +5539,15 @@
           <a:p>
             <a:r>
               <a:rPr lang="ru-RU" dirty="0" smtClean="0"/>
-              <a:t>Хорошее имя</a:t>
+              <a:t>Хорошее </a:t>
+            </a:r>
+            <a:r>
+              <a:rPr lang="ru-RU" dirty="0" smtClean="0"/>
+              <a:t>ли </a:t>
+            </a:r>
+            <a:r>
+              <a:rPr lang="ru-RU" dirty="0" smtClean="0"/>
+              <a:t>имя?</a:t>
             </a:r>
             <a:endParaRPr lang="ru-RU" dirty="0"/>
           </a:p>
@@ -6077,7 +6177,7 @@
           <a:p>
             <a:r>
               <a:rPr lang="ru-RU" dirty="0" smtClean="0"/>
-              <a:t>Хорошее имя</a:t>
+              <a:t>Хорошее ли имя?</a:t>
             </a:r>
             <a:endParaRPr lang="ru-RU" dirty="0"/>
           </a:p>
@@ -6458,7 +6558,11 @@
           <a:p>
             <a:r>
               <a:rPr lang="ru-RU" dirty="0" smtClean="0"/>
-              <a:t>Хорошее имя</a:t>
+              <a:t>Хорошее </a:t>
+            </a:r>
+            <a:r>
+              <a:rPr lang="ru-RU" dirty="0" smtClean="0"/>
+              <a:t>ли имя?</a:t>
             </a:r>
             <a:endParaRPr lang="ru-RU" dirty="0"/>
           </a:p>
@@ -7203,7 +7307,12 @@
             <p:ph idx="1"/>
           </p:nvPr>
         </p:nvSpPr>
-        <p:spPr/>
+        <p:spPr>
+          <a:xfrm>
+            <a:off x="457200" y="2636912"/>
+            <a:ext cx="8229600" cy="3489251"/>
+          </a:xfrm>
+        </p:spPr>
         <p:txBody>
           <a:bodyPr/>
           <a:lstStyle/>
@@ -7235,9 +7344,84 @@
   <p:timing>
     <p:tnLst>
       <p:par>
-        <p:cTn id="1" dur="indefinite" restart="never" nodeType="tmRoot"/>
+        <p:cTn id="1" dur="indefinite" restart="never" nodeType="tmRoot">
+          <p:childTnLst>
+            <p:seq concurrent="1" nextAc="seek">
+              <p:cTn id="2" dur="indefinite" nodeType="mainSeq">
+                <p:childTnLst>
+                  <p:par>
+                    <p:cTn id="3" fill="hold">
+                      <p:stCondLst>
+                        <p:cond delay="indefinite"/>
+                      </p:stCondLst>
+                      <p:childTnLst>
+                        <p:par>
+                          <p:cTn id="4" fill="hold">
+                            <p:stCondLst>
+                              <p:cond delay="0"/>
+                            </p:stCondLst>
+                            <p:childTnLst>
+                              <p:par>
+                                <p:cTn id="5" presetID="1" presetClass="entr" presetSubtype="0" fill="hold" grpId="0" nodeType="clickEffect">
+                                  <p:stCondLst>
+                                    <p:cond delay="0"/>
+                                  </p:stCondLst>
+                                  <p:childTnLst>
+                                    <p:set>
+                                      <p:cBhvr>
+                                        <p:cTn id="6" dur="1" fill="hold">
+                                          <p:stCondLst>
+                                            <p:cond delay="0"/>
+                                          </p:stCondLst>
+                                        </p:cTn>
+                                        <p:tgtEl>
+                                          <p:spTgt spid="3">
+                                            <p:txEl>
+                                              <p:pRg st="0" end="0"/>
+                                            </p:txEl>
+                                          </p:spTgt>
+                                        </p:tgtEl>
+                                        <p:attrNameLst>
+                                          <p:attrName>style.visibility</p:attrName>
+                                        </p:attrNameLst>
+                                      </p:cBhvr>
+                                      <p:to>
+                                        <p:strVal val="visible"/>
+                                      </p:to>
+                                    </p:set>
+                                  </p:childTnLst>
+                                </p:cTn>
+                              </p:par>
+                            </p:childTnLst>
+                          </p:cTn>
+                        </p:par>
+                      </p:childTnLst>
+                    </p:cTn>
+                  </p:par>
+                </p:childTnLst>
+              </p:cTn>
+              <p:prevCondLst>
+                <p:cond evt="onPrev" delay="0">
+                  <p:tgtEl>
+                    <p:sldTgt/>
+                  </p:tgtEl>
+                </p:cond>
+              </p:prevCondLst>
+              <p:nextCondLst>
+                <p:cond evt="onNext" delay="0">
+                  <p:tgtEl>
+                    <p:sldTgt/>
+                  </p:tgtEl>
+                </p:cond>
+              </p:nextCondLst>
+            </p:seq>
+          </p:childTnLst>
+        </p:cTn>
       </p:par>
     </p:tnLst>
+    <p:bldLst>
+      <p:bldP spid="3" grpId="0" build="p"/>
+    </p:bldLst>
   </p:timing>
 </p:sld>
 </file>
@@ -7793,7 +7977,7 @@
 </file>
 
 <file path=ppt/slides/slide21.xml><?xml version="1.0" encoding="utf-8"?>
-<p:sld xmlns:a="http://schemas.openxmlformats.org/drawingml/2006/main" xmlns:r="http://schemas.openxmlformats.org/officeDocument/2006/relationships" xmlns:p="http://schemas.openxmlformats.org/presentationml/2006/main">
+<p:sld xmlns:a="http://schemas.openxmlformats.org/drawingml/2006/main" xmlns:r="http://schemas.openxmlformats.org/officeDocument/2006/relationships" xmlns:p="http://schemas.openxmlformats.org/presentationml/2006/main" show="0">
   <p:cSld>
     <p:spTree>
       <p:nvGrpSpPr>
@@ -7864,6 +8048,14 @@
   <p:clrMapOvr>
     <a:masterClrMapping/>
   </p:clrMapOvr>
+  <mc:AlternateContent xmlns:mc="http://schemas.openxmlformats.org/markup-compatibility/2006">
+    <mc:Choice xmlns:p14="http://schemas.microsoft.com/office/powerpoint/2010/main" Requires="p14">
+      <p:transition spd="slow" p14:dur="2000"/>
+    </mc:Choice>
+    <mc:Fallback>
+      <p:transition spd="slow"/>
+    </mc:Fallback>
+  </mc:AlternateContent>
   <p:timing>
     <p:tnLst>
       <p:par>
@@ -7917,67 +8109,7 @@
               <a:rPr lang="ru-RU" sz="8800" dirty="0" smtClean="0"/>
               <a:t>7±2</a:t>
             </a:r>
-            <a:r>
-              <a:rPr lang="ru-RU" sz="8800" baseline="30000" dirty="0" smtClean="0"/>
-              <a:t>*</a:t>
-            </a:r>
             <a:endParaRPr lang="ru-RU" sz="8800" baseline="30000" dirty="0"/>
-          </a:p>
-        </p:txBody>
-      </p:sp>
-      <p:sp>
-        <p:nvSpPr>
-          <p:cNvPr id="3" name="Заголовок 1"/>
-          <p:cNvSpPr txBox="1">
-            <a:spLocks/>
-          </p:cNvSpPr>
-          <p:nvPr/>
-        </p:nvSpPr>
-        <p:spPr>
-          <a:xfrm>
-            <a:off x="609600" y="3875242"/>
-            <a:ext cx="8229600" cy="1143000"/>
-          </a:xfrm>
-          <a:prstGeom prst="rect">
-            <a:avLst/>
-          </a:prstGeom>
-        </p:spPr>
-        <p:txBody>
-          <a:bodyPr vert="horz" lIns="91440" tIns="45720" rIns="91440" bIns="45720" rtlCol="0" anchor="ctr">
-            <a:noAutofit/>
-          </a:bodyPr>
-          <a:lstStyle>
-            <a:lvl1pPr algn="ctr" defTabSz="914400" rtl="0" eaLnBrk="1" latinLnBrk="0" hangingPunct="1">
-              <a:spcBef>
-                <a:spcPct val="0"/>
-              </a:spcBef>
-              <a:buNone/>
-              <a:defRPr lang="ru-RU" sz="4400" b="1" kern="1200" dirty="0">
-                <a:solidFill>
-                  <a:schemeClr val="accent6">
-                    <a:lumMod val="50000"/>
-                  </a:schemeClr>
-                </a:solidFill>
-                <a:latin typeface="+mj-lt"/>
-                <a:ea typeface="+mj-ea"/>
-                <a:cs typeface="+mj-cs"/>
-              </a:defRPr>
-            </a:lvl1pPr>
-          </a:lstStyle>
-          <a:p>
-            <a:r>
-              <a:rPr lang="ru-RU" sz="2000" baseline="30000" dirty="0" smtClean="0"/>
-              <a:t>*</a:t>
-            </a:r>
-            <a:r>
-              <a:rPr lang="ru-RU" sz="2000" dirty="0"/>
-              <a:t> </a:t>
-            </a:r>
-            <a:r>
-              <a:rPr lang="ru-RU" sz="2000" dirty="0" smtClean="0"/>
-              <a:t>на самом деле нет</a:t>
-            </a:r>
-            <a:endParaRPr lang="ru-RU" sz="2000" dirty="0"/>
           </a:p>
         </p:txBody>
       </p:sp>
@@ -7994,80 +8126,9 @@
   <p:timing>
     <p:tnLst>
       <p:par>
-        <p:cTn id="1" dur="indefinite" restart="never" nodeType="tmRoot">
-          <p:childTnLst>
-            <p:seq concurrent="1" nextAc="seek">
-              <p:cTn id="2" dur="indefinite" nodeType="mainSeq">
-                <p:childTnLst>
-                  <p:par>
-                    <p:cTn id="3" fill="hold">
-                      <p:stCondLst>
-                        <p:cond delay="indefinite"/>
-                      </p:stCondLst>
-                      <p:childTnLst>
-                        <p:par>
-                          <p:cTn id="4" fill="hold">
-                            <p:stCondLst>
-                              <p:cond delay="0"/>
-                            </p:stCondLst>
-                            <p:childTnLst>
-                              <p:par>
-                                <p:cTn id="5" presetID="1" presetClass="entr" presetSubtype="0" fill="hold" grpId="0" nodeType="clickEffect">
-                                  <p:stCondLst>
-                                    <p:cond delay="0"/>
-                                  </p:stCondLst>
-                                  <p:childTnLst>
-                                    <p:set>
-                                      <p:cBhvr>
-                                        <p:cTn id="6" dur="1" fill="hold">
-                                          <p:stCondLst>
-                                            <p:cond delay="0"/>
-                                          </p:stCondLst>
-                                        </p:cTn>
-                                        <p:tgtEl>
-                                          <p:spTgt spid="3"/>
-                                        </p:tgtEl>
-                                        <p:attrNameLst>
-                                          <p:attrName>style.visibility</p:attrName>
-                                        </p:attrNameLst>
-                                      </p:cBhvr>
-                                      <p:to>
-                                        <p:strVal val="visible"/>
-                                      </p:to>
-                                    </p:set>
-                                  </p:childTnLst>
-                                </p:cTn>
-                              </p:par>
-                            </p:childTnLst>
-                          </p:cTn>
-                        </p:par>
-                      </p:childTnLst>
-                    </p:cTn>
-                  </p:par>
-                </p:childTnLst>
-              </p:cTn>
-              <p:prevCondLst>
-                <p:cond evt="onPrev" delay="0">
-                  <p:tgtEl>
-                    <p:sldTgt/>
-                  </p:tgtEl>
-                </p:cond>
-              </p:prevCondLst>
-              <p:nextCondLst>
-                <p:cond evt="onNext" delay="0">
-                  <p:tgtEl>
-                    <p:sldTgt/>
-                  </p:tgtEl>
-                </p:cond>
-              </p:nextCondLst>
-            </p:seq>
-          </p:childTnLst>
-        </p:cTn>
+        <p:cTn id="1" dur="indefinite" restart="never" nodeType="tmRoot"/>
       </p:par>
     </p:tnLst>
-    <p:bldLst>
-      <p:bldP spid="3" grpId="0"/>
-    </p:bldLst>
   </p:timing>
 </p:sld>
 </file>
@@ -9216,75 +9277,6 @@
             </a:r>
             <a:endParaRPr lang="en-US" dirty="0" smtClean="0"/>
           </a:p>
-          <a:p>
-            <a:pPr marL="0" indent="0">
-              <a:buNone/>
-            </a:pPr>
-            <a:r>
-              <a:rPr lang="en-US" dirty="0">
-                <a:solidFill>
-                  <a:srgbClr val="0000FF"/>
-                </a:solidFill>
-              </a:rPr>
-              <a:t>void</a:t>
-            </a:r>
-            <a:r>
-              <a:rPr lang="en-US" dirty="0"/>
-              <a:t> </a:t>
-            </a:r>
-            <a:r>
-              <a:rPr lang="en-US" dirty="0" err="1"/>
-              <a:t>SkipSpaces</a:t>
-            </a:r>
-            <a:r>
-              <a:rPr lang="en-US" dirty="0"/>
-              <a:t>(</a:t>
-            </a:r>
-            <a:r>
-              <a:rPr lang="en-US" dirty="0">
-                <a:solidFill>
-                  <a:srgbClr val="0000FF"/>
-                </a:solidFill>
-              </a:rPr>
-              <a:t>string</a:t>
-            </a:r>
-            <a:r>
-              <a:rPr lang="en-US" dirty="0"/>
-              <a:t> line, </a:t>
-            </a:r>
-            <a:r>
-              <a:rPr lang="en-US" dirty="0">
-                <a:solidFill>
-                  <a:srgbClr val="0000FF"/>
-                </a:solidFill>
-              </a:rPr>
-              <a:t>ref</a:t>
-            </a:r>
-            <a:r>
-              <a:rPr lang="en-US" dirty="0"/>
-              <a:t> </a:t>
-            </a:r>
-            <a:r>
-              <a:rPr lang="en-US" dirty="0" err="1">
-                <a:solidFill>
-                  <a:srgbClr val="0000FF"/>
-                </a:solidFill>
-              </a:rPr>
-              <a:t>int</a:t>
-            </a:r>
-            <a:r>
-              <a:rPr lang="en-US" dirty="0"/>
-              <a:t> </a:t>
-            </a:r>
-            <a:r>
-              <a:rPr lang="en-US" dirty="0" err="1"/>
-              <a:t>pos</a:t>
-            </a:r>
-            <a:r>
-              <a:rPr lang="en-US" dirty="0"/>
-              <a:t>) </a:t>
-            </a:r>
-          </a:p>
         </p:txBody>
       </p:sp>
     </p:spTree>
@@ -9300,133 +9292,9 @@
   <p:timing>
     <p:tnLst>
       <p:par>
-        <p:cTn id="1" dur="indefinite" restart="never" nodeType="tmRoot">
-          <p:childTnLst>
-            <p:seq concurrent="1" nextAc="seek">
-              <p:cTn id="2" dur="indefinite" nodeType="mainSeq">
-                <p:childTnLst>
-                  <p:par>
-                    <p:cTn id="3" fill="hold">
-                      <p:stCondLst>
-                        <p:cond delay="indefinite"/>
-                      </p:stCondLst>
-                      <p:childTnLst>
-                        <p:par>
-                          <p:cTn id="4" fill="hold">
-                            <p:stCondLst>
-                              <p:cond delay="0"/>
-                            </p:stCondLst>
-                            <p:childTnLst>
-                              <p:par>
-                                <p:cTn id="5" presetID="1" presetClass="entr" presetSubtype="0" fill="hold" grpId="0" nodeType="clickEffect">
-                                  <p:stCondLst>
-                                    <p:cond delay="0"/>
-                                  </p:stCondLst>
-                                  <p:childTnLst>
-                                    <p:set>
-                                      <p:cBhvr>
-                                        <p:cTn id="6" dur="1" fill="hold">
-                                          <p:stCondLst>
-                                            <p:cond delay="0"/>
-                                          </p:stCondLst>
-                                        </p:cTn>
-                                        <p:tgtEl>
-                                          <p:spTgt spid="3">
-                                            <p:txEl>
-                                              <p:pRg st="0" end="0"/>
-                                            </p:txEl>
-                                          </p:spTgt>
-                                        </p:tgtEl>
-                                        <p:attrNameLst>
-                                          <p:attrName>style.visibility</p:attrName>
-                                        </p:attrNameLst>
-                                      </p:cBhvr>
-                                      <p:to>
-                                        <p:strVal val="visible"/>
-                                      </p:to>
-                                    </p:set>
-                                  </p:childTnLst>
-                                </p:cTn>
-                              </p:par>
-                            </p:childTnLst>
-                          </p:cTn>
-                        </p:par>
-                      </p:childTnLst>
-                    </p:cTn>
-                  </p:par>
-                  <p:par>
-                    <p:cTn id="7" fill="hold">
-                      <p:stCondLst>
-                        <p:cond delay="indefinite"/>
-                      </p:stCondLst>
-                      <p:childTnLst>
-                        <p:par>
-                          <p:cTn id="8" fill="hold">
-                            <p:stCondLst>
-                              <p:cond delay="0"/>
-                            </p:stCondLst>
-                            <p:childTnLst>
-                              <p:par>
-                                <p:cTn id="9" presetID="1" presetClass="entr" presetSubtype="0" fill="hold" grpId="0" nodeType="clickEffect">
-                                  <p:stCondLst>
-                                    <p:cond delay="0"/>
-                                  </p:stCondLst>
-                                  <p:childTnLst>
-                                    <p:set>
-                                      <p:cBhvr>
-                                        <p:cTn id="10" dur="1" fill="hold">
-                                          <p:stCondLst>
-                                            <p:cond delay="0"/>
-                                          </p:stCondLst>
-                                        </p:cTn>
-                                        <p:tgtEl>
-                                          <p:spTgt spid="3">
-                                            <p:txEl>
-                                              <p:pRg st="1" end="1"/>
-                                            </p:txEl>
-                                          </p:spTgt>
-                                        </p:tgtEl>
-                                        <p:attrNameLst>
-                                          <p:attrName>style.visibility</p:attrName>
-                                        </p:attrNameLst>
-                                      </p:cBhvr>
-                                      <p:to>
-                                        <p:strVal val="visible"/>
-                                      </p:to>
-                                    </p:set>
-                                  </p:childTnLst>
-                                </p:cTn>
-                              </p:par>
-                            </p:childTnLst>
-                          </p:cTn>
-                        </p:par>
-                      </p:childTnLst>
-                    </p:cTn>
-                  </p:par>
-                </p:childTnLst>
-              </p:cTn>
-              <p:prevCondLst>
-                <p:cond evt="onPrev" delay="0">
-                  <p:tgtEl>
-                    <p:sldTgt/>
-                  </p:tgtEl>
-                </p:cond>
-              </p:prevCondLst>
-              <p:nextCondLst>
-                <p:cond evt="onNext" delay="0">
-                  <p:tgtEl>
-                    <p:sldTgt/>
-                  </p:tgtEl>
-                </p:cond>
-              </p:nextCondLst>
-            </p:seq>
-          </p:childTnLst>
-        </p:cTn>
+        <p:cTn id="1" dur="indefinite" restart="never" nodeType="tmRoot"/>
       </p:par>
     </p:tnLst>
-    <p:bldLst>
-      <p:bldP spid="3" grpId="0" build="p"/>
-    </p:bldLst>
   </p:timing>
 </p:sld>
 </file>
@@ -11085,7 +10953,7 @@
               <a:buNone/>
             </a:pPr>
             <a:r>
-              <a:rPr lang="en-US" sz="2400" dirty="0" smtClean="0">
+              <a:rPr lang="en-US" sz="2400" b="1" dirty="0" smtClean="0">
                 <a:solidFill>
                   <a:srgbClr val="0000FF"/>
                 </a:solidFill>
@@ -11095,28 +10963,28 @@
               <a:t>void</a:t>
             </a:r>
             <a:r>
-              <a:rPr lang="en-US" sz="2400" dirty="0">
+              <a:rPr lang="en-US" sz="2400" b="1" dirty="0">
                 <a:latin typeface="Consolas" panose="020B0609020204030204" pitchFamily="49" charset="0"/>
                 <a:cs typeface="Consolas" panose="020B0609020204030204" pitchFamily="49" charset="0"/>
               </a:rPr>
               <a:t> </a:t>
             </a:r>
             <a:r>
-              <a:rPr lang="en-US" sz="2400" dirty="0" err="1" smtClean="0">
+              <a:rPr lang="en-US" sz="2400" b="1" dirty="0" err="1" smtClean="0">
                 <a:latin typeface="Consolas" panose="020B0609020204030204" pitchFamily="49" charset="0"/>
                 <a:cs typeface="Consolas" panose="020B0609020204030204" pitchFamily="49" charset="0"/>
               </a:rPr>
               <a:t>SkipSpaces</a:t>
             </a:r>
             <a:r>
-              <a:rPr lang="en-US" sz="2400" dirty="0" smtClean="0">
+              <a:rPr lang="en-US" sz="2400" b="1" dirty="0" smtClean="0">
                 <a:latin typeface="Consolas" panose="020B0609020204030204" pitchFamily="49" charset="0"/>
                 <a:cs typeface="Consolas" panose="020B0609020204030204" pitchFamily="49" charset="0"/>
               </a:rPr>
               <a:t>(</a:t>
             </a:r>
             <a:r>
-              <a:rPr lang="en-US" sz="2400" dirty="0" smtClean="0">
+              <a:rPr lang="en-US" sz="2400" b="1" dirty="0" smtClean="0">
                 <a:solidFill>
                   <a:srgbClr val="0000FF"/>
                 </a:solidFill>
@@ -11126,14 +10994,14 @@
               <a:t>string</a:t>
             </a:r>
             <a:r>
-              <a:rPr lang="en-US" sz="2400" dirty="0">
+              <a:rPr lang="en-US" sz="2400" b="1" dirty="0">
                 <a:latin typeface="Consolas" panose="020B0609020204030204" pitchFamily="49" charset="0"/>
                 <a:cs typeface="Consolas" panose="020B0609020204030204" pitchFamily="49" charset="0"/>
               </a:rPr>
               <a:t> line, </a:t>
             </a:r>
             <a:r>
-              <a:rPr lang="en-US" sz="2400" dirty="0">
+              <a:rPr lang="en-US" sz="2400" b="1" dirty="0">
                 <a:solidFill>
                   <a:srgbClr val="0000FF"/>
                 </a:solidFill>
@@ -11146,7 +11014,7 @@
               <a:t>ref</a:t>
             </a:r>
             <a:r>
-              <a:rPr lang="en-US" sz="2400" dirty="0">
+              <a:rPr lang="en-US" sz="2400" b="1" dirty="0">
                 <a:solidFill>
                   <a:srgbClr val="000000"/>
                 </a:solidFill>
@@ -11159,7 +11027,7 @@
               <a:t> </a:t>
             </a:r>
             <a:r>
-              <a:rPr lang="en-US" sz="2400" dirty="0" err="1">
+              <a:rPr lang="en-US" sz="2400" b="1" dirty="0" err="1">
                 <a:solidFill>
                   <a:srgbClr val="0000FF"/>
                 </a:solidFill>
@@ -11169,21 +11037,21 @@
               <a:t>int</a:t>
             </a:r>
             <a:r>
-              <a:rPr lang="en-US" sz="2400" dirty="0">
+              <a:rPr lang="en-US" sz="2400" b="1" dirty="0">
                 <a:latin typeface="Consolas" panose="020B0609020204030204" pitchFamily="49" charset="0"/>
                 <a:cs typeface="Consolas" panose="020B0609020204030204" pitchFamily="49" charset="0"/>
               </a:rPr>
               <a:t> </a:t>
             </a:r>
             <a:r>
-              <a:rPr lang="en-US" sz="2400" dirty="0" err="1" smtClean="0">
+              <a:rPr lang="en-US" sz="2400" b="1" dirty="0" err="1" smtClean="0">
                 <a:latin typeface="Consolas" panose="020B0609020204030204" pitchFamily="49" charset="0"/>
                 <a:cs typeface="Consolas" panose="020B0609020204030204" pitchFamily="49" charset="0"/>
               </a:rPr>
               <a:t>pos</a:t>
             </a:r>
             <a:r>
-              <a:rPr lang="en-US" sz="2400" dirty="0" smtClean="0">
+              <a:rPr lang="en-US" sz="2400" b="1" dirty="0" smtClean="0">
                 <a:latin typeface="Consolas" panose="020B0609020204030204" pitchFamily="49" charset="0"/>
                 <a:cs typeface="Consolas" panose="020B0609020204030204" pitchFamily="49" charset="0"/>
               </a:rPr>
@@ -11195,7 +11063,7 @@
               <a:buNone/>
             </a:pPr>
             <a:r>
-              <a:rPr lang="en-US" sz="2400" dirty="0" smtClean="0">
+              <a:rPr lang="en-US" sz="2400" b="1" dirty="0" smtClean="0">
                 <a:solidFill>
                   <a:srgbClr val="0000FF"/>
                 </a:solidFill>
@@ -11205,28 +11073,28 @@
               <a:t>string</a:t>
             </a:r>
             <a:r>
-              <a:rPr lang="en-US" sz="2400" dirty="0">
+              <a:rPr lang="en-US" sz="2400" b="1" dirty="0">
                 <a:latin typeface="Consolas" panose="020B0609020204030204" pitchFamily="49" charset="0"/>
                 <a:cs typeface="Consolas" panose="020B0609020204030204" pitchFamily="49" charset="0"/>
               </a:rPr>
               <a:t> </a:t>
             </a:r>
             <a:r>
-              <a:rPr lang="en-US" sz="2400" dirty="0" err="1">
+              <a:rPr lang="en-US" sz="2400" b="1" dirty="0" err="1">
                 <a:latin typeface="Consolas" panose="020B0609020204030204" pitchFamily="49" charset="0"/>
                 <a:cs typeface="Consolas" panose="020B0609020204030204" pitchFamily="49" charset="0"/>
               </a:rPr>
               <a:t>ReadSimpleField</a:t>
             </a:r>
             <a:r>
-              <a:rPr lang="en-US" sz="2400" dirty="0">
+              <a:rPr lang="en-US" sz="2400" b="1" dirty="0">
                 <a:latin typeface="Consolas" panose="020B0609020204030204" pitchFamily="49" charset="0"/>
                 <a:cs typeface="Consolas" panose="020B0609020204030204" pitchFamily="49" charset="0"/>
               </a:rPr>
               <a:t>(</a:t>
             </a:r>
             <a:r>
-              <a:rPr lang="en-US" sz="2400" dirty="0">
+              <a:rPr lang="en-US" sz="2400" b="1" dirty="0">
                 <a:solidFill>
                   <a:srgbClr val="0000FF"/>
                 </a:solidFill>
@@ -11236,14 +11104,14 @@
               <a:t>string</a:t>
             </a:r>
             <a:r>
-              <a:rPr lang="en-US" sz="2400" dirty="0">
+              <a:rPr lang="en-US" sz="2400" b="1" dirty="0">
                 <a:latin typeface="Consolas" panose="020B0609020204030204" pitchFamily="49" charset="0"/>
                 <a:cs typeface="Consolas" panose="020B0609020204030204" pitchFamily="49" charset="0"/>
               </a:rPr>
               <a:t> line, </a:t>
             </a:r>
             <a:r>
-              <a:rPr lang="en-US" sz="2400" dirty="0" smtClean="0">
+              <a:rPr lang="en-US" sz="2400" b="1" dirty="0" smtClean="0">
                 <a:solidFill>
                   <a:srgbClr val="0000FF"/>
                 </a:solidFill>
@@ -11256,7 +11124,7 @@
               <a:t>ref</a:t>
             </a:r>
             <a:r>
-              <a:rPr lang="en-US" sz="2400" dirty="0" smtClean="0">
+              <a:rPr lang="en-US" sz="2400" b="1" dirty="0" smtClean="0">
                 <a:solidFill>
                   <a:srgbClr val="000000"/>
                 </a:solidFill>
@@ -11269,7 +11137,7 @@
               <a:t> </a:t>
             </a:r>
             <a:r>
-              <a:rPr lang="en-US" sz="2400" dirty="0" err="1" smtClean="0">
+              <a:rPr lang="en-US" sz="2400" b="1" dirty="0" err="1" smtClean="0">
                 <a:solidFill>
                   <a:srgbClr val="0000FF"/>
                 </a:solidFill>
@@ -11279,21 +11147,21 @@
               <a:t>int</a:t>
             </a:r>
             <a:r>
-              <a:rPr lang="en-US" sz="2400" dirty="0">
+              <a:rPr lang="en-US" sz="2400" b="1" dirty="0">
                 <a:latin typeface="Consolas" panose="020B0609020204030204" pitchFamily="49" charset="0"/>
                 <a:cs typeface="Consolas" panose="020B0609020204030204" pitchFamily="49" charset="0"/>
               </a:rPr>
               <a:t> </a:t>
             </a:r>
             <a:r>
-              <a:rPr lang="en-US" sz="2400" dirty="0" err="1" smtClean="0">
+              <a:rPr lang="en-US" sz="2400" b="1" dirty="0" err="1" smtClean="0">
                 <a:latin typeface="Consolas" panose="020B0609020204030204" pitchFamily="49" charset="0"/>
                 <a:cs typeface="Consolas" panose="020B0609020204030204" pitchFamily="49" charset="0"/>
               </a:rPr>
               <a:t>pos</a:t>
             </a:r>
             <a:r>
-              <a:rPr lang="en-US" sz="2400" dirty="0" smtClean="0">
+              <a:rPr lang="en-US" sz="2400" b="1" dirty="0" smtClean="0">
                 <a:latin typeface="Consolas" panose="020B0609020204030204" pitchFamily="49" charset="0"/>
                 <a:cs typeface="Consolas" panose="020B0609020204030204" pitchFamily="49" charset="0"/>
               </a:rPr>
@@ -11305,7 +11173,7 @@
               <a:buNone/>
             </a:pPr>
             <a:r>
-              <a:rPr lang="en-US" sz="2400" dirty="0" smtClean="0">
+              <a:rPr lang="en-US" sz="2400" b="1" dirty="0" smtClean="0">
                 <a:solidFill>
                   <a:srgbClr val="0000FF"/>
                 </a:solidFill>
@@ -11315,28 +11183,28 @@
               <a:t>string</a:t>
             </a:r>
             <a:r>
-              <a:rPr lang="en-US" sz="2400" dirty="0">
+              <a:rPr lang="en-US" sz="2400" b="1" dirty="0">
                 <a:latin typeface="Consolas" panose="020B0609020204030204" pitchFamily="49" charset="0"/>
                 <a:cs typeface="Consolas" panose="020B0609020204030204" pitchFamily="49" charset="0"/>
               </a:rPr>
               <a:t> </a:t>
             </a:r>
             <a:r>
-              <a:rPr lang="en-US" sz="2400" dirty="0" err="1">
+              <a:rPr lang="en-US" sz="2400" b="1" dirty="0" err="1">
                 <a:latin typeface="Consolas" panose="020B0609020204030204" pitchFamily="49" charset="0"/>
                 <a:cs typeface="Consolas" panose="020B0609020204030204" pitchFamily="49" charset="0"/>
               </a:rPr>
               <a:t>ReadQuotedField</a:t>
             </a:r>
             <a:r>
-              <a:rPr lang="en-US" sz="2400" dirty="0">
+              <a:rPr lang="en-US" sz="2400" b="1" dirty="0">
                 <a:latin typeface="Consolas" panose="020B0609020204030204" pitchFamily="49" charset="0"/>
                 <a:cs typeface="Consolas" panose="020B0609020204030204" pitchFamily="49" charset="0"/>
               </a:rPr>
               <a:t>(</a:t>
             </a:r>
             <a:r>
-              <a:rPr lang="en-US" sz="2400" dirty="0">
+              <a:rPr lang="en-US" sz="2400" b="1" dirty="0">
                 <a:solidFill>
                   <a:srgbClr val="0000FF"/>
                 </a:solidFill>
@@ -11346,14 +11214,14 @@
               <a:t>string</a:t>
             </a:r>
             <a:r>
-              <a:rPr lang="en-US" sz="2400" dirty="0">
+              <a:rPr lang="en-US" sz="2400" b="1" dirty="0">
                 <a:latin typeface="Consolas" panose="020B0609020204030204" pitchFamily="49" charset="0"/>
                 <a:cs typeface="Consolas" panose="020B0609020204030204" pitchFamily="49" charset="0"/>
               </a:rPr>
               <a:t> line, </a:t>
             </a:r>
             <a:r>
-              <a:rPr lang="en-US" sz="2400" dirty="0" smtClean="0">
+              <a:rPr lang="en-US" sz="2400" b="1" dirty="0" smtClean="0">
                 <a:solidFill>
                   <a:srgbClr val="0000FF"/>
                 </a:solidFill>
@@ -11366,7 +11234,7 @@
               <a:t>ref</a:t>
             </a:r>
             <a:r>
-              <a:rPr lang="en-US" sz="2400" dirty="0" smtClean="0">
+              <a:rPr lang="en-US" sz="2400" b="1" dirty="0" smtClean="0">
                 <a:solidFill>
                   <a:srgbClr val="000000"/>
                 </a:solidFill>
@@ -11379,7 +11247,7 @@
               <a:t> </a:t>
             </a:r>
             <a:r>
-              <a:rPr lang="en-US" sz="2400" dirty="0" err="1" smtClean="0">
+              <a:rPr lang="en-US" sz="2400" b="1" dirty="0" err="1" smtClean="0">
                 <a:solidFill>
                   <a:srgbClr val="0000FF"/>
                 </a:solidFill>
@@ -11389,21 +11257,21 @@
               <a:t>int</a:t>
             </a:r>
             <a:r>
-              <a:rPr lang="en-US" sz="2400" dirty="0">
+              <a:rPr lang="en-US" sz="2400" b="1" dirty="0">
                 <a:latin typeface="Consolas" panose="020B0609020204030204" pitchFamily="49" charset="0"/>
                 <a:cs typeface="Consolas" panose="020B0609020204030204" pitchFamily="49" charset="0"/>
               </a:rPr>
               <a:t> </a:t>
             </a:r>
             <a:r>
-              <a:rPr lang="en-US" sz="2400" dirty="0" err="1" smtClean="0">
+              <a:rPr lang="en-US" sz="2400" b="1" dirty="0" err="1" smtClean="0">
                 <a:latin typeface="Consolas" panose="020B0609020204030204" pitchFamily="49" charset="0"/>
                 <a:cs typeface="Consolas" panose="020B0609020204030204" pitchFamily="49" charset="0"/>
               </a:rPr>
               <a:t>pos</a:t>
             </a:r>
             <a:r>
-              <a:rPr lang="en-US" sz="2400" dirty="0" smtClean="0">
+              <a:rPr lang="en-US" sz="2400" b="1" dirty="0" smtClean="0">
                 <a:latin typeface="Consolas" panose="020B0609020204030204" pitchFamily="49" charset="0"/>
                 <a:cs typeface="Consolas" panose="020B0609020204030204" pitchFamily="49" charset="0"/>
               </a:rPr>
@@ -11681,7 +11549,7 @@
 </file>
 
 <file path=ppt/slides/slide34.xml><?xml version="1.0" encoding="utf-8"?>
-<p:sld xmlns:a="http://schemas.openxmlformats.org/drawingml/2006/main" xmlns:r="http://schemas.openxmlformats.org/officeDocument/2006/relationships" xmlns:p="http://schemas.openxmlformats.org/presentationml/2006/main">
+<p:sld xmlns:a="http://schemas.openxmlformats.org/drawingml/2006/main" xmlns:r="http://schemas.openxmlformats.org/officeDocument/2006/relationships" xmlns:p="http://schemas.openxmlformats.org/presentationml/2006/main" show="0">
   <p:cSld>
     <p:spTree>
       <p:nvGrpSpPr>
@@ -12516,6 +12384,14 @@
   <p:clrMapOvr>
     <a:masterClrMapping/>
   </p:clrMapOvr>
+  <mc:AlternateContent xmlns:mc="http://schemas.openxmlformats.org/markup-compatibility/2006">
+    <mc:Choice xmlns:p14="http://schemas.microsoft.com/office/powerpoint/2010/main" Requires="p14">
+      <p:transition spd="slow" p14:dur="2000"/>
+    </mc:Choice>
+    <mc:Fallback>
+      <p:transition spd="slow"/>
+    </mc:Fallback>
+  </mc:AlternateContent>
   <p:timing>
     <p:tnLst>
       <p:par>
@@ -12527,7 +12403,7 @@
 </file>
 
 <file path=ppt/slides/slide35.xml><?xml version="1.0" encoding="utf-8"?>
-<p:sld xmlns:a="http://schemas.openxmlformats.org/drawingml/2006/main" xmlns:r="http://schemas.openxmlformats.org/officeDocument/2006/relationships" xmlns:p="http://schemas.openxmlformats.org/presentationml/2006/main">
+<p:sld xmlns:a="http://schemas.openxmlformats.org/drawingml/2006/main" xmlns:r="http://schemas.openxmlformats.org/officeDocument/2006/relationships" xmlns:p="http://schemas.openxmlformats.org/presentationml/2006/main" show="0">
   <p:cSld>
     <p:spTree>
       <p:nvGrpSpPr>
@@ -13365,6 +13241,14 @@
   <p:clrMapOvr>
     <a:masterClrMapping/>
   </p:clrMapOvr>
+  <mc:AlternateContent xmlns:mc="http://schemas.openxmlformats.org/markup-compatibility/2006">
+    <mc:Choice xmlns:p14="http://schemas.microsoft.com/office/powerpoint/2010/main" Requires="p14">
+      <p:transition spd="slow" p14:dur="2000"/>
+    </mc:Choice>
+    <mc:Fallback>
+      <p:transition spd="slow"/>
+    </mc:Fallback>
+  </mc:AlternateContent>
   <p:timing>
     <p:tnLst>
       <p:par>
@@ -13411,163 +13295,6 @@
           <a:p>
             <a:r>
               <a:rPr lang="ru-RU" dirty="0" smtClean="0"/>
-              <a:t>Задача </a:t>
-            </a:r>
-            <a:br>
-              <a:rPr lang="ru-RU" dirty="0" smtClean="0"/>
-            </a:br>
-            <a:r>
-              <a:rPr lang="ru-RU" dirty="0" smtClean="0"/>
-              <a:t>«Частотный словарь биграмм»</a:t>
-            </a:r>
-            <a:endParaRPr lang="ru-RU" dirty="0"/>
-          </a:p>
-        </p:txBody>
-      </p:sp>
-      <p:sp>
-        <p:nvSpPr>
-          <p:cNvPr id="3" name="Объект 2"/>
-          <p:cNvSpPr>
-            <a:spLocks noGrp="1"/>
-          </p:cNvSpPr>
-          <p:nvPr>
-            <p:ph idx="1"/>
-          </p:nvPr>
-        </p:nvSpPr>
-        <p:spPr>
-          <a:xfrm>
-            <a:off x="457200" y="1556792"/>
-            <a:ext cx="8229600" cy="4525963"/>
-          </a:xfrm>
-        </p:spPr>
-        <p:txBody>
-          <a:bodyPr>
-            <a:normAutofit/>
-          </a:bodyPr>
-          <a:lstStyle/>
-          <a:p>
-            <a:pPr marL="0" indent="0">
-              <a:buNone/>
-            </a:pPr>
-            <a:r>
-              <a:rPr lang="ru-RU" b="1" dirty="0" smtClean="0"/>
-              <a:t>На вход:</a:t>
-            </a:r>
-            <a:r>
-              <a:rPr lang="ru-RU" dirty="0" smtClean="0"/>
-              <a:t> файл с текстом</a:t>
-            </a:r>
-          </a:p>
-          <a:p>
-            <a:pPr marL="0" indent="0">
-              <a:buNone/>
-            </a:pPr>
-            <a:r>
-              <a:rPr lang="ru-RU" b="1" dirty="0" smtClean="0"/>
-              <a:t>На выход:</a:t>
-            </a:r>
-            <a:r>
-              <a:rPr lang="ru-RU" dirty="0" smtClean="0"/>
-              <a:t> 100 самых распространенных </a:t>
-            </a:r>
-            <a:br>
-              <a:rPr lang="ru-RU" dirty="0" smtClean="0"/>
-            </a:br>
-            <a:r>
-              <a:rPr lang="ru-RU" dirty="0" smtClean="0"/>
-              <a:t>биграмм, с указанием частоты на консоль.</a:t>
-            </a:r>
-          </a:p>
-          <a:p>
-            <a:pPr marL="0" indent="0">
-              <a:buNone/>
-            </a:pPr>
-            <a:endParaRPr lang="ru-RU" dirty="0" smtClean="0"/>
-          </a:p>
-          <a:p>
-            <a:pPr marL="0" indent="0">
-              <a:buNone/>
-            </a:pPr>
-            <a:r>
-              <a:rPr lang="ru-RU" dirty="0" smtClean="0"/>
-              <a:t>Напишите </a:t>
-            </a:r>
-            <a:r>
-              <a:rPr lang="ru-RU" dirty="0"/>
-              <a:t>не более 5 сигнатур </a:t>
-            </a:r>
-            <a:r>
-              <a:rPr lang="ru-RU" dirty="0" smtClean="0"/>
-              <a:t>методов и не более двух вспомогательных типов, которые пояснят вашу декомпозицию задачи на подзадачи.  Тела методов писать не нужно.</a:t>
-            </a:r>
-            <a:endParaRPr lang="ru-RU" sz="4400" dirty="0"/>
-          </a:p>
-        </p:txBody>
-      </p:sp>
-    </p:spTree>
-    <p:extLst>
-      <p:ext uri="{BB962C8B-B14F-4D97-AF65-F5344CB8AC3E}">
-        <p14:creationId xmlns:p14="http://schemas.microsoft.com/office/powerpoint/2010/main" val="4151558387"/>
-      </p:ext>
-    </p:extLst>
-  </p:cSld>
-  <p:clrMapOvr>
-    <a:masterClrMapping/>
-  </p:clrMapOvr>
-  <mc:AlternateContent xmlns:mc="http://schemas.openxmlformats.org/markup-compatibility/2006" xmlns:p14="http://schemas.microsoft.com/office/powerpoint/2010/main">
-    <mc:Choice Requires="p14">
-      <p:transition spd="slow" p14:dur="2000"/>
-    </mc:Choice>
-    <mc:Fallback xmlns="">
-      <p:transition spd="slow"/>
-    </mc:Fallback>
-  </mc:AlternateContent>
-  <p:timing>
-    <p:tnLst>
-      <p:par>
-        <p:cTn id="1" dur="indefinite" restart="never" nodeType="tmRoot"/>
-      </p:par>
-    </p:tnLst>
-  </p:timing>
-</p:sld>
-</file>
-
-<file path=ppt/slides/slide37.xml><?xml version="1.0" encoding="utf-8"?>
-<p:sld xmlns:a="http://schemas.openxmlformats.org/drawingml/2006/main" xmlns:r="http://schemas.openxmlformats.org/officeDocument/2006/relationships" xmlns:p="http://schemas.openxmlformats.org/presentationml/2006/main">
-  <p:cSld>
-    <p:spTree>
-      <p:nvGrpSpPr>
-        <p:cNvPr id="1" name=""/>
-        <p:cNvGrpSpPr/>
-        <p:nvPr/>
-      </p:nvGrpSpPr>
-      <p:grpSpPr>
-        <a:xfrm>
-          <a:off x="0" y="0"/>
-          <a:ext cx="0" cy="0"/>
-          <a:chOff x="0" y="0"/>
-          <a:chExt cx="0" cy="0"/>
-        </a:xfrm>
-      </p:grpSpPr>
-      <p:sp>
-        <p:nvSpPr>
-          <p:cNvPr id="2" name="Заголовок 1"/>
-          <p:cNvSpPr>
-            <a:spLocks noGrp="1"/>
-          </p:cNvSpPr>
-          <p:nvPr>
-            <p:ph type="title"/>
-          </p:nvPr>
-        </p:nvSpPr>
-        <p:spPr/>
-        <p:txBody>
-          <a:bodyPr>
-            <a:normAutofit fontScale="90000"/>
-          </a:bodyPr>
-          <a:lstStyle/>
-          <a:p>
-            <a:r>
-              <a:rPr lang="ru-RU" dirty="0" smtClean="0"/>
               <a:t>Декомпозиция — простые мысли</a:t>
             </a:r>
             <a:endParaRPr lang="ru-RU" dirty="0"/>
@@ -13661,7 +13388,7 @@
 </p:sld>
 </file>
 
-<file path=ppt/slides/slide38.xml><?xml version="1.0" encoding="utf-8"?>
+<file path=ppt/slides/slide37.xml><?xml version="1.0" encoding="utf-8"?>
 <p:sld xmlns:a="http://schemas.openxmlformats.org/drawingml/2006/main" xmlns:r="http://schemas.openxmlformats.org/officeDocument/2006/relationships" xmlns:p="http://schemas.openxmlformats.org/presentationml/2006/main">
   <p:cSld>
     <p:spTree>
@@ -14020,6 +13747,163 @@
 </p:sld>
 </file>
 
+<file path=ppt/slides/slide38.xml><?xml version="1.0" encoding="utf-8"?>
+<p:sld xmlns:a="http://schemas.openxmlformats.org/drawingml/2006/main" xmlns:r="http://schemas.openxmlformats.org/officeDocument/2006/relationships" xmlns:p="http://schemas.openxmlformats.org/presentationml/2006/main">
+  <p:cSld>
+    <p:spTree>
+      <p:nvGrpSpPr>
+        <p:cNvPr id="1" name=""/>
+        <p:cNvGrpSpPr/>
+        <p:nvPr/>
+      </p:nvGrpSpPr>
+      <p:grpSpPr>
+        <a:xfrm>
+          <a:off x="0" y="0"/>
+          <a:ext cx="0" cy="0"/>
+          <a:chOff x="0" y="0"/>
+          <a:chExt cx="0" cy="0"/>
+        </a:xfrm>
+      </p:grpSpPr>
+      <p:sp>
+        <p:nvSpPr>
+          <p:cNvPr id="2" name="Заголовок 1"/>
+          <p:cNvSpPr>
+            <a:spLocks noGrp="1"/>
+          </p:cNvSpPr>
+          <p:nvPr>
+            <p:ph type="title"/>
+          </p:nvPr>
+        </p:nvSpPr>
+        <p:spPr/>
+        <p:txBody>
+          <a:bodyPr>
+            <a:normAutofit fontScale="90000"/>
+          </a:bodyPr>
+          <a:lstStyle/>
+          <a:p>
+            <a:r>
+              <a:rPr lang="ru-RU" dirty="0" smtClean="0"/>
+              <a:t>Задача </a:t>
+            </a:r>
+            <a:br>
+              <a:rPr lang="ru-RU" dirty="0" smtClean="0"/>
+            </a:br>
+            <a:r>
+              <a:rPr lang="ru-RU" dirty="0" smtClean="0"/>
+              <a:t>«Частотный словарь биграмм»</a:t>
+            </a:r>
+            <a:endParaRPr lang="ru-RU" dirty="0"/>
+          </a:p>
+        </p:txBody>
+      </p:sp>
+      <p:sp>
+        <p:nvSpPr>
+          <p:cNvPr id="3" name="Объект 2"/>
+          <p:cNvSpPr>
+            <a:spLocks noGrp="1"/>
+          </p:cNvSpPr>
+          <p:nvPr>
+            <p:ph idx="1"/>
+          </p:nvPr>
+        </p:nvSpPr>
+        <p:spPr>
+          <a:xfrm>
+            <a:off x="457200" y="1556792"/>
+            <a:ext cx="8229600" cy="4525963"/>
+          </a:xfrm>
+        </p:spPr>
+        <p:txBody>
+          <a:bodyPr>
+            <a:normAutofit/>
+          </a:bodyPr>
+          <a:lstStyle/>
+          <a:p>
+            <a:pPr marL="0" indent="0">
+              <a:buNone/>
+            </a:pPr>
+            <a:r>
+              <a:rPr lang="ru-RU" b="1" dirty="0" smtClean="0"/>
+              <a:t>На вход:</a:t>
+            </a:r>
+            <a:r>
+              <a:rPr lang="ru-RU" dirty="0" smtClean="0"/>
+              <a:t> файл с текстом</a:t>
+            </a:r>
+          </a:p>
+          <a:p>
+            <a:pPr marL="0" indent="0">
+              <a:buNone/>
+            </a:pPr>
+            <a:r>
+              <a:rPr lang="ru-RU" b="1" dirty="0" smtClean="0"/>
+              <a:t>На выход:</a:t>
+            </a:r>
+            <a:r>
+              <a:rPr lang="ru-RU" dirty="0" smtClean="0"/>
+              <a:t> 100 самых распространенных </a:t>
+            </a:r>
+            <a:br>
+              <a:rPr lang="ru-RU" dirty="0" smtClean="0"/>
+            </a:br>
+            <a:r>
+              <a:rPr lang="ru-RU" dirty="0" smtClean="0"/>
+              <a:t>биграмм, с указанием частоты на консоль.</a:t>
+            </a:r>
+          </a:p>
+          <a:p>
+            <a:pPr marL="0" indent="0">
+              <a:buNone/>
+            </a:pPr>
+            <a:endParaRPr lang="ru-RU" dirty="0" smtClean="0"/>
+          </a:p>
+          <a:p>
+            <a:pPr marL="0" indent="0">
+              <a:buNone/>
+            </a:pPr>
+            <a:r>
+              <a:rPr lang="ru-RU" dirty="0" smtClean="0"/>
+              <a:t>Напишите </a:t>
+            </a:r>
+            <a:r>
+              <a:rPr lang="ru-RU" dirty="0"/>
+              <a:t>не более 5 сигнатур </a:t>
+            </a:r>
+            <a:r>
+              <a:rPr lang="ru-RU" dirty="0" smtClean="0"/>
+              <a:t>методов и не более двух вспомогательных типов, которые пояснят вашу декомпозицию задачи на подзадачи.  Тела методов писать не нужно.</a:t>
+            </a:r>
+            <a:endParaRPr lang="ru-RU" sz="4400" dirty="0"/>
+          </a:p>
+        </p:txBody>
+      </p:sp>
+    </p:spTree>
+    <p:extLst>
+      <p:ext uri="{BB962C8B-B14F-4D97-AF65-F5344CB8AC3E}">
+        <p14:creationId xmlns:p14="http://schemas.microsoft.com/office/powerpoint/2010/main" val="4151558387"/>
+      </p:ext>
+    </p:extLst>
+  </p:cSld>
+  <p:clrMapOvr>
+    <a:masterClrMapping/>
+  </p:clrMapOvr>
+  <mc:AlternateContent xmlns:mc="http://schemas.openxmlformats.org/markup-compatibility/2006" xmlns:p14="http://schemas.microsoft.com/office/powerpoint/2010/main">
+    <mc:Choice Requires="p14">
+      <p:transition spd="slow" p14:dur="2000"/>
+    </mc:Choice>
+    <mc:Fallback xmlns="">
+      <p:transition spd="slow"/>
+    </mc:Fallback>
+  </mc:AlternateContent>
+  <p:timing>
+    <p:tnLst>
+      <p:par>
+        <p:cTn id="1" dur="indefinite" restart="never" nodeType="tmRoot"/>
+      </p:par>
+    </p:tnLst>
+  </p:timing>
+</p:sld>
+</file>
+
 <file path=ppt/slides/slide39.xml><?xml version="1.0" encoding="utf-8"?>
 <p:sld xmlns:a="http://schemas.openxmlformats.org/drawingml/2006/main" xmlns:r="http://schemas.openxmlformats.org/officeDocument/2006/relationships" xmlns:p="http://schemas.openxmlformats.org/presentationml/2006/main">
   <p:cSld>
@@ -14153,7 +14037,7 @@
         </p:nvCxnSpPr>
         <p:spPr>
           <a:xfrm flipV="1">
-            <a:off x="2537770" y="3336847"/>
+            <a:off x="2537770" y="1576936"/>
             <a:ext cx="0" cy="2016224"/>
           </a:xfrm>
           <a:prstGeom prst="straightConnector1">
@@ -14186,7 +14070,7 @@
         </p:nvCxnSpPr>
         <p:spPr>
           <a:xfrm>
-            <a:off x="2537770" y="5353071"/>
+            <a:off x="2537770" y="3593160"/>
             <a:ext cx="4032448" cy="0"/>
           </a:xfrm>
           <a:prstGeom prst="straightConnector1">
@@ -14219,7 +14103,7 @@
         </p:nvSpPr>
         <p:spPr>
           <a:xfrm>
-            <a:off x="2765799" y="3467918"/>
+            <a:off x="2765799" y="1708007"/>
             <a:ext cx="3355029" cy="1734990"/>
           </a:xfrm>
           <a:custGeom>
@@ -14358,7 +14242,7 @@
         </p:nvSpPr>
         <p:spPr>
           <a:xfrm>
-            <a:off x="6714234" y="5281063"/>
+            <a:off x="6714234" y="3521152"/>
             <a:ext cx="1019638" cy="461665"/>
           </a:xfrm>
           <a:prstGeom prst="rect">
@@ -14388,7 +14272,7 @@
         </p:nvSpPr>
         <p:spPr>
           <a:xfrm rot="16200000">
-            <a:off x="758076" y="4114127"/>
+            <a:off x="758076" y="2354216"/>
             <a:ext cx="2920608" cy="461665"/>
           </a:xfrm>
           <a:prstGeom prst="rect">
@@ -14418,7 +14302,7 @@
         </p:nvSpPr>
         <p:spPr>
           <a:xfrm>
-            <a:off x="395536" y="1412776"/>
+            <a:off x="395536" y="4509120"/>
             <a:ext cx="8568952" cy="1077218"/>
           </a:xfrm>
           <a:prstGeom prst="rect">
@@ -14468,9 +14352,80 @@
   <p:timing>
     <p:tnLst>
       <p:par>
-        <p:cTn id="1" dur="indefinite" restart="never" nodeType="tmRoot"/>
+        <p:cTn id="1" dur="indefinite" restart="never" nodeType="tmRoot">
+          <p:childTnLst>
+            <p:seq concurrent="1" nextAc="seek">
+              <p:cTn id="2" dur="indefinite" nodeType="mainSeq">
+                <p:childTnLst>
+                  <p:par>
+                    <p:cTn id="3" fill="hold">
+                      <p:stCondLst>
+                        <p:cond delay="indefinite"/>
+                      </p:stCondLst>
+                      <p:childTnLst>
+                        <p:par>
+                          <p:cTn id="4" fill="hold">
+                            <p:stCondLst>
+                              <p:cond delay="0"/>
+                            </p:stCondLst>
+                            <p:childTnLst>
+                              <p:par>
+                                <p:cTn id="5" presetID="1" presetClass="entr" presetSubtype="0" fill="hold" grpId="0" nodeType="clickEffect">
+                                  <p:stCondLst>
+                                    <p:cond delay="0"/>
+                                  </p:stCondLst>
+                                  <p:childTnLst>
+                                    <p:set>
+                                      <p:cBhvr>
+                                        <p:cTn id="6" dur="1" fill="hold">
+                                          <p:stCondLst>
+                                            <p:cond delay="0"/>
+                                          </p:stCondLst>
+                                        </p:cTn>
+                                        <p:tgtEl>
+                                          <p:spTgt spid="9"/>
+                                        </p:tgtEl>
+                                        <p:attrNameLst>
+                                          <p:attrName>style.visibility</p:attrName>
+                                        </p:attrNameLst>
+                                      </p:cBhvr>
+                                      <p:to>
+                                        <p:strVal val="visible"/>
+                                      </p:to>
+                                    </p:set>
+                                  </p:childTnLst>
+                                </p:cTn>
+                              </p:par>
+                            </p:childTnLst>
+                          </p:cTn>
+                        </p:par>
+                      </p:childTnLst>
+                    </p:cTn>
+                  </p:par>
+                </p:childTnLst>
+              </p:cTn>
+              <p:prevCondLst>
+                <p:cond evt="onPrev" delay="0">
+                  <p:tgtEl>
+                    <p:sldTgt/>
+                  </p:tgtEl>
+                </p:cond>
+              </p:prevCondLst>
+              <p:nextCondLst>
+                <p:cond evt="onNext" delay="0">
+                  <p:tgtEl>
+                    <p:sldTgt/>
+                  </p:tgtEl>
+                </p:cond>
+              </p:nextCondLst>
+            </p:seq>
+          </p:childTnLst>
+        </p:cTn>
       </p:par>
     </p:tnLst>
+    <p:bldLst>
+      <p:bldP spid="9" grpId="0"/>
+    </p:bldLst>
   </p:timing>
 </p:sld>
 </file>
@@ -15433,7 +15388,11 @@
           <a:p>
             <a:r>
               <a:rPr lang="ru-RU" dirty="0" smtClean="0"/>
-              <a:t>Работа с файлами</a:t>
+              <a:t>Работа с </a:t>
+            </a:r>
+            <a:r>
+              <a:rPr lang="ru-RU" dirty="0" smtClean="0"/>
+              <a:t>файлами</a:t>
             </a:r>
             <a:endParaRPr lang="ru-RU" dirty="0"/>
           </a:p>
@@ -15441,155 +15400,546 @@
       </p:sp>
       <p:sp>
         <p:nvSpPr>
-          <p:cNvPr id="3" name="Объект 2"/>
-          <p:cNvSpPr>
-            <a:spLocks noGrp="1"/>
-          </p:cNvSpPr>
-          <p:nvPr>
-            <p:ph idx="1"/>
-          </p:nvPr>
+          <p:cNvPr id="5" name="Прямоугольник 4"/>
+          <p:cNvSpPr/>
+          <p:nvPr/>
         </p:nvSpPr>
-        <p:spPr/>
+        <p:spPr>
+          <a:xfrm>
+            <a:off x="539552" y="1556792"/>
+            <a:ext cx="8190656" cy="3046988"/>
+          </a:xfrm>
+          <a:prstGeom prst="rect">
+            <a:avLst/>
+          </a:prstGeom>
+        </p:spPr>
         <p:txBody>
-          <a:bodyPr>
-            <a:normAutofit/>
+          <a:bodyPr wrap="square">
+            <a:spAutoFit/>
           </a:bodyPr>
           <a:lstStyle/>
           <a:p>
-            <a:pPr marL="0" indent="0">
-              <a:buNone/>
-            </a:pPr>
-            <a:r>
-              <a:rPr lang="en-US" sz="2800" dirty="0" err="1" smtClean="0">
-                <a:latin typeface="Consolas" panose="020B0609020204030204" pitchFamily="49" charset="0"/>
-                <a:cs typeface="Consolas" panose="020B0609020204030204" pitchFamily="49" charset="0"/>
-              </a:rPr>
-              <a:t>File.ReadAllLines</a:t>
-            </a:r>
-            <a:r>
-              <a:rPr lang="en-US" sz="2800" dirty="0" smtClean="0">
-                <a:latin typeface="Consolas" panose="020B0609020204030204" pitchFamily="49" charset="0"/>
-                <a:cs typeface="Consolas" panose="020B0609020204030204" pitchFamily="49" charset="0"/>
-              </a:rPr>
-              <a:t>(“input.txt”) → </a:t>
-            </a:r>
-            <a:r>
-              <a:rPr lang="en-US" sz="2800" b="1" dirty="0" smtClean="0">
-                <a:latin typeface="Consolas" panose="020B0609020204030204" pitchFamily="49" charset="0"/>
-                <a:cs typeface="Consolas" panose="020B0609020204030204" pitchFamily="49" charset="0"/>
+            <a:r>
+              <a:rPr lang="en-US" sz="2400" dirty="0" err="1">
+                <a:solidFill>
+                  <a:srgbClr val="0000FF"/>
+                </a:solidFill>
+                <a:highlight>
+                  <a:srgbClr val="FFFFFF"/>
+                </a:highlight>
+                <a:latin typeface="Consolas"/>
+              </a:rPr>
+              <a:t>var</a:t>
+            </a:r>
+            <a:r>
+              <a:rPr lang="en-US" sz="2400" dirty="0">
+                <a:solidFill>
+                  <a:srgbClr val="000000"/>
+                </a:solidFill>
+                <a:highlight>
+                  <a:srgbClr val="FFFFFF"/>
+                </a:highlight>
+                <a:latin typeface="Consolas"/>
+              </a:rPr>
+              <a:t> reader = </a:t>
+            </a:r>
+            <a:r>
+              <a:rPr lang="en-US" sz="2400" dirty="0">
+                <a:solidFill>
+                  <a:srgbClr val="0000FF"/>
+                </a:solidFill>
+                <a:highlight>
+                  <a:srgbClr val="FFFFFF"/>
+                </a:highlight>
+                <a:latin typeface="Consolas"/>
+              </a:rPr>
+              <a:t>new</a:t>
+            </a:r>
+            <a:r>
+              <a:rPr lang="en-US" sz="2400" dirty="0">
+                <a:solidFill>
+                  <a:srgbClr val="000000"/>
+                </a:solidFill>
+                <a:highlight>
+                  <a:srgbClr val="FFFFFF"/>
+                </a:highlight>
+                <a:latin typeface="Consolas"/>
+              </a:rPr>
+              <a:t> </a:t>
+            </a:r>
+            <a:r>
+              <a:rPr lang="en-US" sz="2400" dirty="0" err="1">
+                <a:solidFill>
+                  <a:srgbClr val="2B91AF"/>
+                </a:solidFill>
+                <a:highlight>
+                  <a:srgbClr val="FFFFFF"/>
+                </a:highlight>
+                <a:latin typeface="Consolas"/>
+              </a:rPr>
+              <a:t>StreamReader</a:t>
+            </a:r>
+            <a:r>
+              <a:rPr lang="en-US" sz="2400" dirty="0">
+                <a:solidFill>
+                  <a:srgbClr val="000000"/>
+                </a:solidFill>
+                <a:highlight>
+                  <a:srgbClr val="FFFFFF"/>
+                </a:highlight>
+                <a:latin typeface="Consolas"/>
+              </a:rPr>
+              <a:t>(</a:t>
+            </a:r>
+            <a:r>
+              <a:rPr lang="en-US" sz="2400" dirty="0">
+                <a:solidFill>
+                  <a:srgbClr val="A31515"/>
+                </a:solidFill>
+                <a:highlight>
+                  <a:srgbClr val="FFFFFF"/>
+                </a:highlight>
+                <a:latin typeface="Consolas"/>
+              </a:rPr>
+              <a:t>"filename.txt"</a:t>
+            </a:r>
+            <a:r>
+              <a:rPr lang="en-US" sz="2400" dirty="0">
+                <a:solidFill>
+                  <a:srgbClr val="000000"/>
+                </a:solidFill>
+                <a:highlight>
+                  <a:srgbClr val="FFFFFF"/>
+                </a:highlight>
+                <a:latin typeface="Consolas"/>
+              </a:rPr>
+              <a:t>);</a:t>
+            </a:r>
+          </a:p>
+          <a:p>
+            <a:r>
+              <a:rPr lang="en-US" sz="2400" dirty="0" err="1">
+                <a:solidFill>
+                  <a:srgbClr val="0000FF"/>
+                </a:solidFill>
+                <a:highlight>
+                  <a:srgbClr val="FFFFFF"/>
+                </a:highlight>
+                <a:latin typeface="Consolas"/>
+              </a:rPr>
+              <a:t>var</a:t>
+            </a:r>
+            <a:r>
+              <a:rPr lang="en-US" sz="2400" dirty="0">
+                <a:solidFill>
+                  <a:srgbClr val="000000"/>
+                </a:solidFill>
+                <a:highlight>
+                  <a:srgbClr val="FFFFFF"/>
+                </a:highlight>
+                <a:latin typeface="Consolas"/>
+              </a:rPr>
+              <a:t> lines = </a:t>
+            </a:r>
+            <a:r>
+              <a:rPr lang="en-US" sz="2400" dirty="0">
+                <a:solidFill>
+                  <a:srgbClr val="0000FF"/>
+                </a:solidFill>
+                <a:highlight>
+                  <a:srgbClr val="FFFFFF"/>
+                </a:highlight>
+                <a:latin typeface="Consolas"/>
+              </a:rPr>
+              <a:t>new</a:t>
+            </a:r>
+            <a:r>
+              <a:rPr lang="en-US" sz="2400" dirty="0">
+                <a:solidFill>
+                  <a:srgbClr val="000000"/>
+                </a:solidFill>
+                <a:highlight>
+                  <a:srgbClr val="FFFFFF"/>
+                </a:highlight>
+                <a:latin typeface="Consolas"/>
+              </a:rPr>
+              <a:t> </a:t>
+            </a:r>
+            <a:r>
+              <a:rPr lang="en-US" sz="2400" dirty="0">
+                <a:solidFill>
+                  <a:srgbClr val="2B91AF"/>
+                </a:solidFill>
+                <a:highlight>
+                  <a:srgbClr val="FFFFFF"/>
+                </a:highlight>
+                <a:latin typeface="Consolas"/>
+              </a:rPr>
+              <a:t>List</a:t>
+            </a:r>
+            <a:r>
+              <a:rPr lang="en-US" sz="2400" dirty="0">
+                <a:solidFill>
+                  <a:srgbClr val="000000"/>
+                </a:solidFill>
+                <a:highlight>
+                  <a:srgbClr val="FFFFFF"/>
+                </a:highlight>
+                <a:latin typeface="Consolas"/>
+              </a:rPr>
+              <a:t>&lt;</a:t>
+            </a:r>
+            <a:r>
+              <a:rPr lang="en-US" sz="2400" dirty="0">
+                <a:solidFill>
+                  <a:srgbClr val="0000FF"/>
+                </a:solidFill>
+                <a:highlight>
+                  <a:srgbClr val="FFFFFF"/>
+                </a:highlight>
+                <a:latin typeface="Consolas"/>
               </a:rPr>
               <a:t>string</a:t>
             </a:r>
             <a:r>
-              <a:rPr lang="en-US" sz="2800" dirty="0" smtClean="0">
-                <a:latin typeface="Consolas" panose="020B0609020204030204" pitchFamily="49" charset="0"/>
-                <a:cs typeface="Consolas" panose="020B0609020204030204" pitchFamily="49" charset="0"/>
-              </a:rPr>
-              <a:t>[]</a:t>
-            </a:r>
-          </a:p>
-          <a:p>
-            <a:pPr marL="0" indent="0">
-              <a:buNone/>
-            </a:pPr>
-            <a:r>
-              <a:rPr lang="en-US" sz="2800" dirty="0" err="1" smtClean="0">
-                <a:latin typeface="Consolas" panose="020B0609020204030204" pitchFamily="49" charset="0"/>
-                <a:cs typeface="Consolas" panose="020B0609020204030204" pitchFamily="49" charset="0"/>
-              </a:rPr>
-              <a:t>File.ReadAllText</a:t>
-            </a:r>
-            <a:r>
-              <a:rPr lang="en-US" sz="2800" dirty="0" smtClean="0">
-                <a:latin typeface="Consolas" panose="020B0609020204030204" pitchFamily="49" charset="0"/>
-                <a:cs typeface="Consolas" panose="020B0609020204030204" pitchFamily="49" charset="0"/>
-              </a:rPr>
-              <a:t>(“input.txt”) → </a:t>
-            </a:r>
-            <a:r>
-              <a:rPr lang="en-US" sz="2800" b="1" dirty="0" smtClean="0">
-                <a:latin typeface="Consolas" panose="020B0609020204030204" pitchFamily="49" charset="0"/>
-                <a:cs typeface="Consolas" panose="020B0609020204030204" pitchFamily="49" charset="0"/>
-              </a:rPr>
-              <a:t>string</a:t>
-            </a:r>
-          </a:p>
-          <a:p>
-            <a:pPr marL="0" indent="0">
-              <a:buNone/>
-            </a:pPr>
-            <a:r>
-              <a:rPr lang="en-US" sz="2800" dirty="0" err="1" smtClean="0">
-                <a:latin typeface="Consolas" panose="020B0609020204030204" pitchFamily="49" charset="0"/>
-                <a:cs typeface="Consolas" panose="020B0609020204030204" pitchFamily="49" charset="0"/>
-              </a:rPr>
-              <a:t>File.WriteAllLines</a:t>
-            </a:r>
-            <a:r>
-              <a:rPr lang="en-US" sz="2800" dirty="0" smtClean="0">
-                <a:latin typeface="Consolas" panose="020B0609020204030204" pitchFamily="49" charset="0"/>
-                <a:cs typeface="Consolas" panose="020B0609020204030204" pitchFamily="49" charset="0"/>
-              </a:rPr>
-              <a:t>(“input.txt”,</a:t>
-            </a:r>
-            <a:br>
-              <a:rPr lang="en-US" sz="2800" dirty="0" smtClean="0">
-                <a:latin typeface="Consolas" panose="020B0609020204030204" pitchFamily="49" charset="0"/>
-                <a:cs typeface="Consolas" panose="020B0609020204030204" pitchFamily="49" charset="0"/>
-              </a:rPr>
-            </a:br>
-            <a:r>
-              <a:rPr lang="en-US" sz="2800" dirty="0" smtClean="0">
-                <a:latin typeface="Consolas" panose="020B0609020204030204" pitchFamily="49" charset="0"/>
-                <a:cs typeface="Consolas" panose="020B0609020204030204" pitchFamily="49" charset="0"/>
-              </a:rPr>
-              <a:t>			new[]{“line1”, “line2”})</a:t>
-            </a:r>
-          </a:p>
-          <a:p>
-            <a:pPr marL="0" indent="0">
-              <a:buNone/>
-            </a:pPr>
-            <a:r>
-              <a:rPr lang="en-US" sz="2800" dirty="0" err="1" smtClean="0">
-                <a:latin typeface="Consolas" panose="020B0609020204030204" pitchFamily="49" charset="0"/>
-                <a:cs typeface="Consolas" panose="020B0609020204030204" pitchFamily="49" charset="0"/>
-              </a:rPr>
-              <a:t>File.WriteAllText</a:t>
-            </a:r>
-            <a:r>
-              <a:rPr lang="en-US" sz="2800" dirty="0" smtClean="0">
-                <a:latin typeface="Consolas" panose="020B0609020204030204" pitchFamily="49" charset="0"/>
-                <a:cs typeface="Consolas" panose="020B0609020204030204" pitchFamily="49" charset="0"/>
-              </a:rPr>
-              <a:t>(“input.txt”,</a:t>
-            </a:r>
-            <a:br>
-              <a:rPr lang="en-US" sz="2800" dirty="0" smtClean="0">
-                <a:latin typeface="Consolas" panose="020B0609020204030204" pitchFamily="49" charset="0"/>
-                <a:cs typeface="Consolas" panose="020B0609020204030204" pitchFamily="49" charset="0"/>
-              </a:rPr>
-            </a:br>
-            <a:r>
-              <a:rPr lang="en-US" sz="2800" dirty="0" smtClean="0">
-                <a:latin typeface="Consolas" panose="020B0609020204030204" pitchFamily="49" charset="0"/>
-                <a:cs typeface="Consolas" panose="020B0609020204030204" pitchFamily="49" charset="0"/>
-              </a:rPr>
-              <a:t>				“hello world”);</a:t>
-            </a:r>
-            <a:endParaRPr lang="ru-RU" sz="2800" dirty="0">
-              <a:latin typeface="Consolas" panose="020B0609020204030204" pitchFamily="49" charset="0"/>
-              <a:cs typeface="Consolas" panose="020B0609020204030204" pitchFamily="49" charset="0"/>
+              <a:rPr lang="en-US" sz="2400" dirty="0">
+                <a:solidFill>
+                  <a:srgbClr val="000000"/>
+                </a:solidFill>
+                <a:highlight>
+                  <a:srgbClr val="FFFFFF"/>
+                </a:highlight>
+                <a:latin typeface="Consolas"/>
+              </a:rPr>
+              <a:t>&gt;();</a:t>
+            </a:r>
+          </a:p>
+          <a:p>
+            <a:r>
+              <a:rPr lang="en-US" sz="2400" dirty="0">
+                <a:solidFill>
+                  <a:srgbClr val="0000FF"/>
+                </a:solidFill>
+                <a:highlight>
+                  <a:srgbClr val="FFFFFF"/>
+                </a:highlight>
+                <a:latin typeface="Consolas"/>
+              </a:rPr>
+              <a:t>while</a:t>
+            </a:r>
+            <a:r>
+              <a:rPr lang="en-US" sz="2400" dirty="0">
+                <a:solidFill>
+                  <a:srgbClr val="000000"/>
+                </a:solidFill>
+                <a:highlight>
+                  <a:srgbClr val="FFFFFF"/>
+                </a:highlight>
+                <a:latin typeface="Consolas"/>
+              </a:rPr>
+              <a:t> (</a:t>
+            </a:r>
+            <a:r>
+              <a:rPr lang="en-US" sz="2400" dirty="0">
+                <a:solidFill>
+                  <a:srgbClr val="0000FF"/>
+                </a:solidFill>
+                <a:highlight>
+                  <a:srgbClr val="FFFFFF"/>
+                </a:highlight>
+                <a:latin typeface="Consolas"/>
+              </a:rPr>
+              <a:t>true</a:t>
+            </a:r>
+            <a:r>
+              <a:rPr lang="en-US" sz="2400" dirty="0">
+                <a:solidFill>
+                  <a:srgbClr val="000000"/>
+                </a:solidFill>
+                <a:highlight>
+                  <a:srgbClr val="FFFFFF"/>
+                </a:highlight>
+                <a:latin typeface="Consolas"/>
+              </a:rPr>
+              <a:t>)</a:t>
+            </a:r>
+          </a:p>
+          <a:p>
+            <a:r>
+              <a:rPr lang="ru-RU" sz="2400" dirty="0">
+                <a:solidFill>
+                  <a:srgbClr val="000000"/>
+                </a:solidFill>
+                <a:highlight>
+                  <a:srgbClr val="FFFFFF"/>
+                </a:highlight>
+                <a:latin typeface="Consolas"/>
+              </a:rPr>
+              <a:t>{</a:t>
+            </a:r>
+          </a:p>
+          <a:p>
+            <a:r>
+              <a:rPr lang="en-US" sz="2400" dirty="0" smtClean="0">
+                <a:solidFill>
+                  <a:srgbClr val="0000FF"/>
+                </a:solidFill>
+                <a:highlight>
+                  <a:srgbClr val="FFFFFF"/>
+                </a:highlight>
+                <a:latin typeface="Consolas"/>
+              </a:rPr>
+              <a:t>  </a:t>
+            </a:r>
+            <a:r>
+              <a:rPr lang="en-US" sz="2400" dirty="0" err="1" smtClean="0">
+                <a:solidFill>
+                  <a:srgbClr val="0000FF"/>
+                </a:solidFill>
+                <a:highlight>
+                  <a:srgbClr val="FFFFFF"/>
+                </a:highlight>
+                <a:latin typeface="Consolas"/>
+              </a:rPr>
+              <a:t>var</a:t>
+            </a:r>
+            <a:r>
+              <a:rPr lang="en-US" sz="2400" dirty="0" smtClean="0">
+                <a:solidFill>
+                  <a:srgbClr val="000000"/>
+                </a:solidFill>
+                <a:highlight>
+                  <a:srgbClr val="FFFFFF"/>
+                </a:highlight>
+                <a:latin typeface="Consolas"/>
+              </a:rPr>
+              <a:t> </a:t>
+            </a:r>
+            <a:r>
+              <a:rPr lang="en-US" sz="2400" dirty="0">
+                <a:solidFill>
+                  <a:srgbClr val="000000"/>
+                </a:solidFill>
+                <a:highlight>
+                  <a:srgbClr val="FFFFFF"/>
+                </a:highlight>
+                <a:latin typeface="Consolas"/>
+              </a:rPr>
+              <a:t>s = </a:t>
+            </a:r>
+            <a:r>
+              <a:rPr lang="en-US" sz="2400" dirty="0" err="1">
+                <a:solidFill>
+                  <a:srgbClr val="000000"/>
+                </a:solidFill>
+                <a:highlight>
+                  <a:srgbClr val="FFFFFF"/>
+                </a:highlight>
+                <a:latin typeface="Consolas"/>
+              </a:rPr>
+              <a:t>reader.ReadLine</a:t>
+            </a:r>
+            <a:r>
+              <a:rPr lang="en-US" sz="2400" dirty="0">
+                <a:solidFill>
+                  <a:srgbClr val="000000"/>
+                </a:solidFill>
+                <a:highlight>
+                  <a:srgbClr val="FFFFFF"/>
+                </a:highlight>
+                <a:latin typeface="Consolas"/>
+              </a:rPr>
+              <a:t>();</a:t>
+            </a:r>
+          </a:p>
+          <a:p>
+            <a:r>
+              <a:rPr lang="en-US" sz="2400" dirty="0" smtClean="0">
+                <a:solidFill>
+                  <a:srgbClr val="0000FF"/>
+                </a:solidFill>
+                <a:highlight>
+                  <a:srgbClr val="FFFFFF"/>
+                </a:highlight>
+                <a:latin typeface="Consolas"/>
+              </a:rPr>
+              <a:t>  if</a:t>
+            </a:r>
+            <a:r>
+              <a:rPr lang="en-US" sz="2400" dirty="0" smtClean="0">
+                <a:solidFill>
+                  <a:srgbClr val="000000"/>
+                </a:solidFill>
+                <a:highlight>
+                  <a:srgbClr val="FFFFFF"/>
+                </a:highlight>
+                <a:latin typeface="Consolas"/>
+              </a:rPr>
+              <a:t> </a:t>
+            </a:r>
+            <a:r>
+              <a:rPr lang="en-US" sz="2400" dirty="0">
+                <a:solidFill>
+                  <a:srgbClr val="000000"/>
+                </a:solidFill>
+                <a:highlight>
+                  <a:srgbClr val="FFFFFF"/>
+                </a:highlight>
+                <a:latin typeface="Consolas"/>
+              </a:rPr>
+              <a:t>(s == </a:t>
+            </a:r>
+            <a:r>
+              <a:rPr lang="en-US" sz="2400" dirty="0">
+                <a:solidFill>
+                  <a:srgbClr val="0000FF"/>
+                </a:solidFill>
+                <a:highlight>
+                  <a:srgbClr val="FFFFFF"/>
+                </a:highlight>
+                <a:latin typeface="Consolas"/>
+              </a:rPr>
+              <a:t>null</a:t>
+            </a:r>
+            <a:r>
+              <a:rPr lang="en-US" sz="2400" dirty="0">
+                <a:solidFill>
+                  <a:srgbClr val="000000"/>
+                </a:solidFill>
+                <a:highlight>
+                  <a:srgbClr val="FFFFFF"/>
+                </a:highlight>
+                <a:latin typeface="Consolas"/>
+              </a:rPr>
+              <a:t>) </a:t>
+            </a:r>
+            <a:r>
+              <a:rPr lang="en-US" sz="2400" dirty="0">
+                <a:solidFill>
+                  <a:srgbClr val="0000FF"/>
+                </a:solidFill>
+                <a:highlight>
+                  <a:srgbClr val="FFFFFF"/>
+                </a:highlight>
+                <a:latin typeface="Consolas"/>
+              </a:rPr>
+              <a:t>break</a:t>
+            </a:r>
+            <a:r>
+              <a:rPr lang="en-US" sz="2400" dirty="0">
+                <a:solidFill>
+                  <a:srgbClr val="000000"/>
+                </a:solidFill>
+                <a:highlight>
+                  <a:srgbClr val="FFFFFF"/>
+                </a:highlight>
+                <a:latin typeface="Consolas"/>
+              </a:rPr>
+              <a:t>;</a:t>
+            </a:r>
+          </a:p>
+          <a:p>
+            <a:r>
+              <a:rPr lang="en-US" sz="2400" dirty="0" smtClean="0">
+                <a:solidFill>
+                  <a:srgbClr val="000000"/>
+                </a:solidFill>
+                <a:highlight>
+                  <a:srgbClr val="FFFFFF"/>
+                </a:highlight>
+                <a:latin typeface="Consolas"/>
+              </a:rPr>
+              <a:t>  </a:t>
+            </a:r>
+            <a:r>
+              <a:rPr lang="en-US" sz="2400" dirty="0" err="1" smtClean="0">
+                <a:solidFill>
+                  <a:srgbClr val="000000"/>
+                </a:solidFill>
+                <a:highlight>
+                  <a:srgbClr val="FFFFFF"/>
+                </a:highlight>
+                <a:latin typeface="Consolas"/>
+              </a:rPr>
+              <a:t>lines.Add</a:t>
+            </a:r>
+            <a:r>
+              <a:rPr lang="en-US" sz="2400" dirty="0" smtClean="0">
+                <a:solidFill>
+                  <a:srgbClr val="000000"/>
+                </a:solidFill>
+                <a:highlight>
+                  <a:srgbClr val="FFFFFF"/>
+                </a:highlight>
+                <a:latin typeface="Consolas"/>
+              </a:rPr>
+              <a:t>(s</a:t>
+            </a:r>
+            <a:r>
+              <a:rPr lang="en-US" sz="2400" dirty="0">
+                <a:solidFill>
+                  <a:srgbClr val="000000"/>
+                </a:solidFill>
+                <a:highlight>
+                  <a:srgbClr val="FFFFFF"/>
+                </a:highlight>
+                <a:latin typeface="Consolas"/>
+              </a:rPr>
+              <a:t>);</a:t>
+            </a:r>
+          </a:p>
+          <a:p>
+            <a:r>
+              <a:rPr lang="ru-RU" sz="2400" dirty="0" smtClean="0">
+                <a:solidFill>
+                  <a:srgbClr val="000000"/>
+                </a:solidFill>
+                <a:highlight>
+                  <a:srgbClr val="FFFFFF"/>
+                </a:highlight>
+                <a:latin typeface="Consolas"/>
+              </a:rPr>
+              <a:t>}</a:t>
+            </a:r>
+            <a:endParaRPr lang="ru-RU" sz="2400" dirty="0">
+              <a:solidFill>
+                <a:srgbClr val="000000"/>
+              </a:solidFill>
+              <a:highlight>
+                <a:srgbClr val="FFFFFF"/>
+              </a:highlight>
+              <a:latin typeface="Consolas"/>
             </a:endParaRPr>
           </a:p>
-          <a:p>
-            <a:pPr marL="0" indent="0">
-              <a:buNone/>
-            </a:pPr>
-            <a:endParaRPr lang="ru-RU" sz="2800" dirty="0">
-              <a:latin typeface="Consolas" panose="020B0609020204030204" pitchFamily="49" charset="0"/>
-              <a:cs typeface="Consolas" panose="020B0609020204030204" pitchFamily="49" charset="0"/>
-            </a:endParaRPr>
+        </p:txBody>
+      </p:sp>
+      <p:sp>
+        <p:nvSpPr>
+          <p:cNvPr id="6" name="TextBox 5"/>
+          <p:cNvSpPr txBox="1"/>
+          <p:nvPr/>
+        </p:nvSpPr>
+        <p:spPr>
+          <a:xfrm>
+            <a:off x="5704395" y="4581128"/>
+            <a:ext cx="1322798" cy="923330"/>
+          </a:xfrm>
+          <a:prstGeom prst="rect">
+            <a:avLst/>
+          </a:prstGeom>
+          <a:noFill/>
+        </p:spPr>
+        <p:txBody>
+          <a:bodyPr wrap="none" rtlCol="0">
+            <a:spAutoFit/>
+          </a:bodyPr>
+          <a:lstStyle/>
+          <a:p>
+            <a:r>
+              <a:rPr lang="en-US" sz="5400" dirty="0" smtClean="0"/>
+              <a:t>OK?</a:t>
+            </a:r>
+            <a:endParaRPr lang="ru-RU" sz="5400" dirty="0"/>
           </a:p>
         </p:txBody>
       </p:sp>
@@ -15637,158 +15987,7 @@
                                           </p:stCondLst>
                                         </p:cTn>
                                         <p:tgtEl>
-                                          <p:spTgt spid="3">
-                                            <p:txEl>
-                                              <p:pRg st="0" end="0"/>
-                                            </p:txEl>
-                                          </p:spTgt>
-                                        </p:tgtEl>
-                                        <p:attrNameLst>
-                                          <p:attrName>style.visibility</p:attrName>
-                                        </p:attrNameLst>
-                                      </p:cBhvr>
-                                      <p:to>
-                                        <p:strVal val="visible"/>
-                                      </p:to>
-                                    </p:set>
-                                  </p:childTnLst>
-                                </p:cTn>
-                              </p:par>
-                            </p:childTnLst>
-                          </p:cTn>
-                        </p:par>
-                      </p:childTnLst>
-                    </p:cTn>
-                  </p:par>
-                  <p:par>
-                    <p:cTn id="7" fill="hold">
-                      <p:stCondLst>
-                        <p:cond delay="indefinite"/>
-                      </p:stCondLst>
-                      <p:childTnLst>
-                        <p:par>
-                          <p:cTn id="8" fill="hold">
-                            <p:stCondLst>
-                              <p:cond delay="0"/>
-                            </p:stCondLst>
-                            <p:childTnLst>
-                              <p:par>
-                                <p:cTn id="9" presetID="1" presetClass="entr" presetSubtype="0" fill="hold" grpId="0" nodeType="clickEffect">
-                                  <p:stCondLst>
-                                    <p:cond delay="0"/>
-                                  </p:stCondLst>
-                                  <p:childTnLst>
-                                    <p:set>
-                                      <p:cBhvr>
-                                        <p:cTn id="10" dur="1" fill="hold">
-                                          <p:stCondLst>
-                                            <p:cond delay="0"/>
-                                          </p:stCondLst>
-                                        </p:cTn>
-                                        <p:tgtEl>
-                                          <p:spTgt spid="3">
-                                            <p:txEl>
-                                              <p:pRg st="1" end="1"/>
-                                            </p:txEl>
-                                          </p:spTgt>
-                                        </p:tgtEl>
-                                        <p:attrNameLst>
-                                          <p:attrName>style.visibility</p:attrName>
-                                        </p:attrNameLst>
-                                      </p:cBhvr>
-                                      <p:to>
-                                        <p:strVal val="visible"/>
-                                      </p:to>
-                                    </p:set>
-                                  </p:childTnLst>
-                                </p:cTn>
-                              </p:par>
-                            </p:childTnLst>
-                          </p:cTn>
-                        </p:par>
-                      </p:childTnLst>
-                    </p:cTn>
-                  </p:par>
-                  <p:par>
-                    <p:cTn id="11" fill="hold">
-                      <p:stCondLst>
-                        <p:cond delay="indefinite"/>
-                      </p:stCondLst>
-                      <p:childTnLst>
-                        <p:par>
-                          <p:cTn id="12" fill="hold">
-                            <p:stCondLst>
-                              <p:cond delay="0"/>
-                            </p:stCondLst>
-                            <p:childTnLst>
-                              <p:par>
-                                <p:cTn id="13" presetID="1" presetClass="entr" presetSubtype="0" fill="hold" grpId="0" nodeType="clickEffect">
-                                  <p:stCondLst>
-                                    <p:cond delay="0"/>
-                                  </p:stCondLst>
-                                  <p:childTnLst>
-                                    <p:set>
-                                      <p:cBhvr>
-                                        <p:cTn id="14" dur="1" fill="hold">
-                                          <p:stCondLst>
-                                            <p:cond delay="0"/>
-                                          </p:stCondLst>
-                                        </p:cTn>
-                                        <p:tgtEl>
-                                          <p:spTgt spid="3">
-                                            <p:txEl>
-                                              <p:pRg st="2" end="2"/>
-                                            </p:txEl>
-                                          </p:spTgt>
-                                        </p:tgtEl>
-                                        <p:attrNameLst>
-                                          <p:attrName>style.visibility</p:attrName>
-                                        </p:attrNameLst>
-                                      </p:cBhvr>
-                                      <p:to>
-                                        <p:strVal val="visible"/>
-                                      </p:to>
-                                    </p:set>
-                                  </p:childTnLst>
-                                </p:cTn>
-                              </p:par>
-                            </p:childTnLst>
-                          </p:cTn>
-                        </p:par>
-                      </p:childTnLst>
-                    </p:cTn>
-                  </p:par>
-                  <p:par>
-                    <p:cTn id="15" fill="hold">
-                      <p:stCondLst>
-                        <p:cond delay="indefinite"/>
-                      </p:stCondLst>
-                      <p:childTnLst>
-                        <p:par>
-                          <p:cTn id="16" fill="hold">
-                            <p:stCondLst>
-                              <p:cond delay="0"/>
-                            </p:stCondLst>
-                            <p:childTnLst>
-                              <p:par>
-                                <p:cTn id="17" presetID="1" presetClass="entr" presetSubtype="0" fill="hold" grpId="0" nodeType="clickEffect">
-                                  <p:stCondLst>
-                                    <p:cond delay="0"/>
-                                  </p:stCondLst>
-                                  <p:childTnLst>
-                                    <p:set>
-                                      <p:cBhvr>
-                                        <p:cTn id="18" dur="1" fill="hold">
-                                          <p:stCondLst>
-                                            <p:cond delay="0"/>
-                                          </p:stCondLst>
-                                        </p:cTn>
-                                        <p:tgtEl>
-                                          <p:spTgt spid="3">
-                                            <p:txEl>
-                                              <p:pRg st="3" end="3"/>
-                                            </p:txEl>
-                                          </p:spTgt>
+                                          <p:spTgt spid="6"/>
                                         </p:tgtEl>
                                         <p:attrNameLst>
                                           <p:attrName>style.visibility</p:attrName>
@@ -15829,7 +16028,7 @@
       </p:par>
     </p:tnLst>
     <p:bldLst>
-      <p:bldP spid="3" grpId="0" build="p"/>
+      <p:bldP spid="6" grpId="0"/>
     </p:bldLst>
   </p:timing>
 </p:sld>
@@ -15868,6 +16067,2216 @@
           <a:lstStyle/>
           <a:p>
             <a:r>
+              <a:rPr lang="ru-RU" dirty="0" smtClean="0"/>
+              <a:t>Работа с файлами</a:t>
+            </a:r>
+            <a:endParaRPr lang="ru-RU" dirty="0"/>
+          </a:p>
+        </p:txBody>
+      </p:sp>
+      <p:sp>
+        <p:nvSpPr>
+          <p:cNvPr id="5" name="Прямоугольник 4"/>
+          <p:cNvSpPr/>
+          <p:nvPr/>
+        </p:nvSpPr>
+        <p:spPr>
+          <a:xfrm>
+            <a:off x="539552" y="1556792"/>
+            <a:ext cx="8604448" cy="3416320"/>
+          </a:xfrm>
+          <a:prstGeom prst="rect">
+            <a:avLst/>
+          </a:prstGeom>
+        </p:spPr>
+        <p:txBody>
+          <a:bodyPr wrap="square">
+            <a:spAutoFit/>
+          </a:bodyPr>
+          <a:lstStyle/>
+          <a:p>
+            <a:r>
+              <a:rPr lang="en-US" sz="2400" dirty="0" err="1">
+                <a:solidFill>
+                  <a:srgbClr val="0000FF"/>
+                </a:solidFill>
+                <a:highlight>
+                  <a:srgbClr val="FFFFFF"/>
+                </a:highlight>
+                <a:latin typeface="Consolas"/>
+              </a:rPr>
+              <a:t>var</a:t>
+            </a:r>
+            <a:r>
+              <a:rPr lang="en-US" sz="2400" dirty="0">
+                <a:solidFill>
+                  <a:srgbClr val="000000"/>
+                </a:solidFill>
+                <a:highlight>
+                  <a:srgbClr val="FFFFFF"/>
+                </a:highlight>
+                <a:latin typeface="Consolas"/>
+              </a:rPr>
+              <a:t> reader = </a:t>
+            </a:r>
+            <a:r>
+              <a:rPr lang="en-US" sz="2400" dirty="0">
+                <a:solidFill>
+                  <a:srgbClr val="0000FF"/>
+                </a:solidFill>
+                <a:highlight>
+                  <a:srgbClr val="FFFFFF"/>
+                </a:highlight>
+                <a:latin typeface="Consolas"/>
+              </a:rPr>
+              <a:t>new</a:t>
+            </a:r>
+            <a:r>
+              <a:rPr lang="en-US" sz="2400" dirty="0">
+                <a:solidFill>
+                  <a:srgbClr val="000000"/>
+                </a:solidFill>
+                <a:highlight>
+                  <a:srgbClr val="FFFFFF"/>
+                </a:highlight>
+                <a:latin typeface="Consolas"/>
+              </a:rPr>
+              <a:t> </a:t>
+            </a:r>
+            <a:r>
+              <a:rPr lang="en-US" sz="2400" dirty="0" err="1">
+                <a:solidFill>
+                  <a:srgbClr val="2B91AF"/>
+                </a:solidFill>
+                <a:highlight>
+                  <a:srgbClr val="FFFFFF"/>
+                </a:highlight>
+                <a:latin typeface="Consolas"/>
+              </a:rPr>
+              <a:t>StreamReader</a:t>
+            </a:r>
+            <a:r>
+              <a:rPr lang="en-US" sz="2400" dirty="0">
+                <a:solidFill>
+                  <a:srgbClr val="000000"/>
+                </a:solidFill>
+                <a:highlight>
+                  <a:srgbClr val="FFFFFF"/>
+                </a:highlight>
+                <a:latin typeface="Consolas"/>
+              </a:rPr>
+              <a:t>(</a:t>
+            </a:r>
+            <a:r>
+              <a:rPr lang="en-US" sz="2400" dirty="0">
+                <a:solidFill>
+                  <a:srgbClr val="A31515"/>
+                </a:solidFill>
+                <a:highlight>
+                  <a:srgbClr val="FFFFFF"/>
+                </a:highlight>
+                <a:latin typeface="Consolas"/>
+              </a:rPr>
+              <a:t>"filename.txt"</a:t>
+            </a:r>
+            <a:r>
+              <a:rPr lang="en-US" sz="2400" dirty="0">
+                <a:solidFill>
+                  <a:srgbClr val="000000"/>
+                </a:solidFill>
+                <a:highlight>
+                  <a:srgbClr val="FFFFFF"/>
+                </a:highlight>
+                <a:latin typeface="Consolas"/>
+              </a:rPr>
+              <a:t>);</a:t>
+            </a:r>
+          </a:p>
+          <a:p>
+            <a:r>
+              <a:rPr lang="en-US" sz="2400" dirty="0" err="1">
+                <a:solidFill>
+                  <a:srgbClr val="0000FF"/>
+                </a:solidFill>
+                <a:highlight>
+                  <a:srgbClr val="FFFFFF"/>
+                </a:highlight>
+                <a:latin typeface="Consolas"/>
+              </a:rPr>
+              <a:t>var</a:t>
+            </a:r>
+            <a:r>
+              <a:rPr lang="en-US" sz="2400" dirty="0">
+                <a:solidFill>
+                  <a:srgbClr val="000000"/>
+                </a:solidFill>
+                <a:highlight>
+                  <a:srgbClr val="FFFFFF"/>
+                </a:highlight>
+                <a:latin typeface="Consolas"/>
+              </a:rPr>
+              <a:t> lines = </a:t>
+            </a:r>
+            <a:r>
+              <a:rPr lang="en-US" sz="2400" dirty="0">
+                <a:solidFill>
+                  <a:srgbClr val="0000FF"/>
+                </a:solidFill>
+                <a:highlight>
+                  <a:srgbClr val="FFFFFF"/>
+                </a:highlight>
+                <a:latin typeface="Consolas"/>
+              </a:rPr>
+              <a:t>new</a:t>
+            </a:r>
+            <a:r>
+              <a:rPr lang="en-US" sz="2400" dirty="0">
+                <a:solidFill>
+                  <a:srgbClr val="000000"/>
+                </a:solidFill>
+                <a:highlight>
+                  <a:srgbClr val="FFFFFF"/>
+                </a:highlight>
+                <a:latin typeface="Consolas"/>
+              </a:rPr>
+              <a:t> </a:t>
+            </a:r>
+            <a:r>
+              <a:rPr lang="en-US" sz="2400" dirty="0">
+                <a:solidFill>
+                  <a:srgbClr val="2B91AF"/>
+                </a:solidFill>
+                <a:highlight>
+                  <a:srgbClr val="FFFFFF"/>
+                </a:highlight>
+                <a:latin typeface="Consolas"/>
+              </a:rPr>
+              <a:t>List</a:t>
+            </a:r>
+            <a:r>
+              <a:rPr lang="en-US" sz="2400" dirty="0">
+                <a:solidFill>
+                  <a:srgbClr val="000000"/>
+                </a:solidFill>
+                <a:highlight>
+                  <a:srgbClr val="FFFFFF"/>
+                </a:highlight>
+                <a:latin typeface="Consolas"/>
+              </a:rPr>
+              <a:t>&lt;</a:t>
+            </a:r>
+            <a:r>
+              <a:rPr lang="en-US" sz="2400" dirty="0">
+                <a:solidFill>
+                  <a:srgbClr val="0000FF"/>
+                </a:solidFill>
+                <a:highlight>
+                  <a:srgbClr val="FFFFFF"/>
+                </a:highlight>
+                <a:latin typeface="Consolas"/>
+              </a:rPr>
+              <a:t>string</a:t>
+            </a:r>
+            <a:r>
+              <a:rPr lang="en-US" sz="2400" dirty="0">
+                <a:solidFill>
+                  <a:srgbClr val="000000"/>
+                </a:solidFill>
+                <a:highlight>
+                  <a:srgbClr val="FFFFFF"/>
+                </a:highlight>
+                <a:latin typeface="Consolas"/>
+              </a:rPr>
+              <a:t>&gt;();</a:t>
+            </a:r>
+          </a:p>
+          <a:p>
+            <a:r>
+              <a:rPr lang="en-US" sz="2400" dirty="0">
+                <a:solidFill>
+                  <a:srgbClr val="0000FF"/>
+                </a:solidFill>
+                <a:highlight>
+                  <a:srgbClr val="FFFFFF"/>
+                </a:highlight>
+                <a:latin typeface="Consolas"/>
+              </a:rPr>
+              <a:t>while</a:t>
+            </a:r>
+            <a:r>
+              <a:rPr lang="en-US" sz="2400" dirty="0">
+                <a:solidFill>
+                  <a:srgbClr val="000000"/>
+                </a:solidFill>
+                <a:highlight>
+                  <a:srgbClr val="FFFFFF"/>
+                </a:highlight>
+                <a:latin typeface="Consolas"/>
+              </a:rPr>
+              <a:t> (</a:t>
+            </a:r>
+            <a:r>
+              <a:rPr lang="en-US" sz="2400" dirty="0">
+                <a:solidFill>
+                  <a:srgbClr val="0000FF"/>
+                </a:solidFill>
+                <a:highlight>
+                  <a:srgbClr val="FFFFFF"/>
+                </a:highlight>
+                <a:latin typeface="Consolas"/>
+              </a:rPr>
+              <a:t>true</a:t>
+            </a:r>
+            <a:r>
+              <a:rPr lang="en-US" sz="2400" dirty="0">
+                <a:solidFill>
+                  <a:srgbClr val="000000"/>
+                </a:solidFill>
+                <a:highlight>
+                  <a:srgbClr val="FFFFFF"/>
+                </a:highlight>
+                <a:latin typeface="Consolas"/>
+              </a:rPr>
+              <a:t>)</a:t>
+            </a:r>
+          </a:p>
+          <a:p>
+            <a:r>
+              <a:rPr lang="ru-RU" sz="2400" dirty="0">
+                <a:solidFill>
+                  <a:srgbClr val="000000"/>
+                </a:solidFill>
+                <a:highlight>
+                  <a:srgbClr val="FFFFFF"/>
+                </a:highlight>
+                <a:latin typeface="Consolas"/>
+              </a:rPr>
+              <a:t>{</a:t>
+            </a:r>
+          </a:p>
+          <a:p>
+            <a:r>
+              <a:rPr lang="en-US" sz="2400" dirty="0" smtClean="0">
+                <a:solidFill>
+                  <a:srgbClr val="0000FF"/>
+                </a:solidFill>
+                <a:highlight>
+                  <a:srgbClr val="FFFFFF"/>
+                </a:highlight>
+                <a:latin typeface="Consolas"/>
+              </a:rPr>
+              <a:t>  </a:t>
+            </a:r>
+            <a:r>
+              <a:rPr lang="en-US" sz="2400" dirty="0" err="1" smtClean="0">
+                <a:solidFill>
+                  <a:srgbClr val="0000FF"/>
+                </a:solidFill>
+                <a:highlight>
+                  <a:srgbClr val="FFFFFF"/>
+                </a:highlight>
+                <a:latin typeface="Consolas"/>
+              </a:rPr>
+              <a:t>var</a:t>
+            </a:r>
+            <a:r>
+              <a:rPr lang="en-US" sz="2400" dirty="0" smtClean="0">
+                <a:solidFill>
+                  <a:srgbClr val="000000"/>
+                </a:solidFill>
+                <a:highlight>
+                  <a:srgbClr val="FFFFFF"/>
+                </a:highlight>
+                <a:latin typeface="Consolas"/>
+              </a:rPr>
+              <a:t> </a:t>
+            </a:r>
+            <a:r>
+              <a:rPr lang="en-US" sz="2400" dirty="0">
+                <a:solidFill>
+                  <a:srgbClr val="000000"/>
+                </a:solidFill>
+                <a:highlight>
+                  <a:srgbClr val="FFFFFF"/>
+                </a:highlight>
+                <a:latin typeface="Consolas"/>
+              </a:rPr>
+              <a:t>s = </a:t>
+            </a:r>
+            <a:r>
+              <a:rPr lang="en-US" sz="2400" dirty="0" err="1">
+                <a:solidFill>
+                  <a:srgbClr val="000000"/>
+                </a:solidFill>
+                <a:highlight>
+                  <a:srgbClr val="FFFFFF"/>
+                </a:highlight>
+                <a:latin typeface="Consolas"/>
+              </a:rPr>
+              <a:t>reader.ReadLine</a:t>
+            </a:r>
+            <a:r>
+              <a:rPr lang="en-US" sz="2400" dirty="0">
+                <a:solidFill>
+                  <a:srgbClr val="000000"/>
+                </a:solidFill>
+                <a:highlight>
+                  <a:srgbClr val="FFFFFF"/>
+                </a:highlight>
+                <a:latin typeface="Consolas"/>
+              </a:rPr>
+              <a:t>();</a:t>
+            </a:r>
+          </a:p>
+          <a:p>
+            <a:r>
+              <a:rPr lang="en-US" sz="2400" dirty="0" smtClean="0">
+                <a:solidFill>
+                  <a:srgbClr val="0000FF"/>
+                </a:solidFill>
+                <a:highlight>
+                  <a:srgbClr val="FFFFFF"/>
+                </a:highlight>
+                <a:latin typeface="Consolas"/>
+              </a:rPr>
+              <a:t>  if</a:t>
+            </a:r>
+            <a:r>
+              <a:rPr lang="en-US" sz="2400" dirty="0" smtClean="0">
+                <a:solidFill>
+                  <a:srgbClr val="000000"/>
+                </a:solidFill>
+                <a:highlight>
+                  <a:srgbClr val="FFFFFF"/>
+                </a:highlight>
+                <a:latin typeface="Consolas"/>
+              </a:rPr>
+              <a:t> </a:t>
+            </a:r>
+            <a:r>
+              <a:rPr lang="en-US" sz="2400" dirty="0">
+                <a:solidFill>
+                  <a:srgbClr val="000000"/>
+                </a:solidFill>
+                <a:highlight>
+                  <a:srgbClr val="FFFFFF"/>
+                </a:highlight>
+                <a:latin typeface="Consolas"/>
+              </a:rPr>
+              <a:t>(s == </a:t>
+            </a:r>
+            <a:r>
+              <a:rPr lang="en-US" sz="2400" dirty="0">
+                <a:solidFill>
+                  <a:srgbClr val="0000FF"/>
+                </a:solidFill>
+                <a:highlight>
+                  <a:srgbClr val="FFFFFF"/>
+                </a:highlight>
+                <a:latin typeface="Consolas"/>
+              </a:rPr>
+              <a:t>null</a:t>
+            </a:r>
+            <a:r>
+              <a:rPr lang="en-US" sz="2400" dirty="0">
+                <a:solidFill>
+                  <a:srgbClr val="000000"/>
+                </a:solidFill>
+                <a:highlight>
+                  <a:srgbClr val="FFFFFF"/>
+                </a:highlight>
+                <a:latin typeface="Consolas"/>
+              </a:rPr>
+              <a:t>) </a:t>
+            </a:r>
+            <a:r>
+              <a:rPr lang="en-US" sz="2400" dirty="0">
+                <a:solidFill>
+                  <a:srgbClr val="0000FF"/>
+                </a:solidFill>
+                <a:highlight>
+                  <a:srgbClr val="FFFFFF"/>
+                </a:highlight>
+                <a:latin typeface="Consolas"/>
+              </a:rPr>
+              <a:t>break</a:t>
+            </a:r>
+            <a:r>
+              <a:rPr lang="en-US" sz="2400" dirty="0">
+                <a:solidFill>
+                  <a:srgbClr val="000000"/>
+                </a:solidFill>
+                <a:highlight>
+                  <a:srgbClr val="FFFFFF"/>
+                </a:highlight>
+                <a:latin typeface="Consolas"/>
+              </a:rPr>
+              <a:t>;</a:t>
+            </a:r>
+          </a:p>
+          <a:p>
+            <a:r>
+              <a:rPr lang="en-US" sz="2400" dirty="0" smtClean="0">
+                <a:solidFill>
+                  <a:srgbClr val="000000"/>
+                </a:solidFill>
+                <a:highlight>
+                  <a:srgbClr val="FFFFFF"/>
+                </a:highlight>
+                <a:latin typeface="Consolas"/>
+              </a:rPr>
+              <a:t>  </a:t>
+            </a:r>
+            <a:r>
+              <a:rPr lang="en-US" sz="2400" dirty="0" err="1" smtClean="0">
+                <a:solidFill>
+                  <a:srgbClr val="000000"/>
+                </a:solidFill>
+                <a:highlight>
+                  <a:srgbClr val="FFFFFF"/>
+                </a:highlight>
+                <a:latin typeface="Consolas"/>
+              </a:rPr>
+              <a:t>lines.Add</a:t>
+            </a:r>
+            <a:r>
+              <a:rPr lang="en-US" sz="2400" dirty="0" smtClean="0">
+                <a:solidFill>
+                  <a:srgbClr val="000000"/>
+                </a:solidFill>
+                <a:highlight>
+                  <a:srgbClr val="FFFFFF"/>
+                </a:highlight>
+                <a:latin typeface="Consolas"/>
+              </a:rPr>
+              <a:t>(s</a:t>
+            </a:r>
+            <a:r>
+              <a:rPr lang="en-US" sz="2400" dirty="0">
+                <a:solidFill>
+                  <a:srgbClr val="000000"/>
+                </a:solidFill>
+                <a:highlight>
+                  <a:srgbClr val="FFFFFF"/>
+                </a:highlight>
+                <a:latin typeface="Consolas"/>
+              </a:rPr>
+              <a:t>);</a:t>
+            </a:r>
+          </a:p>
+          <a:p>
+            <a:r>
+              <a:rPr lang="ru-RU" sz="2400" dirty="0">
+                <a:solidFill>
+                  <a:srgbClr val="000000"/>
+                </a:solidFill>
+                <a:highlight>
+                  <a:srgbClr val="FFFFFF"/>
+                </a:highlight>
+                <a:latin typeface="Consolas"/>
+              </a:rPr>
+              <a:t>}</a:t>
+            </a:r>
+          </a:p>
+          <a:p>
+            <a:r>
+              <a:rPr lang="en-US" sz="2400" dirty="0" err="1">
+                <a:solidFill>
+                  <a:srgbClr val="000000"/>
+                </a:solidFill>
+                <a:highlight>
+                  <a:srgbClr val="FFFFFF"/>
+                </a:highlight>
+                <a:latin typeface="Consolas"/>
+              </a:rPr>
+              <a:t>reader.Close</a:t>
+            </a:r>
+            <a:r>
+              <a:rPr lang="en-US" sz="2400" dirty="0">
+                <a:solidFill>
+                  <a:srgbClr val="000000"/>
+                </a:solidFill>
+                <a:highlight>
+                  <a:srgbClr val="FFFFFF"/>
+                </a:highlight>
+                <a:latin typeface="Consolas"/>
+              </a:rPr>
+              <a:t>();</a:t>
+            </a:r>
+          </a:p>
+        </p:txBody>
+      </p:sp>
+      <p:sp>
+        <p:nvSpPr>
+          <p:cNvPr id="4" name="TextBox 3"/>
+          <p:cNvSpPr txBox="1"/>
+          <p:nvPr/>
+        </p:nvSpPr>
+        <p:spPr>
+          <a:xfrm>
+            <a:off x="5076056" y="4581128"/>
+            <a:ext cx="2975495" cy="923330"/>
+          </a:xfrm>
+          <a:prstGeom prst="rect">
+            <a:avLst/>
+          </a:prstGeom>
+          <a:noFill/>
+        </p:spPr>
+        <p:txBody>
+          <a:bodyPr wrap="none" rtlCol="0">
+            <a:spAutoFit/>
+          </a:bodyPr>
+          <a:lstStyle/>
+          <a:p>
+            <a:r>
+              <a:rPr lang="ru-RU" sz="5400" dirty="0" smtClean="0"/>
+              <a:t>А так ОК</a:t>
+            </a:r>
+            <a:r>
+              <a:rPr lang="en-US" sz="5400" dirty="0" smtClean="0"/>
+              <a:t>?</a:t>
+            </a:r>
+            <a:endParaRPr lang="ru-RU" sz="5400" dirty="0"/>
+          </a:p>
+        </p:txBody>
+      </p:sp>
+    </p:spTree>
+    <p:extLst>
+      <p:ext uri="{BB962C8B-B14F-4D97-AF65-F5344CB8AC3E}">
+        <p14:creationId xmlns:p14="http://schemas.microsoft.com/office/powerpoint/2010/main" val="1466371530"/>
+      </p:ext>
+    </p:extLst>
+  </p:cSld>
+  <p:clrMapOvr>
+    <a:masterClrMapping/>
+  </p:clrMapOvr>
+  <p:timing>
+    <p:tnLst>
+      <p:par>
+        <p:cTn id="1" dur="indefinite" restart="never" nodeType="tmRoot">
+          <p:childTnLst>
+            <p:seq concurrent="1" nextAc="seek">
+              <p:cTn id="2" dur="indefinite" nodeType="mainSeq">
+                <p:childTnLst>
+                  <p:par>
+                    <p:cTn id="3" fill="hold">
+                      <p:stCondLst>
+                        <p:cond delay="indefinite"/>
+                      </p:stCondLst>
+                      <p:childTnLst>
+                        <p:par>
+                          <p:cTn id="4" fill="hold">
+                            <p:stCondLst>
+                              <p:cond delay="0"/>
+                            </p:stCondLst>
+                            <p:childTnLst>
+                              <p:par>
+                                <p:cTn id="5" presetID="1" presetClass="entr" presetSubtype="0" fill="hold" grpId="0" nodeType="clickEffect">
+                                  <p:stCondLst>
+                                    <p:cond delay="0"/>
+                                  </p:stCondLst>
+                                  <p:childTnLst>
+                                    <p:set>
+                                      <p:cBhvr>
+                                        <p:cTn id="6" dur="1" fill="hold">
+                                          <p:stCondLst>
+                                            <p:cond delay="0"/>
+                                          </p:stCondLst>
+                                        </p:cTn>
+                                        <p:tgtEl>
+                                          <p:spTgt spid="4"/>
+                                        </p:tgtEl>
+                                        <p:attrNameLst>
+                                          <p:attrName>style.visibility</p:attrName>
+                                        </p:attrNameLst>
+                                      </p:cBhvr>
+                                      <p:to>
+                                        <p:strVal val="visible"/>
+                                      </p:to>
+                                    </p:set>
+                                  </p:childTnLst>
+                                </p:cTn>
+                              </p:par>
+                            </p:childTnLst>
+                          </p:cTn>
+                        </p:par>
+                      </p:childTnLst>
+                    </p:cTn>
+                  </p:par>
+                </p:childTnLst>
+              </p:cTn>
+              <p:prevCondLst>
+                <p:cond evt="onPrev" delay="0">
+                  <p:tgtEl>
+                    <p:sldTgt/>
+                  </p:tgtEl>
+                </p:cond>
+              </p:prevCondLst>
+              <p:nextCondLst>
+                <p:cond evt="onNext" delay="0">
+                  <p:tgtEl>
+                    <p:sldTgt/>
+                  </p:tgtEl>
+                </p:cond>
+              </p:nextCondLst>
+            </p:seq>
+          </p:childTnLst>
+        </p:cTn>
+      </p:par>
+    </p:tnLst>
+    <p:bldLst>
+      <p:bldP spid="4" grpId="0"/>
+    </p:bldLst>
+  </p:timing>
+</p:sld>
+</file>
+
+<file path=ppt/slides/slide44.xml><?xml version="1.0" encoding="utf-8"?>
+<p:sld xmlns:a="http://schemas.openxmlformats.org/drawingml/2006/main" xmlns:r="http://schemas.openxmlformats.org/officeDocument/2006/relationships" xmlns:p="http://schemas.openxmlformats.org/presentationml/2006/main">
+  <p:cSld>
+    <p:spTree>
+      <p:nvGrpSpPr>
+        <p:cNvPr id="1" name=""/>
+        <p:cNvGrpSpPr/>
+        <p:nvPr/>
+      </p:nvGrpSpPr>
+      <p:grpSpPr>
+        <a:xfrm>
+          <a:off x="0" y="0"/>
+          <a:ext cx="0" cy="0"/>
+          <a:chOff x="0" y="0"/>
+          <a:chExt cx="0" cy="0"/>
+        </a:xfrm>
+      </p:grpSpPr>
+      <p:sp>
+        <p:nvSpPr>
+          <p:cNvPr id="2" name="Заголовок 1"/>
+          <p:cNvSpPr>
+            <a:spLocks noGrp="1"/>
+          </p:cNvSpPr>
+          <p:nvPr>
+            <p:ph type="title"/>
+          </p:nvPr>
+        </p:nvSpPr>
+        <p:spPr/>
+        <p:txBody>
+          <a:bodyPr/>
+          <a:lstStyle/>
+          <a:p>
+            <a:r>
+              <a:rPr lang="ru-RU" dirty="0" smtClean="0"/>
+              <a:t>Работа с файлами</a:t>
+            </a:r>
+            <a:endParaRPr lang="ru-RU" dirty="0"/>
+          </a:p>
+        </p:txBody>
+      </p:sp>
+      <p:sp>
+        <p:nvSpPr>
+          <p:cNvPr id="5" name="Прямоугольник 4"/>
+          <p:cNvSpPr/>
+          <p:nvPr/>
+        </p:nvSpPr>
+        <p:spPr>
+          <a:xfrm>
+            <a:off x="539552" y="1568981"/>
+            <a:ext cx="8820472" cy="4524315"/>
+          </a:xfrm>
+          <a:prstGeom prst="rect">
+            <a:avLst/>
+          </a:prstGeom>
+        </p:spPr>
+        <p:txBody>
+          <a:bodyPr wrap="square">
+            <a:spAutoFit/>
+          </a:bodyPr>
+          <a:lstStyle/>
+          <a:p>
+            <a:r>
+              <a:rPr lang="en-US" sz="2400" dirty="0" err="1">
+                <a:solidFill>
+                  <a:srgbClr val="0000FF"/>
+                </a:solidFill>
+                <a:highlight>
+                  <a:srgbClr val="FFFFFF"/>
+                </a:highlight>
+                <a:latin typeface="Consolas"/>
+              </a:rPr>
+              <a:t>var</a:t>
+            </a:r>
+            <a:r>
+              <a:rPr lang="en-US" sz="2400" dirty="0">
+                <a:solidFill>
+                  <a:srgbClr val="000000"/>
+                </a:solidFill>
+                <a:highlight>
+                  <a:srgbClr val="FFFFFF"/>
+                </a:highlight>
+                <a:latin typeface="Consolas"/>
+              </a:rPr>
+              <a:t> reader = </a:t>
+            </a:r>
+            <a:r>
+              <a:rPr lang="en-US" sz="2400" dirty="0">
+                <a:solidFill>
+                  <a:srgbClr val="0000FF"/>
+                </a:solidFill>
+                <a:highlight>
+                  <a:srgbClr val="FFFFFF"/>
+                </a:highlight>
+                <a:latin typeface="Consolas"/>
+              </a:rPr>
+              <a:t>new</a:t>
+            </a:r>
+            <a:r>
+              <a:rPr lang="en-US" sz="2400" dirty="0">
+                <a:solidFill>
+                  <a:srgbClr val="000000"/>
+                </a:solidFill>
+                <a:highlight>
+                  <a:srgbClr val="FFFFFF"/>
+                </a:highlight>
+                <a:latin typeface="Consolas"/>
+              </a:rPr>
+              <a:t> </a:t>
+            </a:r>
+            <a:r>
+              <a:rPr lang="en-US" sz="2400" dirty="0" err="1">
+                <a:solidFill>
+                  <a:srgbClr val="2B91AF"/>
+                </a:solidFill>
+                <a:highlight>
+                  <a:srgbClr val="FFFFFF"/>
+                </a:highlight>
+                <a:latin typeface="Consolas"/>
+              </a:rPr>
+              <a:t>StreamReader</a:t>
+            </a:r>
+            <a:r>
+              <a:rPr lang="en-US" sz="2400" dirty="0">
+                <a:solidFill>
+                  <a:srgbClr val="000000"/>
+                </a:solidFill>
+                <a:highlight>
+                  <a:srgbClr val="FFFFFF"/>
+                </a:highlight>
+                <a:latin typeface="Consolas"/>
+              </a:rPr>
+              <a:t>(</a:t>
+            </a:r>
+            <a:r>
+              <a:rPr lang="en-US" sz="2400" dirty="0">
+                <a:solidFill>
+                  <a:srgbClr val="A31515"/>
+                </a:solidFill>
+                <a:highlight>
+                  <a:srgbClr val="FFFFFF"/>
+                </a:highlight>
+                <a:latin typeface="Consolas"/>
+              </a:rPr>
+              <a:t>"filename.txt"</a:t>
+            </a:r>
+            <a:r>
+              <a:rPr lang="en-US" sz="2400" dirty="0">
+                <a:solidFill>
+                  <a:srgbClr val="000000"/>
+                </a:solidFill>
+                <a:highlight>
+                  <a:srgbClr val="FFFFFF"/>
+                </a:highlight>
+                <a:latin typeface="Consolas"/>
+              </a:rPr>
+              <a:t>);</a:t>
+            </a:r>
+          </a:p>
+          <a:p>
+            <a:r>
+              <a:rPr lang="en-US" sz="2400" dirty="0" smtClean="0">
+                <a:solidFill>
+                  <a:srgbClr val="0000FF"/>
+                </a:solidFill>
+                <a:highlight>
+                  <a:srgbClr val="FFFFFF"/>
+                </a:highlight>
+                <a:latin typeface="Consolas"/>
+              </a:rPr>
+              <a:t>try </a:t>
+            </a:r>
+            <a:r>
+              <a:rPr lang="ru-RU" sz="2400" dirty="0" smtClean="0">
+                <a:solidFill>
+                  <a:srgbClr val="000000"/>
+                </a:solidFill>
+                <a:highlight>
+                  <a:srgbClr val="FFFFFF"/>
+                </a:highlight>
+                <a:latin typeface="Consolas"/>
+              </a:rPr>
+              <a:t>{</a:t>
+            </a:r>
+            <a:endParaRPr lang="ru-RU" sz="2400" dirty="0">
+              <a:solidFill>
+                <a:srgbClr val="000000"/>
+              </a:solidFill>
+              <a:highlight>
+                <a:srgbClr val="FFFFFF"/>
+              </a:highlight>
+              <a:latin typeface="Consolas"/>
+            </a:endParaRPr>
+          </a:p>
+          <a:p>
+            <a:r>
+              <a:rPr lang="en-US" sz="2400" dirty="0" smtClean="0">
+                <a:solidFill>
+                  <a:srgbClr val="0000FF"/>
+                </a:solidFill>
+                <a:highlight>
+                  <a:srgbClr val="FFFFFF"/>
+                </a:highlight>
+                <a:latin typeface="Consolas"/>
+              </a:rPr>
+              <a:t>  </a:t>
+            </a:r>
+            <a:r>
+              <a:rPr lang="en-US" sz="2400" dirty="0" err="1" smtClean="0">
+                <a:solidFill>
+                  <a:srgbClr val="0000FF"/>
+                </a:solidFill>
+                <a:highlight>
+                  <a:srgbClr val="FFFFFF"/>
+                </a:highlight>
+                <a:latin typeface="Consolas"/>
+              </a:rPr>
+              <a:t>var</a:t>
+            </a:r>
+            <a:r>
+              <a:rPr lang="en-US" sz="2400" dirty="0" smtClean="0">
+                <a:solidFill>
+                  <a:srgbClr val="000000"/>
+                </a:solidFill>
+                <a:highlight>
+                  <a:srgbClr val="FFFFFF"/>
+                </a:highlight>
+                <a:latin typeface="Consolas"/>
+              </a:rPr>
+              <a:t> </a:t>
+            </a:r>
+            <a:r>
+              <a:rPr lang="en-US" sz="2400" dirty="0">
+                <a:solidFill>
+                  <a:srgbClr val="000000"/>
+                </a:solidFill>
+                <a:highlight>
+                  <a:srgbClr val="FFFFFF"/>
+                </a:highlight>
+                <a:latin typeface="Consolas"/>
+              </a:rPr>
+              <a:t>lines = </a:t>
+            </a:r>
+            <a:r>
+              <a:rPr lang="en-US" sz="2400" dirty="0">
+                <a:solidFill>
+                  <a:srgbClr val="0000FF"/>
+                </a:solidFill>
+                <a:highlight>
+                  <a:srgbClr val="FFFFFF"/>
+                </a:highlight>
+                <a:latin typeface="Consolas"/>
+              </a:rPr>
+              <a:t>new</a:t>
+            </a:r>
+            <a:r>
+              <a:rPr lang="en-US" sz="2400" dirty="0">
+                <a:solidFill>
+                  <a:srgbClr val="000000"/>
+                </a:solidFill>
+                <a:highlight>
+                  <a:srgbClr val="FFFFFF"/>
+                </a:highlight>
+                <a:latin typeface="Consolas"/>
+              </a:rPr>
+              <a:t> </a:t>
+            </a:r>
+            <a:r>
+              <a:rPr lang="en-US" sz="2400" dirty="0">
+                <a:solidFill>
+                  <a:srgbClr val="2B91AF"/>
+                </a:solidFill>
+                <a:highlight>
+                  <a:srgbClr val="FFFFFF"/>
+                </a:highlight>
+                <a:latin typeface="Consolas"/>
+              </a:rPr>
+              <a:t>List</a:t>
+            </a:r>
+            <a:r>
+              <a:rPr lang="en-US" sz="2400" dirty="0">
+                <a:solidFill>
+                  <a:srgbClr val="000000"/>
+                </a:solidFill>
+                <a:highlight>
+                  <a:srgbClr val="FFFFFF"/>
+                </a:highlight>
+                <a:latin typeface="Consolas"/>
+              </a:rPr>
+              <a:t>&lt;</a:t>
+            </a:r>
+            <a:r>
+              <a:rPr lang="en-US" sz="2400" dirty="0">
+                <a:solidFill>
+                  <a:srgbClr val="0000FF"/>
+                </a:solidFill>
+                <a:highlight>
+                  <a:srgbClr val="FFFFFF"/>
+                </a:highlight>
+                <a:latin typeface="Consolas"/>
+              </a:rPr>
+              <a:t>string</a:t>
+            </a:r>
+            <a:r>
+              <a:rPr lang="en-US" sz="2400" dirty="0">
+                <a:solidFill>
+                  <a:srgbClr val="000000"/>
+                </a:solidFill>
+                <a:highlight>
+                  <a:srgbClr val="FFFFFF"/>
+                </a:highlight>
+                <a:latin typeface="Consolas"/>
+              </a:rPr>
+              <a:t>&gt;();</a:t>
+            </a:r>
+          </a:p>
+          <a:p>
+            <a:r>
+              <a:rPr lang="en-US" sz="2400" dirty="0" smtClean="0">
+                <a:solidFill>
+                  <a:srgbClr val="0000FF"/>
+                </a:solidFill>
+                <a:highlight>
+                  <a:srgbClr val="FFFFFF"/>
+                </a:highlight>
+                <a:latin typeface="Consolas"/>
+              </a:rPr>
+              <a:t>  while</a:t>
+            </a:r>
+            <a:r>
+              <a:rPr lang="en-US" sz="2400" dirty="0" smtClean="0">
+                <a:solidFill>
+                  <a:srgbClr val="000000"/>
+                </a:solidFill>
+                <a:highlight>
+                  <a:srgbClr val="FFFFFF"/>
+                </a:highlight>
+                <a:latin typeface="Consolas"/>
+              </a:rPr>
+              <a:t> </a:t>
+            </a:r>
+            <a:r>
+              <a:rPr lang="en-US" sz="2400" dirty="0">
+                <a:solidFill>
+                  <a:srgbClr val="000000"/>
+                </a:solidFill>
+                <a:highlight>
+                  <a:srgbClr val="FFFFFF"/>
+                </a:highlight>
+                <a:latin typeface="Consolas"/>
+              </a:rPr>
+              <a:t>(</a:t>
+            </a:r>
+            <a:r>
+              <a:rPr lang="en-US" sz="2400" dirty="0">
+                <a:solidFill>
+                  <a:srgbClr val="0000FF"/>
+                </a:solidFill>
+                <a:highlight>
+                  <a:srgbClr val="FFFFFF"/>
+                </a:highlight>
+                <a:latin typeface="Consolas"/>
+              </a:rPr>
+              <a:t>true</a:t>
+            </a:r>
+            <a:r>
+              <a:rPr lang="en-US" sz="2400" dirty="0" smtClean="0">
+                <a:solidFill>
+                  <a:srgbClr val="000000"/>
+                </a:solidFill>
+                <a:highlight>
+                  <a:srgbClr val="FFFFFF"/>
+                </a:highlight>
+                <a:latin typeface="Consolas"/>
+              </a:rPr>
+              <a:t>) </a:t>
+            </a:r>
+            <a:r>
+              <a:rPr lang="ru-RU" sz="2400" dirty="0" smtClean="0">
+                <a:solidFill>
+                  <a:srgbClr val="000000"/>
+                </a:solidFill>
+                <a:highlight>
+                  <a:srgbClr val="FFFFFF"/>
+                </a:highlight>
+                <a:latin typeface="Consolas"/>
+              </a:rPr>
+              <a:t>{</a:t>
+            </a:r>
+            <a:endParaRPr lang="ru-RU" sz="2400" dirty="0">
+              <a:solidFill>
+                <a:srgbClr val="000000"/>
+              </a:solidFill>
+              <a:highlight>
+                <a:srgbClr val="FFFFFF"/>
+              </a:highlight>
+              <a:latin typeface="Consolas"/>
+            </a:endParaRPr>
+          </a:p>
+          <a:p>
+            <a:r>
+              <a:rPr lang="en-US" sz="2400" dirty="0" smtClean="0">
+                <a:solidFill>
+                  <a:srgbClr val="0000FF"/>
+                </a:solidFill>
+                <a:highlight>
+                  <a:srgbClr val="FFFFFF"/>
+                </a:highlight>
+                <a:latin typeface="Consolas"/>
+              </a:rPr>
+              <a:t>    </a:t>
+            </a:r>
+            <a:r>
+              <a:rPr lang="en-US" sz="2400" dirty="0" err="1" smtClean="0">
+                <a:solidFill>
+                  <a:srgbClr val="0000FF"/>
+                </a:solidFill>
+                <a:highlight>
+                  <a:srgbClr val="FFFFFF"/>
+                </a:highlight>
+                <a:latin typeface="Consolas"/>
+              </a:rPr>
+              <a:t>var</a:t>
+            </a:r>
+            <a:r>
+              <a:rPr lang="en-US" sz="2400" dirty="0" smtClean="0">
+                <a:solidFill>
+                  <a:srgbClr val="000000"/>
+                </a:solidFill>
+                <a:highlight>
+                  <a:srgbClr val="FFFFFF"/>
+                </a:highlight>
+                <a:latin typeface="Consolas"/>
+              </a:rPr>
+              <a:t> </a:t>
+            </a:r>
+            <a:r>
+              <a:rPr lang="en-US" sz="2400" dirty="0">
+                <a:solidFill>
+                  <a:srgbClr val="000000"/>
+                </a:solidFill>
+                <a:highlight>
+                  <a:srgbClr val="FFFFFF"/>
+                </a:highlight>
+                <a:latin typeface="Consolas"/>
+              </a:rPr>
+              <a:t>s = </a:t>
+            </a:r>
+            <a:r>
+              <a:rPr lang="en-US" sz="2400" dirty="0" err="1">
+                <a:solidFill>
+                  <a:srgbClr val="000000"/>
+                </a:solidFill>
+                <a:highlight>
+                  <a:srgbClr val="FFFFFF"/>
+                </a:highlight>
+                <a:latin typeface="Consolas"/>
+              </a:rPr>
+              <a:t>reader.ReadLine</a:t>
+            </a:r>
+            <a:r>
+              <a:rPr lang="en-US" sz="2400" dirty="0">
+                <a:solidFill>
+                  <a:srgbClr val="000000"/>
+                </a:solidFill>
+                <a:highlight>
+                  <a:srgbClr val="FFFFFF"/>
+                </a:highlight>
+                <a:latin typeface="Consolas"/>
+              </a:rPr>
+              <a:t>();</a:t>
+            </a:r>
+          </a:p>
+          <a:p>
+            <a:r>
+              <a:rPr lang="en-US" sz="2400" dirty="0" smtClean="0">
+                <a:solidFill>
+                  <a:srgbClr val="0000FF"/>
+                </a:solidFill>
+                <a:highlight>
+                  <a:srgbClr val="FFFFFF"/>
+                </a:highlight>
+                <a:latin typeface="Consolas"/>
+              </a:rPr>
+              <a:t>    if</a:t>
+            </a:r>
+            <a:r>
+              <a:rPr lang="en-US" sz="2400" dirty="0" smtClean="0">
+                <a:solidFill>
+                  <a:srgbClr val="000000"/>
+                </a:solidFill>
+                <a:highlight>
+                  <a:srgbClr val="FFFFFF"/>
+                </a:highlight>
+                <a:latin typeface="Consolas"/>
+              </a:rPr>
+              <a:t> </a:t>
+            </a:r>
+            <a:r>
+              <a:rPr lang="en-US" sz="2400" dirty="0">
+                <a:solidFill>
+                  <a:srgbClr val="000000"/>
+                </a:solidFill>
+                <a:highlight>
+                  <a:srgbClr val="FFFFFF"/>
+                </a:highlight>
+                <a:latin typeface="Consolas"/>
+              </a:rPr>
+              <a:t>(s == </a:t>
+            </a:r>
+            <a:r>
+              <a:rPr lang="en-US" sz="2400" dirty="0">
+                <a:solidFill>
+                  <a:srgbClr val="0000FF"/>
+                </a:solidFill>
+                <a:highlight>
+                  <a:srgbClr val="FFFFFF"/>
+                </a:highlight>
+                <a:latin typeface="Consolas"/>
+              </a:rPr>
+              <a:t>null</a:t>
+            </a:r>
+            <a:r>
+              <a:rPr lang="en-US" sz="2400" dirty="0">
+                <a:solidFill>
+                  <a:srgbClr val="000000"/>
+                </a:solidFill>
+                <a:highlight>
+                  <a:srgbClr val="FFFFFF"/>
+                </a:highlight>
+                <a:latin typeface="Consolas"/>
+              </a:rPr>
+              <a:t>) </a:t>
+            </a:r>
+            <a:r>
+              <a:rPr lang="en-US" sz="2400" dirty="0">
+                <a:solidFill>
+                  <a:srgbClr val="0000FF"/>
+                </a:solidFill>
+                <a:highlight>
+                  <a:srgbClr val="FFFFFF"/>
+                </a:highlight>
+                <a:latin typeface="Consolas"/>
+              </a:rPr>
+              <a:t>break</a:t>
+            </a:r>
+            <a:r>
+              <a:rPr lang="en-US" sz="2400" dirty="0">
+                <a:solidFill>
+                  <a:srgbClr val="000000"/>
+                </a:solidFill>
+                <a:highlight>
+                  <a:srgbClr val="FFFFFF"/>
+                </a:highlight>
+                <a:latin typeface="Consolas"/>
+              </a:rPr>
+              <a:t>;</a:t>
+            </a:r>
+          </a:p>
+          <a:p>
+            <a:r>
+              <a:rPr lang="en-US" sz="2400" dirty="0" smtClean="0">
+                <a:solidFill>
+                  <a:srgbClr val="000000"/>
+                </a:solidFill>
+                <a:highlight>
+                  <a:srgbClr val="FFFFFF"/>
+                </a:highlight>
+                <a:latin typeface="Consolas"/>
+              </a:rPr>
+              <a:t>    </a:t>
+            </a:r>
+            <a:r>
+              <a:rPr lang="en-US" sz="2400" dirty="0" err="1" smtClean="0">
+                <a:solidFill>
+                  <a:srgbClr val="000000"/>
+                </a:solidFill>
+                <a:highlight>
+                  <a:srgbClr val="FFFFFF"/>
+                </a:highlight>
+                <a:latin typeface="Consolas"/>
+              </a:rPr>
+              <a:t>lines.Add</a:t>
+            </a:r>
+            <a:r>
+              <a:rPr lang="en-US" sz="2400" dirty="0" smtClean="0">
+                <a:solidFill>
+                  <a:srgbClr val="000000"/>
+                </a:solidFill>
+                <a:highlight>
+                  <a:srgbClr val="FFFFFF"/>
+                </a:highlight>
+                <a:latin typeface="Consolas"/>
+              </a:rPr>
+              <a:t>(s</a:t>
+            </a:r>
+            <a:r>
+              <a:rPr lang="en-US" sz="2400" dirty="0">
+                <a:solidFill>
+                  <a:srgbClr val="000000"/>
+                </a:solidFill>
+                <a:highlight>
+                  <a:srgbClr val="FFFFFF"/>
+                </a:highlight>
+                <a:latin typeface="Consolas"/>
+              </a:rPr>
+              <a:t>);</a:t>
+            </a:r>
+          </a:p>
+          <a:p>
+            <a:r>
+              <a:rPr lang="en-US" sz="2400" dirty="0" smtClean="0">
+                <a:solidFill>
+                  <a:srgbClr val="000000"/>
+                </a:solidFill>
+                <a:highlight>
+                  <a:srgbClr val="FFFFFF"/>
+                </a:highlight>
+                <a:latin typeface="Consolas"/>
+              </a:rPr>
+              <a:t>  </a:t>
+            </a:r>
+            <a:r>
+              <a:rPr lang="ru-RU" sz="2400" dirty="0" smtClean="0">
+                <a:solidFill>
+                  <a:srgbClr val="000000"/>
+                </a:solidFill>
+                <a:highlight>
+                  <a:srgbClr val="FFFFFF"/>
+                </a:highlight>
+                <a:latin typeface="Consolas"/>
+              </a:rPr>
+              <a:t>}</a:t>
+            </a:r>
+            <a:endParaRPr lang="ru-RU" sz="2400" dirty="0">
+              <a:solidFill>
+                <a:srgbClr val="000000"/>
+              </a:solidFill>
+              <a:highlight>
+                <a:srgbClr val="FFFFFF"/>
+              </a:highlight>
+              <a:latin typeface="Consolas"/>
+            </a:endParaRPr>
+          </a:p>
+          <a:p>
+            <a:r>
+              <a:rPr lang="ru-RU" sz="2400" dirty="0">
+                <a:solidFill>
+                  <a:srgbClr val="000000"/>
+                </a:solidFill>
+                <a:highlight>
+                  <a:srgbClr val="FFFFFF"/>
+                </a:highlight>
+                <a:latin typeface="Consolas"/>
+              </a:rPr>
+              <a:t>}</a:t>
+            </a:r>
+          </a:p>
+          <a:p>
+            <a:r>
+              <a:rPr lang="en-US" sz="2400" dirty="0" smtClean="0">
+                <a:solidFill>
+                  <a:srgbClr val="0000FF"/>
+                </a:solidFill>
+                <a:highlight>
+                  <a:srgbClr val="FFFFFF"/>
+                </a:highlight>
+                <a:latin typeface="Consolas"/>
+              </a:rPr>
+              <a:t>finally </a:t>
+            </a:r>
+            <a:r>
+              <a:rPr lang="ru-RU" sz="2400" dirty="0" smtClean="0">
+                <a:solidFill>
+                  <a:srgbClr val="000000"/>
+                </a:solidFill>
+                <a:highlight>
+                  <a:srgbClr val="FFFFFF"/>
+                </a:highlight>
+                <a:latin typeface="Consolas"/>
+              </a:rPr>
+              <a:t>{</a:t>
+            </a:r>
+            <a:endParaRPr lang="ru-RU" sz="2400" dirty="0">
+              <a:solidFill>
+                <a:srgbClr val="000000"/>
+              </a:solidFill>
+              <a:highlight>
+                <a:srgbClr val="FFFFFF"/>
+              </a:highlight>
+              <a:latin typeface="Consolas"/>
+            </a:endParaRPr>
+          </a:p>
+          <a:p>
+            <a:r>
+              <a:rPr lang="en-US" sz="2400" dirty="0" smtClean="0">
+                <a:solidFill>
+                  <a:srgbClr val="000000"/>
+                </a:solidFill>
+                <a:highlight>
+                  <a:srgbClr val="FFFFFF"/>
+                </a:highlight>
+                <a:latin typeface="Consolas"/>
+              </a:rPr>
+              <a:t>  </a:t>
+            </a:r>
+            <a:r>
+              <a:rPr lang="en-US" sz="2400" dirty="0" err="1" smtClean="0">
+                <a:solidFill>
+                  <a:srgbClr val="000000"/>
+                </a:solidFill>
+                <a:highlight>
+                  <a:srgbClr val="FFFFFF"/>
+                </a:highlight>
+                <a:latin typeface="Consolas"/>
+              </a:rPr>
+              <a:t>reader.Close</a:t>
+            </a:r>
+            <a:r>
+              <a:rPr lang="en-US" sz="2400" dirty="0">
+                <a:solidFill>
+                  <a:srgbClr val="000000"/>
+                </a:solidFill>
+                <a:highlight>
+                  <a:srgbClr val="FFFFFF"/>
+                </a:highlight>
+                <a:latin typeface="Consolas"/>
+              </a:rPr>
+              <a:t>();</a:t>
+            </a:r>
+          </a:p>
+          <a:p>
+            <a:r>
+              <a:rPr lang="ru-RU" sz="2400" dirty="0">
+                <a:solidFill>
+                  <a:srgbClr val="000000"/>
+                </a:solidFill>
+                <a:highlight>
+                  <a:srgbClr val="FFFFFF"/>
+                </a:highlight>
+                <a:latin typeface="Consolas"/>
+              </a:rPr>
+              <a:t>}</a:t>
+            </a:r>
+          </a:p>
+        </p:txBody>
+      </p:sp>
+      <p:sp>
+        <p:nvSpPr>
+          <p:cNvPr id="4" name="TextBox 3"/>
+          <p:cNvSpPr txBox="1"/>
+          <p:nvPr/>
+        </p:nvSpPr>
+        <p:spPr>
+          <a:xfrm>
+            <a:off x="5076056" y="4581128"/>
+            <a:ext cx="2975495" cy="923330"/>
+          </a:xfrm>
+          <a:prstGeom prst="rect">
+            <a:avLst/>
+          </a:prstGeom>
+          <a:noFill/>
+        </p:spPr>
+        <p:txBody>
+          <a:bodyPr wrap="none" rtlCol="0">
+            <a:spAutoFit/>
+          </a:bodyPr>
+          <a:lstStyle/>
+          <a:p>
+            <a:r>
+              <a:rPr lang="ru-RU" sz="5400" dirty="0" smtClean="0"/>
+              <a:t>А так ОК</a:t>
+            </a:r>
+            <a:r>
+              <a:rPr lang="en-US" sz="5400" dirty="0" smtClean="0"/>
+              <a:t>?</a:t>
+            </a:r>
+            <a:endParaRPr lang="ru-RU" sz="5400" dirty="0"/>
+          </a:p>
+        </p:txBody>
+      </p:sp>
+    </p:spTree>
+    <p:extLst>
+      <p:ext uri="{BB962C8B-B14F-4D97-AF65-F5344CB8AC3E}">
+        <p14:creationId xmlns:p14="http://schemas.microsoft.com/office/powerpoint/2010/main" val="2791706262"/>
+      </p:ext>
+    </p:extLst>
+  </p:cSld>
+  <p:clrMapOvr>
+    <a:masterClrMapping/>
+  </p:clrMapOvr>
+  <p:timing>
+    <p:tnLst>
+      <p:par>
+        <p:cTn id="1" dur="indefinite" restart="never" nodeType="tmRoot">
+          <p:childTnLst>
+            <p:seq concurrent="1" nextAc="seek">
+              <p:cTn id="2" dur="indefinite" nodeType="mainSeq">
+                <p:childTnLst>
+                  <p:par>
+                    <p:cTn id="3" fill="hold">
+                      <p:stCondLst>
+                        <p:cond delay="indefinite"/>
+                      </p:stCondLst>
+                      <p:childTnLst>
+                        <p:par>
+                          <p:cTn id="4" fill="hold">
+                            <p:stCondLst>
+                              <p:cond delay="0"/>
+                            </p:stCondLst>
+                            <p:childTnLst>
+                              <p:par>
+                                <p:cTn id="5" presetID="1" presetClass="entr" presetSubtype="0" fill="hold" grpId="0" nodeType="clickEffect">
+                                  <p:stCondLst>
+                                    <p:cond delay="0"/>
+                                  </p:stCondLst>
+                                  <p:childTnLst>
+                                    <p:set>
+                                      <p:cBhvr>
+                                        <p:cTn id="6" dur="1" fill="hold">
+                                          <p:stCondLst>
+                                            <p:cond delay="0"/>
+                                          </p:stCondLst>
+                                        </p:cTn>
+                                        <p:tgtEl>
+                                          <p:spTgt spid="4"/>
+                                        </p:tgtEl>
+                                        <p:attrNameLst>
+                                          <p:attrName>style.visibility</p:attrName>
+                                        </p:attrNameLst>
+                                      </p:cBhvr>
+                                      <p:to>
+                                        <p:strVal val="visible"/>
+                                      </p:to>
+                                    </p:set>
+                                  </p:childTnLst>
+                                </p:cTn>
+                              </p:par>
+                            </p:childTnLst>
+                          </p:cTn>
+                        </p:par>
+                      </p:childTnLst>
+                    </p:cTn>
+                  </p:par>
+                </p:childTnLst>
+              </p:cTn>
+              <p:prevCondLst>
+                <p:cond evt="onPrev" delay="0">
+                  <p:tgtEl>
+                    <p:sldTgt/>
+                  </p:tgtEl>
+                </p:cond>
+              </p:prevCondLst>
+              <p:nextCondLst>
+                <p:cond evt="onNext" delay="0">
+                  <p:tgtEl>
+                    <p:sldTgt/>
+                  </p:tgtEl>
+                </p:cond>
+              </p:nextCondLst>
+            </p:seq>
+          </p:childTnLst>
+        </p:cTn>
+      </p:par>
+    </p:tnLst>
+    <p:bldLst>
+      <p:bldP spid="4" grpId="0"/>
+    </p:bldLst>
+  </p:timing>
+</p:sld>
+</file>
+
+<file path=ppt/slides/slide45.xml><?xml version="1.0" encoding="utf-8"?>
+<p:sld xmlns:a="http://schemas.openxmlformats.org/drawingml/2006/main" xmlns:r="http://schemas.openxmlformats.org/officeDocument/2006/relationships" xmlns:p="http://schemas.openxmlformats.org/presentationml/2006/main">
+  <p:cSld>
+    <p:spTree>
+      <p:nvGrpSpPr>
+        <p:cNvPr id="1" name=""/>
+        <p:cNvGrpSpPr/>
+        <p:nvPr/>
+      </p:nvGrpSpPr>
+      <p:grpSpPr>
+        <a:xfrm>
+          <a:off x="0" y="0"/>
+          <a:ext cx="0" cy="0"/>
+          <a:chOff x="0" y="0"/>
+          <a:chExt cx="0" cy="0"/>
+        </a:xfrm>
+      </p:grpSpPr>
+      <p:sp>
+        <p:nvSpPr>
+          <p:cNvPr id="2" name="Заголовок 1"/>
+          <p:cNvSpPr>
+            <a:spLocks noGrp="1"/>
+          </p:cNvSpPr>
+          <p:nvPr>
+            <p:ph type="title"/>
+          </p:nvPr>
+        </p:nvSpPr>
+        <p:spPr/>
+        <p:txBody>
+          <a:bodyPr/>
+          <a:lstStyle/>
+          <a:p>
+            <a:r>
+              <a:rPr lang="ru-RU" dirty="0" smtClean="0"/>
+              <a:t>Работа с </a:t>
+            </a:r>
+            <a:r>
+              <a:rPr lang="ru-RU" dirty="0" smtClean="0"/>
+              <a:t>файлами. ОК!</a:t>
+            </a:r>
+            <a:endParaRPr lang="ru-RU" dirty="0"/>
+          </a:p>
+        </p:txBody>
+      </p:sp>
+      <p:sp>
+        <p:nvSpPr>
+          <p:cNvPr id="5" name="Прямоугольник 4"/>
+          <p:cNvSpPr/>
+          <p:nvPr/>
+        </p:nvSpPr>
+        <p:spPr>
+          <a:xfrm>
+            <a:off x="539552" y="1568981"/>
+            <a:ext cx="8820472" cy="461665"/>
+          </a:xfrm>
+          <a:prstGeom prst="rect">
+            <a:avLst/>
+          </a:prstGeom>
+        </p:spPr>
+        <p:txBody>
+          <a:bodyPr wrap="square">
+            <a:spAutoFit/>
+          </a:bodyPr>
+          <a:lstStyle/>
+          <a:p>
+            <a:r>
+              <a:rPr lang="en-US" sz="2400" dirty="0" err="1" smtClean="0">
+                <a:solidFill>
+                  <a:srgbClr val="0000FF"/>
+                </a:solidFill>
+                <a:highlight>
+                  <a:srgbClr val="FFFFFF"/>
+                </a:highlight>
+                <a:latin typeface="Consolas"/>
+              </a:rPr>
+              <a:t>var</a:t>
+            </a:r>
+            <a:r>
+              <a:rPr lang="en-US" sz="2400" dirty="0" smtClean="0">
+                <a:solidFill>
+                  <a:srgbClr val="000000"/>
+                </a:solidFill>
+                <a:highlight>
+                  <a:srgbClr val="FFFFFF"/>
+                </a:highlight>
+                <a:latin typeface="Consolas"/>
+              </a:rPr>
+              <a:t> </a:t>
+            </a:r>
+            <a:r>
+              <a:rPr lang="en-US" sz="2400" dirty="0">
+                <a:solidFill>
+                  <a:srgbClr val="000000"/>
+                </a:solidFill>
+                <a:highlight>
+                  <a:srgbClr val="FFFFFF"/>
+                </a:highlight>
+                <a:latin typeface="Consolas"/>
+              </a:rPr>
+              <a:t>lines = </a:t>
+            </a:r>
+            <a:r>
+              <a:rPr lang="en-US" sz="2400" dirty="0" err="1" smtClean="0">
+                <a:solidFill>
+                  <a:srgbClr val="2B91AF"/>
+                </a:solidFill>
+                <a:highlight>
+                  <a:srgbClr val="FFFFFF"/>
+                </a:highlight>
+                <a:latin typeface="Consolas"/>
+              </a:rPr>
+              <a:t>File</a:t>
+            </a:r>
+            <a:r>
+              <a:rPr lang="en-US" sz="2400" dirty="0" err="1" smtClean="0">
+                <a:solidFill>
+                  <a:srgbClr val="000000"/>
+                </a:solidFill>
+                <a:highlight>
+                  <a:srgbClr val="FFFFFF"/>
+                </a:highlight>
+                <a:latin typeface="Consolas"/>
+              </a:rPr>
+              <a:t>.ReadAllLines</a:t>
+            </a:r>
+            <a:r>
+              <a:rPr lang="en-US" sz="2400" dirty="0" smtClean="0">
+                <a:solidFill>
+                  <a:srgbClr val="000000"/>
+                </a:solidFill>
+                <a:highlight>
+                  <a:srgbClr val="FFFFFF"/>
+                </a:highlight>
+                <a:latin typeface="Consolas"/>
+              </a:rPr>
+              <a:t>(</a:t>
+            </a:r>
+            <a:r>
+              <a:rPr lang="en-US" sz="2400" dirty="0" smtClean="0">
+                <a:solidFill>
+                  <a:srgbClr val="A31515"/>
+                </a:solidFill>
+                <a:highlight>
+                  <a:srgbClr val="FFFFFF"/>
+                </a:highlight>
+                <a:latin typeface="Consolas"/>
+              </a:rPr>
+              <a:t>"input.txt"</a:t>
+            </a:r>
+            <a:r>
+              <a:rPr lang="en-US" sz="2400" dirty="0" smtClean="0">
+                <a:solidFill>
+                  <a:srgbClr val="000000"/>
+                </a:solidFill>
+                <a:highlight>
+                  <a:srgbClr val="FFFFFF"/>
+                </a:highlight>
+                <a:latin typeface="Consolas"/>
+              </a:rPr>
+              <a:t>);</a:t>
+            </a:r>
+            <a:endParaRPr lang="en-US" sz="2400" dirty="0">
+              <a:solidFill>
+                <a:srgbClr val="000000"/>
+              </a:solidFill>
+              <a:highlight>
+                <a:srgbClr val="FFFFFF"/>
+              </a:highlight>
+              <a:latin typeface="Consolas"/>
+            </a:endParaRPr>
+          </a:p>
+        </p:txBody>
+      </p:sp>
+    </p:spTree>
+    <p:extLst>
+      <p:ext uri="{BB962C8B-B14F-4D97-AF65-F5344CB8AC3E}">
+        <p14:creationId xmlns:p14="http://schemas.microsoft.com/office/powerpoint/2010/main" val="3059801822"/>
+      </p:ext>
+    </p:extLst>
+  </p:cSld>
+  <p:clrMapOvr>
+    <a:masterClrMapping/>
+  </p:clrMapOvr>
+  <p:timing>
+    <p:tnLst>
+      <p:par>
+        <p:cTn id="1" dur="indefinite" restart="never" nodeType="tmRoot"/>
+      </p:par>
+    </p:tnLst>
+  </p:timing>
+</p:sld>
+</file>
+
+<file path=ppt/slides/slide46.xml><?xml version="1.0" encoding="utf-8"?>
+<p:sld xmlns:a="http://schemas.openxmlformats.org/drawingml/2006/main" xmlns:r="http://schemas.openxmlformats.org/officeDocument/2006/relationships" xmlns:p="http://schemas.openxmlformats.org/presentationml/2006/main">
+  <p:cSld>
+    <p:spTree>
+      <p:nvGrpSpPr>
+        <p:cNvPr id="1" name=""/>
+        <p:cNvGrpSpPr/>
+        <p:nvPr/>
+      </p:nvGrpSpPr>
+      <p:grpSpPr>
+        <a:xfrm>
+          <a:off x="0" y="0"/>
+          <a:ext cx="0" cy="0"/>
+          <a:chOff x="0" y="0"/>
+          <a:chExt cx="0" cy="0"/>
+        </a:xfrm>
+      </p:grpSpPr>
+      <p:sp>
+        <p:nvSpPr>
+          <p:cNvPr id="2" name="Заголовок 1"/>
+          <p:cNvSpPr>
+            <a:spLocks noGrp="1"/>
+          </p:cNvSpPr>
+          <p:nvPr>
+            <p:ph type="title"/>
+          </p:nvPr>
+        </p:nvSpPr>
+        <p:spPr/>
+        <p:txBody>
+          <a:bodyPr/>
+          <a:lstStyle/>
+          <a:p>
+            <a:r>
+              <a:rPr lang="ru-RU" dirty="0" smtClean="0"/>
+              <a:t>Работа с файлами</a:t>
+            </a:r>
+            <a:endParaRPr lang="ru-RU" dirty="0"/>
+          </a:p>
+        </p:txBody>
+      </p:sp>
+      <p:sp>
+        <p:nvSpPr>
+          <p:cNvPr id="3" name="Объект 2"/>
+          <p:cNvSpPr>
+            <a:spLocks noGrp="1"/>
+          </p:cNvSpPr>
+          <p:nvPr>
+            <p:ph idx="1"/>
+          </p:nvPr>
+        </p:nvSpPr>
+        <p:spPr/>
+        <p:txBody>
+          <a:bodyPr>
+            <a:normAutofit/>
+          </a:bodyPr>
+          <a:lstStyle/>
+          <a:p>
+            <a:pPr marL="0" indent="0">
+              <a:buNone/>
+            </a:pPr>
+            <a:r>
+              <a:rPr lang="en-US" sz="2800" dirty="0" err="1">
+                <a:solidFill>
+                  <a:srgbClr val="2B91AF"/>
+                </a:solidFill>
+                <a:highlight>
+                  <a:srgbClr val="FFFFFF"/>
+                </a:highlight>
+                <a:latin typeface="Consolas"/>
+              </a:rPr>
+              <a:t>File</a:t>
+            </a:r>
+            <a:r>
+              <a:rPr lang="en-US" sz="2800" dirty="0" err="1" smtClean="0">
+                <a:latin typeface="Consolas" panose="020B0609020204030204" pitchFamily="49" charset="0"/>
+                <a:cs typeface="Consolas" panose="020B0609020204030204" pitchFamily="49" charset="0"/>
+              </a:rPr>
+              <a:t>.ReadAllLines</a:t>
+            </a:r>
+            <a:r>
+              <a:rPr lang="en-US" sz="2800" dirty="0" smtClean="0">
+                <a:latin typeface="Consolas" panose="020B0609020204030204" pitchFamily="49" charset="0"/>
+                <a:cs typeface="Consolas" panose="020B0609020204030204" pitchFamily="49" charset="0"/>
+              </a:rPr>
+              <a:t>(</a:t>
+            </a:r>
+            <a:r>
+              <a:rPr lang="en-US" sz="2800" dirty="0">
+                <a:solidFill>
+                  <a:srgbClr val="A31515"/>
+                </a:solidFill>
+                <a:highlight>
+                  <a:srgbClr val="FFFFFF"/>
+                </a:highlight>
+                <a:latin typeface="Consolas"/>
+              </a:rPr>
+              <a:t>"input.txt"</a:t>
+            </a:r>
+            <a:r>
+              <a:rPr lang="en-US" sz="2800" dirty="0" smtClean="0">
+                <a:latin typeface="Consolas" panose="020B0609020204030204" pitchFamily="49" charset="0"/>
+                <a:cs typeface="Consolas" panose="020B0609020204030204" pitchFamily="49" charset="0"/>
+              </a:rPr>
+              <a:t>) </a:t>
+            </a:r>
+            <a:r>
+              <a:rPr lang="en-US" sz="2800" dirty="0" smtClean="0">
+                <a:latin typeface="Consolas" panose="020B0609020204030204" pitchFamily="49" charset="0"/>
+                <a:cs typeface="Consolas" panose="020B0609020204030204" pitchFamily="49" charset="0"/>
+              </a:rPr>
+              <a:t>→ </a:t>
+            </a:r>
+            <a:r>
+              <a:rPr lang="en-US" sz="2800" dirty="0">
+                <a:solidFill>
+                  <a:srgbClr val="0000FF"/>
+                </a:solidFill>
+                <a:highlight>
+                  <a:srgbClr val="FFFFFF"/>
+                </a:highlight>
+                <a:latin typeface="Consolas"/>
+              </a:rPr>
+              <a:t>string</a:t>
+            </a:r>
+            <a:r>
+              <a:rPr lang="en-US" sz="2800" dirty="0" smtClean="0">
+                <a:latin typeface="Consolas" panose="020B0609020204030204" pitchFamily="49" charset="0"/>
+                <a:cs typeface="Consolas" panose="020B0609020204030204" pitchFamily="49" charset="0"/>
+              </a:rPr>
+              <a:t>[]</a:t>
+            </a:r>
+          </a:p>
+          <a:p>
+            <a:pPr marL="0" indent="0">
+              <a:buNone/>
+            </a:pPr>
+            <a:r>
+              <a:rPr lang="en-US" sz="2800" dirty="0" err="1">
+                <a:solidFill>
+                  <a:srgbClr val="2B91AF"/>
+                </a:solidFill>
+                <a:highlight>
+                  <a:srgbClr val="FFFFFF"/>
+                </a:highlight>
+                <a:latin typeface="Consolas"/>
+              </a:rPr>
+              <a:t>File</a:t>
+            </a:r>
+            <a:r>
+              <a:rPr lang="en-US" sz="2800" dirty="0" err="1" smtClean="0">
+                <a:latin typeface="Consolas" panose="020B0609020204030204" pitchFamily="49" charset="0"/>
+                <a:cs typeface="Consolas" panose="020B0609020204030204" pitchFamily="49" charset="0"/>
+              </a:rPr>
+              <a:t>.ReadAllText</a:t>
+            </a:r>
+            <a:r>
+              <a:rPr lang="en-US" sz="2800" dirty="0" smtClean="0">
+                <a:latin typeface="Consolas" panose="020B0609020204030204" pitchFamily="49" charset="0"/>
+                <a:cs typeface="Consolas" panose="020B0609020204030204" pitchFamily="49" charset="0"/>
+              </a:rPr>
+              <a:t>(</a:t>
+            </a:r>
+            <a:r>
+              <a:rPr lang="en-US" sz="2800" dirty="0">
+                <a:solidFill>
+                  <a:srgbClr val="A31515"/>
+                </a:solidFill>
+                <a:highlight>
+                  <a:srgbClr val="FFFFFF"/>
+                </a:highlight>
+                <a:latin typeface="Consolas"/>
+              </a:rPr>
+              <a:t>"input.txt"</a:t>
+            </a:r>
+            <a:r>
+              <a:rPr lang="en-US" sz="2800" dirty="0" smtClean="0">
+                <a:latin typeface="Consolas" panose="020B0609020204030204" pitchFamily="49" charset="0"/>
+                <a:cs typeface="Consolas" panose="020B0609020204030204" pitchFamily="49" charset="0"/>
+              </a:rPr>
+              <a:t>) </a:t>
+            </a:r>
+            <a:r>
+              <a:rPr lang="en-US" sz="2800" dirty="0" smtClean="0">
+                <a:latin typeface="Consolas" panose="020B0609020204030204" pitchFamily="49" charset="0"/>
+                <a:cs typeface="Consolas" panose="020B0609020204030204" pitchFamily="49" charset="0"/>
+              </a:rPr>
+              <a:t>→ </a:t>
+            </a:r>
+            <a:r>
+              <a:rPr lang="en-US" sz="2800" dirty="0">
+                <a:solidFill>
+                  <a:srgbClr val="0000FF"/>
+                </a:solidFill>
+                <a:highlight>
+                  <a:srgbClr val="FFFFFF"/>
+                </a:highlight>
+                <a:latin typeface="Consolas"/>
+              </a:rPr>
+              <a:t>string</a:t>
+            </a:r>
+          </a:p>
+          <a:p>
+            <a:pPr marL="0" indent="0">
+              <a:buNone/>
+            </a:pPr>
+            <a:r>
+              <a:rPr lang="en-US" sz="2800" dirty="0" err="1">
+                <a:solidFill>
+                  <a:srgbClr val="2B91AF"/>
+                </a:solidFill>
+                <a:highlight>
+                  <a:srgbClr val="FFFFFF"/>
+                </a:highlight>
+                <a:latin typeface="Consolas"/>
+              </a:rPr>
+              <a:t>File</a:t>
+            </a:r>
+            <a:r>
+              <a:rPr lang="en-US" sz="2800" dirty="0" err="1" smtClean="0">
+                <a:latin typeface="Consolas" panose="020B0609020204030204" pitchFamily="49" charset="0"/>
+                <a:cs typeface="Consolas" panose="020B0609020204030204" pitchFamily="49" charset="0"/>
+              </a:rPr>
+              <a:t>.WriteAllLines</a:t>
+            </a:r>
+            <a:r>
+              <a:rPr lang="en-US" sz="2800" dirty="0" smtClean="0">
+                <a:latin typeface="Consolas" panose="020B0609020204030204" pitchFamily="49" charset="0"/>
+                <a:cs typeface="Consolas" panose="020B0609020204030204" pitchFamily="49" charset="0"/>
+              </a:rPr>
+              <a:t>(</a:t>
+            </a:r>
+            <a:r>
+              <a:rPr lang="en-US" sz="2800" dirty="0">
+                <a:solidFill>
+                  <a:srgbClr val="A31515"/>
+                </a:solidFill>
+                <a:highlight>
+                  <a:srgbClr val="FFFFFF"/>
+                </a:highlight>
+                <a:latin typeface="Consolas"/>
+              </a:rPr>
+              <a:t>"input.txt"</a:t>
+            </a:r>
+            <a:r>
+              <a:rPr lang="en-US" sz="2800" dirty="0" smtClean="0">
+                <a:latin typeface="Consolas" panose="020B0609020204030204" pitchFamily="49" charset="0"/>
+                <a:cs typeface="Consolas" panose="020B0609020204030204" pitchFamily="49" charset="0"/>
+              </a:rPr>
+              <a:t>,</a:t>
+            </a:r>
+            <a:r>
+              <a:rPr lang="en-US" sz="2800" dirty="0" smtClean="0">
+                <a:latin typeface="Consolas" panose="020B0609020204030204" pitchFamily="49" charset="0"/>
+                <a:cs typeface="Consolas" panose="020B0609020204030204" pitchFamily="49" charset="0"/>
+              </a:rPr>
+              <a:t/>
+            </a:r>
+            <a:br>
+              <a:rPr lang="en-US" sz="2800" dirty="0" smtClean="0">
+                <a:latin typeface="Consolas" panose="020B0609020204030204" pitchFamily="49" charset="0"/>
+                <a:cs typeface="Consolas" panose="020B0609020204030204" pitchFamily="49" charset="0"/>
+              </a:rPr>
+            </a:br>
+            <a:r>
+              <a:rPr lang="en-US" sz="2800" dirty="0" smtClean="0">
+                <a:latin typeface="Consolas" panose="020B0609020204030204" pitchFamily="49" charset="0"/>
+                <a:cs typeface="Consolas" panose="020B0609020204030204" pitchFamily="49" charset="0"/>
+              </a:rPr>
+              <a:t>			</a:t>
+            </a:r>
+            <a:r>
+              <a:rPr lang="en-US" sz="2800" dirty="0">
+                <a:solidFill>
+                  <a:srgbClr val="0000FF"/>
+                </a:solidFill>
+                <a:highlight>
+                  <a:srgbClr val="FFFFFF"/>
+                </a:highlight>
+                <a:latin typeface="Consolas"/>
+              </a:rPr>
+              <a:t>new</a:t>
+            </a:r>
+            <a:r>
+              <a:rPr lang="en-US" sz="2800" dirty="0" smtClean="0">
+                <a:latin typeface="Consolas" panose="020B0609020204030204" pitchFamily="49" charset="0"/>
+                <a:cs typeface="Consolas" panose="020B0609020204030204" pitchFamily="49" charset="0"/>
+              </a:rPr>
+              <a:t>[]{</a:t>
+            </a:r>
+            <a:r>
+              <a:rPr lang="en-US" sz="2800" dirty="0" smtClean="0">
+                <a:solidFill>
+                  <a:srgbClr val="A31515"/>
+                </a:solidFill>
+                <a:highlight>
+                  <a:srgbClr val="FFFFFF"/>
+                </a:highlight>
+                <a:latin typeface="Consolas"/>
+              </a:rPr>
+              <a:t>"hello", "world"</a:t>
+            </a:r>
+            <a:r>
+              <a:rPr lang="en-US" sz="2800" dirty="0" smtClean="0">
+                <a:latin typeface="Consolas" panose="020B0609020204030204" pitchFamily="49" charset="0"/>
+                <a:cs typeface="Consolas" panose="020B0609020204030204" pitchFamily="49" charset="0"/>
+              </a:rPr>
+              <a:t>})</a:t>
+            </a:r>
+            <a:endParaRPr lang="en-US" sz="2800" dirty="0" smtClean="0">
+              <a:latin typeface="Consolas" panose="020B0609020204030204" pitchFamily="49" charset="0"/>
+              <a:cs typeface="Consolas" panose="020B0609020204030204" pitchFamily="49" charset="0"/>
+            </a:endParaRPr>
+          </a:p>
+          <a:p>
+            <a:pPr marL="0" indent="0">
+              <a:buNone/>
+            </a:pPr>
+            <a:r>
+              <a:rPr lang="en-US" sz="2800" dirty="0" err="1">
+                <a:solidFill>
+                  <a:srgbClr val="2B91AF"/>
+                </a:solidFill>
+                <a:highlight>
+                  <a:srgbClr val="FFFFFF"/>
+                </a:highlight>
+                <a:latin typeface="Consolas"/>
+              </a:rPr>
+              <a:t>File</a:t>
+            </a:r>
+            <a:r>
+              <a:rPr lang="en-US" sz="2800" dirty="0" err="1" smtClean="0">
+                <a:latin typeface="Consolas" panose="020B0609020204030204" pitchFamily="49" charset="0"/>
+                <a:cs typeface="Consolas" panose="020B0609020204030204" pitchFamily="49" charset="0"/>
+              </a:rPr>
+              <a:t>.WriteAllText</a:t>
+            </a:r>
+            <a:r>
+              <a:rPr lang="en-US" sz="2800" dirty="0" smtClean="0">
+                <a:latin typeface="Consolas" panose="020B0609020204030204" pitchFamily="49" charset="0"/>
+                <a:cs typeface="Consolas" panose="020B0609020204030204" pitchFamily="49" charset="0"/>
+              </a:rPr>
+              <a:t>(</a:t>
+            </a:r>
+            <a:r>
+              <a:rPr lang="en-US" sz="2800" dirty="0">
+                <a:solidFill>
+                  <a:srgbClr val="A31515"/>
+                </a:solidFill>
+                <a:highlight>
+                  <a:srgbClr val="FFFFFF"/>
+                </a:highlight>
+                <a:latin typeface="Consolas"/>
+              </a:rPr>
+              <a:t>"input.txt"</a:t>
+            </a:r>
+            <a:r>
+              <a:rPr lang="en-US" sz="2800" dirty="0" smtClean="0">
+                <a:latin typeface="Consolas" panose="020B0609020204030204" pitchFamily="49" charset="0"/>
+                <a:cs typeface="Consolas" panose="020B0609020204030204" pitchFamily="49" charset="0"/>
+              </a:rPr>
+              <a:t>,</a:t>
+            </a:r>
+            <a:r>
+              <a:rPr lang="en-US" sz="2800" dirty="0" smtClean="0">
+                <a:latin typeface="Consolas" panose="020B0609020204030204" pitchFamily="49" charset="0"/>
+                <a:cs typeface="Consolas" panose="020B0609020204030204" pitchFamily="49" charset="0"/>
+              </a:rPr>
+              <a:t/>
+            </a:r>
+            <a:br>
+              <a:rPr lang="en-US" sz="2800" dirty="0" smtClean="0">
+                <a:latin typeface="Consolas" panose="020B0609020204030204" pitchFamily="49" charset="0"/>
+                <a:cs typeface="Consolas" panose="020B0609020204030204" pitchFamily="49" charset="0"/>
+              </a:rPr>
+            </a:br>
+            <a:r>
+              <a:rPr lang="en-US" sz="2800" dirty="0" smtClean="0">
+                <a:latin typeface="Consolas" panose="020B0609020204030204" pitchFamily="49" charset="0"/>
+                <a:cs typeface="Consolas" panose="020B0609020204030204" pitchFamily="49" charset="0"/>
+              </a:rPr>
+              <a:t>				</a:t>
+            </a:r>
+            <a:r>
+              <a:rPr lang="en-US" sz="2800" dirty="0">
+                <a:solidFill>
+                  <a:srgbClr val="A31515"/>
+                </a:solidFill>
+                <a:highlight>
+                  <a:srgbClr val="FFFFFF"/>
+                </a:highlight>
+                <a:latin typeface="Consolas"/>
+              </a:rPr>
+              <a:t>"</a:t>
+            </a:r>
+            <a:r>
+              <a:rPr lang="en-US" sz="2800" dirty="0" smtClean="0">
+                <a:solidFill>
+                  <a:srgbClr val="A31515"/>
+                </a:solidFill>
+                <a:highlight>
+                  <a:srgbClr val="FFFFFF"/>
+                </a:highlight>
+                <a:latin typeface="Consolas"/>
+              </a:rPr>
+              <a:t>hello world!"</a:t>
+            </a:r>
+            <a:r>
+              <a:rPr lang="en-US" sz="2800" dirty="0" smtClean="0">
+                <a:latin typeface="Consolas" panose="020B0609020204030204" pitchFamily="49" charset="0"/>
+                <a:cs typeface="Consolas" panose="020B0609020204030204" pitchFamily="49" charset="0"/>
+              </a:rPr>
+              <a:t>);</a:t>
+            </a:r>
+            <a:endParaRPr lang="ru-RU" sz="2800" dirty="0">
+              <a:latin typeface="Consolas" panose="020B0609020204030204" pitchFamily="49" charset="0"/>
+              <a:cs typeface="Consolas" panose="020B0609020204030204" pitchFamily="49" charset="0"/>
+            </a:endParaRPr>
+          </a:p>
+          <a:p>
+            <a:pPr marL="0" indent="0">
+              <a:buNone/>
+            </a:pPr>
+            <a:endParaRPr lang="ru-RU" sz="2800" dirty="0">
+              <a:latin typeface="Consolas" panose="020B0609020204030204" pitchFamily="49" charset="0"/>
+              <a:cs typeface="Consolas" panose="020B0609020204030204" pitchFamily="49" charset="0"/>
+            </a:endParaRPr>
+          </a:p>
+        </p:txBody>
+      </p:sp>
+    </p:spTree>
+    <p:extLst>
+      <p:ext uri="{BB962C8B-B14F-4D97-AF65-F5344CB8AC3E}">
+        <p14:creationId xmlns:p14="http://schemas.microsoft.com/office/powerpoint/2010/main" val="3954790959"/>
+      </p:ext>
+    </p:extLst>
+  </p:cSld>
+  <p:clrMapOvr>
+    <a:masterClrMapping/>
+  </p:clrMapOvr>
+  <p:timing>
+    <p:tnLst>
+      <p:par>
+        <p:cTn id="1" dur="indefinite" restart="never" nodeType="tmRoot"/>
+      </p:par>
+    </p:tnLst>
+  </p:timing>
+</p:sld>
+</file>
+
+<file path=ppt/slides/slide47.xml><?xml version="1.0" encoding="utf-8"?>
+<p:sld xmlns:a="http://schemas.openxmlformats.org/drawingml/2006/main" xmlns:r="http://schemas.openxmlformats.org/officeDocument/2006/relationships" xmlns:p="http://schemas.openxmlformats.org/presentationml/2006/main">
+  <p:cSld>
+    <p:spTree>
+      <p:nvGrpSpPr>
+        <p:cNvPr id="1" name=""/>
+        <p:cNvGrpSpPr/>
+        <p:nvPr/>
+      </p:nvGrpSpPr>
+      <p:grpSpPr>
+        <a:xfrm>
+          <a:off x="0" y="0"/>
+          <a:ext cx="0" cy="0"/>
+          <a:chOff x="0" y="0"/>
+          <a:chExt cx="0" cy="0"/>
+        </a:xfrm>
+      </p:grpSpPr>
+      <p:sp>
+        <p:nvSpPr>
+          <p:cNvPr id="2" name="Заголовок 1"/>
+          <p:cNvSpPr>
+            <a:spLocks noGrp="1"/>
+          </p:cNvSpPr>
+          <p:nvPr>
+            <p:ph type="title"/>
+          </p:nvPr>
+        </p:nvSpPr>
+        <p:spPr/>
+        <p:txBody>
+          <a:bodyPr/>
+          <a:lstStyle/>
+          <a:p>
+            <a:r>
               <a:rPr lang="en-US" dirty="0" smtClean="0"/>
               <a:t>LINQ</a:t>
             </a:r>
@@ -15900,37 +18309,94 @@
               <a:buNone/>
             </a:pPr>
             <a:r>
-              <a:rPr lang="en-US" dirty="0" err="1"/>
+              <a:rPr lang="en-US" sz="2800" dirty="0" err="1">
+                <a:solidFill>
+                  <a:srgbClr val="0000FF"/>
+                </a:solidFill>
+                <a:highlight>
+                  <a:srgbClr val="FFFFFF"/>
+                </a:highlight>
+                <a:latin typeface="Consolas" panose="020B0609020204030204" pitchFamily="49" charset="0"/>
+                <a:cs typeface="Consolas" panose="020B0609020204030204" pitchFamily="49" charset="0"/>
+              </a:rPr>
               <a:t>i</a:t>
             </a:r>
             <a:r>
-              <a:rPr lang="en-US" dirty="0" err="1" smtClean="0"/>
+              <a:rPr lang="en-US" sz="2800" dirty="0" err="1">
+                <a:solidFill>
+                  <a:srgbClr val="0000FF"/>
+                </a:solidFill>
+                <a:highlight>
+                  <a:srgbClr val="FFFFFF"/>
+                </a:highlight>
+                <a:latin typeface="Consolas" panose="020B0609020204030204" pitchFamily="49" charset="0"/>
+                <a:cs typeface="Consolas" panose="020B0609020204030204" pitchFamily="49" charset="0"/>
+              </a:rPr>
               <a:t>nt</a:t>
             </a:r>
             <a:r>
-              <a:rPr lang="en-US" dirty="0" smtClean="0"/>
-              <a:t>[] a = </a:t>
-            </a:r>
-            <a:r>
-              <a:rPr lang="en-US" dirty="0" err="1" smtClean="0"/>
+              <a:rPr lang="en-US" dirty="0" smtClean="0">
+                <a:latin typeface="Consolas" panose="020B0609020204030204" pitchFamily="49" charset="0"/>
+                <a:cs typeface="Consolas" panose="020B0609020204030204" pitchFamily="49" charset="0"/>
+              </a:rPr>
+              <a:t>[] </a:t>
+            </a:r>
+            <a:r>
+              <a:rPr lang="en-US" dirty="0" err="1" smtClean="0">
+                <a:latin typeface="Consolas" panose="020B0609020204030204" pitchFamily="49" charset="0"/>
+                <a:cs typeface="Consolas" panose="020B0609020204030204" pitchFamily="49" charset="0"/>
+              </a:rPr>
+              <a:t>arr</a:t>
+            </a:r>
+            <a:r>
+              <a:rPr lang="en-US" dirty="0" smtClean="0">
+                <a:latin typeface="Consolas" panose="020B0609020204030204" pitchFamily="49" charset="0"/>
+                <a:cs typeface="Consolas" panose="020B0609020204030204" pitchFamily="49" charset="0"/>
+              </a:rPr>
+              <a:t> </a:t>
+            </a:r>
+            <a:r>
+              <a:rPr lang="en-US" dirty="0" smtClean="0">
+                <a:latin typeface="Consolas" panose="020B0609020204030204" pitchFamily="49" charset="0"/>
+                <a:cs typeface="Consolas" panose="020B0609020204030204" pitchFamily="49" charset="0"/>
+              </a:rPr>
+              <a:t>= </a:t>
+            </a:r>
+            <a:r>
+              <a:rPr lang="en-US" dirty="0" err="1" smtClean="0">
+                <a:latin typeface="Consolas" panose="020B0609020204030204" pitchFamily="49" charset="0"/>
+                <a:cs typeface="Consolas" panose="020B0609020204030204" pitchFamily="49" charset="0"/>
+              </a:rPr>
               <a:t>GetSomeNumbers</a:t>
             </a:r>
             <a:r>
-              <a:rPr lang="en-US" dirty="0" smtClean="0"/>
+              <a:rPr lang="en-US" dirty="0" smtClean="0">
+                <a:latin typeface="Consolas" panose="020B0609020204030204" pitchFamily="49" charset="0"/>
+                <a:cs typeface="Consolas" panose="020B0609020204030204" pitchFamily="49" charset="0"/>
+              </a:rPr>
               <a:t>()</a:t>
             </a:r>
-            <a:endParaRPr lang="en-US" dirty="0"/>
+            <a:endParaRPr lang="en-US" dirty="0">
+              <a:latin typeface="Consolas" panose="020B0609020204030204" pitchFamily="49" charset="0"/>
+              <a:cs typeface="Consolas" panose="020B0609020204030204" pitchFamily="49" charset="0"/>
+            </a:endParaRPr>
           </a:p>
           <a:p>
             <a:pPr marL="0" indent="0">
               <a:buNone/>
             </a:pPr>
             <a:r>
-              <a:rPr lang="en-US" dirty="0" smtClean="0"/>
+              <a:rPr lang="en-US" dirty="0" smtClean="0">
+                <a:latin typeface="Consolas" panose="020B0609020204030204" pitchFamily="49" charset="0"/>
+                <a:cs typeface="Consolas" panose="020B0609020204030204" pitchFamily="49" charset="0"/>
+              </a:rPr>
               <a:t>	.</a:t>
             </a:r>
             <a:r>
-              <a:rPr lang="en-US" dirty="0"/>
+              <a:rPr lang="en-US" dirty="0">
+                <a:latin typeface="Consolas" panose="020B0609020204030204" pitchFamily="49" charset="0"/>
+                <a:cs typeface="Consolas" panose="020B0609020204030204" pitchFamily="49" charset="0"/>
+              </a:rPr>
               <a:t>Where(x =&gt; x%2 == 0)</a:t>
             </a:r>
           </a:p>
@@ -15939,15 +18405,24 @@
               <a:buNone/>
             </a:pPr>
             <a:r>
-              <a:rPr lang="en-US" dirty="0"/>
+              <a:rPr lang="en-US" dirty="0">
+                <a:latin typeface="Consolas" panose="020B0609020204030204" pitchFamily="49" charset="0"/>
+                <a:cs typeface="Consolas" panose="020B0609020204030204" pitchFamily="49" charset="0"/>
+              </a:rPr>
               <a:t>	</a:t>
             </a:r>
             <a:r>
-              <a:rPr lang="en-US" dirty="0" smtClean="0"/>
+              <a:rPr lang="en-US" dirty="0" smtClean="0">
+                <a:latin typeface="Consolas" panose="020B0609020204030204" pitchFamily="49" charset="0"/>
+                <a:cs typeface="Consolas" panose="020B0609020204030204" pitchFamily="49" charset="0"/>
+              </a:rPr>
               <a:t>.</a:t>
             </a:r>
             <a:r>
-              <a:rPr lang="en-US" dirty="0"/>
+              <a:rPr lang="en-US" dirty="0">
+                <a:latin typeface="Consolas" panose="020B0609020204030204" pitchFamily="49" charset="0"/>
+                <a:cs typeface="Consolas" panose="020B0609020204030204" pitchFamily="49" charset="0"/>
+              </a:rPr>
               <a:t>Select(x =&gt; x*x)</a:t>
             </a:r>
           </a:p>
@@ -15956,15 +18431,24 @@
               <a:buNone/>
             </a:pPr>
             <a:r>
-              <a:rPr lang="en-US" dirty="0"/>
+              <a:rPr lang="en-US" dirty="0">
+                <a:latin typeface="Consolas" panose="020B0609020204030204" pitchFamily="49" charset="0"/>
+                <a:cs typeface="Consolas" panose="020B0609020204030204" pitchFamily="49" charset="0"/>
+              </a:rPr>
               <a:t>	</a:t>
             </a:r>
             <a:r>
-              <a:rPr lang="en-US" dirty="0" smtClean="0"/>
+              <a:rPr lang="en-US" dirty="0" smtClean="0">
+                <a:latin typeface="Consolas" panose="020B0609020204030204" pitchFamily="49" charset="0"/>
+                <a:cs typeface="Consolas" panose="020B0609020204030204" pitchFamily="49" charset="0"/>
+              </a:rPr>
               <a:t>.</a:t>
             </a:r>
             <a:r>
-              <a:rPr lang="en-US" dirty="0"/>
+              <a:rPr lang="en-US" dirty="0">
+                <a:latin typeface="Consolas" panose="020B0609020204030204" pitchFamily="49" charset="0"/>
+                <a:cs typeface="Consolas" panose="020B0609020204030204" pitchFamily="49" charset="0"/>
+              </a:rPr>
               <a:t>Skip(1)</a:t>
             </a:r>
           </a:p>
@@ -15973,15 +18457,24 @@
               <a:buNone/>
             </a:pPr>
             <a:r>
-              <a:rPr lang="en-US" dirty="0"/>
+              <a:rPr lang="en-US" dirty="0">
+                <a:latin typeface="Consolas" panose="020B0609020204030204" pitchFamily="49" charset="0"/>
+                <a:cs typeface="Consolas" panose="020B0609020204030204" pitchFamily="49" charset="0"/>
+              </a:rPr>
               <a:t>	</a:t>
             </a:r>
             <a:r>
-              <a:rPr lang="en-US" dirty="0" smtClean="0"/>
+              <a:rPr lang="en-US" dirty="0" smtClean="0">
+                <a:latin typeface="Consolas" panose="020B0609020204030204" pitchFamily="49" charset="0"/>
+                <a:cs typeface="Consolas" panose="020B0609020204030204" pitchFamily="49" charset="0"/>
+              </a:rPr>
               <a:t>.</a:t>
             </a:r>
             <a:r>
-              <a:rPr lang="en-US" dirty="0"/>
+              <a:rPr lang="en-US" dirty="0">
+                <a:latin typeface="Consolas" panose="020B0609020204030204" pitchFamily="49" charset="0"/>
+                <a:cs typeface="Consolas" panose="020B0609020204030204" pitchFamily="49" charset="0"/>
+              </a:rPr>
               <a:t>Take(2)</a:t>
             </a:r>
           </a:p>
@@ -15990,22 +18483,37 @@
               <a:buNone/>
             </a:pPr>
             <a:r>
-              <a:rPr lang="en-US" dirty="0"/>
+              <a:rPr lang="en-US" dirty="0">
+                <a:latin typeface="Consolas" panose="020B0609020204030204" pitchFamily="49" charset="0"/>
+                <a:cs typeface="Consolas" panose="020B0609020204030204" pitchFamily="49" charset="0"/>
+              </a:rPr>
               <a:t>	</a:t>
             </a:r>
             <a:r>
-              <a:rPr lang="en-US" dirty="0" smtClean="0"/>
+              <a:rPr lang="en-US" dirty="0" smtClean="0">
+                <a:latin typeface="Consolas" panose="020B0609020204030204" pitchFamily="49" charset="0"/>
+                <a:cs typeface="Consolas" panose="020B0609020204030204" pitchFamily="49" charset="0"/>
+              </a:rPr>
               <a:t>.</a:t>
             </a:r>
             <a:r>
-              <a:rPr lang="en-US" dirty="0" err="1"/>
+              <a:rPr lang="en-US" dirty="0" err="1">
+                <a:latin typeface="Consolas" panose="020B0609020204030204" pitchFamily="49" charset="0"/>
+                <a:cs typeface="Consolas" panose="020B0609020204030204" pitchFamily="49" charset="0"/>
+              </a:rPr>
               <a:t>ToArray</a:t>
             </a:r>
             <a:r>
-              <a:rPr lang="en-US" dirty="0" smtClean="0"/>
+              <a:rPr lang="en-US" dirty="0" smtClean="0">
+                <a:latin typeface="Consolas" panose="020B0609020204030204" pitchFamily="49" charset="0"/>
+                <a:cs typeface="Consolas" panose="020B0609020204030204" pitchFamily="49" charset="0"/>
+              </a:rPr>
               <a:t>();</a:t>
             </a:r>
-            <a:endParaRPr lang="ru-RU" dirty="0"/>
+            <a:endParaRPr lang="ru-RU" dirty="0">
+              <a:latin typeface="Consolas" panose="020B0609020204030204" pitchFamily="49" charset="0"/>
+              <a:cs typeface="Consolas" panose="020B0609020204030204" pitchFamily="49" charset="0"/>
+            </a:endParaRPr>
           </a:p>
         </p:txBody>
       </p:sp>
@@ -16029,7 +18537,113 @@
 </p:sld>
 </file>
 
-<file path=ppt/slides/slide44.xml><?xml version="1.0" encoding="utf-8"?>
+<file path=ppt/slides/slide48.xml><?xml version="1.0" encoding="utf-8"?>
+<p:sld xmlns:a="http://schemas.openxmlformats.org/drawingml/2006/main" xmlns:r="http://schemas.openxmlformats.org/officeDocument/2006/relationships" xmlns:p="http://schemas.openxmlformats.org/presentationml/2006/main">
+  <p:cSld>
+    <p:spTree>
+      <p:nvGrpSpPr>
+        <p:cNvPr id="1" name=""/>
+        <p:cNvGrpSpPr/>
+        <p:nvPr/>
+      </p:nvGrpSpPr>
+      <p:grpSpPr>
+        <a:xfrm>
+          <a:off x="0" y="0"/>
+          <a:ext cx="0" cy="0"/>
+          <a:chOff x="0" y="0"/>
+          <a:chExt cx="0" cy="0"/>
+        </a:xfrm>
+      </p:grpSpPr>
+      <p:sp>
+        <p:nvSpPr>
+          <p:cNvPr id="2" name="Заголовок 1"/>
+          <p:cNvSpPr>
+            <a:spLocks noGrp="1"/>
+          </p:cNvSpPr>
+          <p:nvPr>
+            <p:ph type="title"/>
+          </p:nvPr>
+        </p:nvSpPr>
+        <p:spPr/>
+        <p:txBody>
+          <a:bodyPr/>
+          <a:lstStyle/>
+          <a:p>
+            <a:r>
+              <a:rPr lang="ru-RU" dirty="0" smtClean="0"/>
+              <a:t>Итог</a:t>
+            </a:r>
+            <a:endParaRPr lang="ru-RU" dirty="0"/>
+          </a:p>
+        </p:txBody>
+      </p:sp>
+      <p:sp>
+        <p:nvSpPr>
+          <p:cNvPr id="3" name="Объект 2"/>
+          <p:cNvSpPr>
+            <a:spLocks noGrp="1"/>
+          </p:cNvSpPr>
+          <p:nvPr>
+            <p:ph idx="1"/>
+          </p:nvPr>
+        </p:nvSpPr>
+        <p:spPr/>
+        <p:txBody>
+          <a:bodyPr/>
+          <a:lstStyle/>
+          <a:p>
+            <a:r>
+              <a:rPr lang="ru-RU" dirty="0" smtClean="0"/>
+              <a:t>Общие стили форматирования</a:t>
+            </a:r>
+          </a:p>
+          <a:p>
+            <a:r>
+              <a:rPr lang="ru-RU" dirty="0" smtClean="0"/>
+              <a:t>Понятные, качественно подобранные  имена</a:t>
+            </a:r>
+          </a:p>
+          <a:p>
+            <a:r>
+              <a:rPr lang="ru-RU" dirty="0" smtClean="0"/>
+              <a:t>Декомпозиция</a:t>
+            </a:r>
+          </a:p>
+          <a:p>
+            <a:r>
+              <a:rPr lang="ru-RU" dirty="0" smtClean="0"/>
+              <a:t>Языковые возможности</a:t>
+            </a:r>
+          </a:p>
+          <a:p>
+            <a:pPr marL="0" indent="0">
+              <a:buNone/>
+            </a:pPr>
+            <a:endParaRPr lang="ru-RU" dirty="0"/>
+          </a:p>
+        </p:txBody>
+      </p:sp>
+    </p:spTree>
+    <p:extLst>
+      <p:ext uri="{BB962C8B-B14F-4D97-AF65-F5344CB8AC3E}">
+        <p14:creationId xmlns:p14="http://schemas.microsoft.com/office/powerpoint/2010/main" val="2296229623"/>
+      </p:ext>
+    </p:extLst>
+  </p:cSld>
+  <p:clrMapOvr>
+    <a:masterClrMapping/>
+  </p:clrMapOvr>
+  <p:timing>
+    <p:tnLst>
+      <p:par>
+        <p:cTn id="1" dur="indefinite" restart="never" nodeType="tmRoot"/>
+      </p:par>
+    </p:tnLst>
+  </p:timing>
+</p:sld>
+</file>
+
+<file path=ppt/slides/slide49.xml><?xml version="1.0" encoding="utf-8"?>
 <p:sld xmlns:a="http://schemas.openxmlformats.org/drawingml/2006/main" xmlns:r="http://schemas.openxmlformats.org/officeDocument/2006/relationships" xmlns:p="http://schemas.openxmlformats.org/presentationml/2006/main">
   <p:cSld>
     <p:spTree>
@@ -16154,13 +18768,13 @@
       </p:grpSpPr>
       <p:pic>
         <p:nvPicPr>
-          <p:cNvPr id="2050" name="Picture 2" descr="C:\Users\xoposhiy\Pictures\wtf_per_minute.png"/>
+          <p:cNvPr id="4" name="Picture 2" descr="http://cre8ivethought.com/images/PP/big/Slide30.JPG"/>
           <p:cNvPicPr>
             <a:picLocks noChangeAspect="1" noChangeArrowheads="1"/>
           </p:cNvPicPr>
           <p:nvPr/>
         </p:nvPicPr>
-        <p:blipFill>
+        <p:blipFill rotWithShape="1">
           <a:blip r:embed="rId2">
             <a:extLst>
               <a:ext uri="{28A0092B-C50C-407E-A947-70E740481C1C}">
@@ -16168,15 +18782,13 @@
               </a:ext>
             </a:extLst>
           </a:blip>
-          <a:srcRect/>
-          <a:stretch>
-            <a:fillRect/>
-          </a:stretch>
+          <a:srcRect r="12122"/>
+          <a:stretch/>
         </p:blipFill>
         <p:spPr bwMode="auto">
           <a:xfrm>
-            <a:off x="1187624" y="692696"/>
-            <a:ext cx="6998041" cy="5509366"/>
+            <a:off x="-4128" y="-1"/>
+            <a:ext cx="8039175" cy="6861097"/>
           </a:xfrm>
           <a:prstGeom prst="rect">
             <a:avLst/>
@@ -16196,7 +18808,7 @@
     </p:spTree>
     <p:extLst>
       <p:ext uri="{BB962C8B-B14F-4D97-AF65-F5344CB8AC3E}">
-        <p14:creationId xmlns:p14="http://schemas.microsoft.com/office/powerpoint/2010/main" val="1812013237"/>
+        <p14:creationId xmlns:p14="http://schemas.microsoft.com/office/powerpoint/2010/main" val="3751661422"/>
       </p:ext>
     </p:extLst>
   </p:cSld>
@@ -16712,7 +19324,7 @@
         </p:nvSpPr>
         <p:spPr>
           <a:xfrm>
-            <a:off x="2627784" y="1340768"/>
+            <a:off x="2627784" y="2230993"/>
             <a:ext cx="6022528" cy="2062103"/>
           </a:xfrm>
           <a:prstGeom prst="rect">
@@ -16869,231 +19481,9 @@
   <p:timing>
     <p:tnLst>
       <p:par>
-        <p:cTn id="1" dur="indefinite" restart="never" nodeType="tmRoot">
-          <p:childTnLst>
-            <p:seq concurrent="1" nextAc="seek">
-              <p:cTn id="2" dur="indefinite" nodeType="mainSeq">
-                <p:childTnLst>
-                  <p:par>
-                    <p:cTn id="3" fill="hold">
-                      <p:stCondLst>
-                        <p:cond delay="indefinite"/>
-                      </p:stCondLst>
-                      <p:childTnLst>
-                        <p:par>
-                          <p:cTn id="4" fill="hold">
-                            <p:stCondLst>
-                              <p:cond delay="0"/>
-                            </p:stCondLst>
-                            <p:childTnLst>
-                              <p:par>
-                                <p:cTn id="5" presetID="1" presetClass="entr" presetSubtype="0" fill="hold" grpId="0" nodeType="clickEffect">
-                                  <p:stCondLst>
-                                    <p:cond delay="0"/>
-                                  </p:stCondLst>
-                                  <p:childTnLst>
-                                    <p:set>
-                                      <p:cBhvr>
-                                        <p:cTn id="6" dur="1" fill="hold">
-                                          <p:stCondLst>
-                                            <p:cond delay="0"/>
-                                          </p:stCondLst>
-                                        </p:cTn>
-                                        <p:tgtEl>
-                                          <p:spTgt spid="3">
-                                            <p:txEl>
-                                              <p:pRg st="0" end="0"/>
-                                            </p:txEl>
-                                          </p:spTgt>
-                                        </p:tgtEl>
-                                        <p:attrNameLst>
-                                          <p:attrName>style.visibility</p:attrName>
-                                        </p:attrNameLst>
-                                      </p:cBhvr>
-                                      <p:to>
-                                        <p:strVal val="visible"/>
-                                      </p:to>
-                                    </p:set>
-                                  </p:childTnLst>
-                                </p:cTn>
-                              </p:par>
-                            </p:childTnLst>
-                          </p:cTn>
-                        </p:par>
-                      </p:childTnLst>
-                    </p:cTn>
-                  </p:par>
-                  <p:par>
-                    <p:cTn id="7" fill="hold">
-                      <p:stCondLst>
-                        <p:cond delay="indefinite"/>
-                      </p:stCondLst>
-                      <p:childTnLst>
-                        <p:par>
-                          <p:cTn id="8" fill="hold">
-                            <p:stCondLst>
-                              <p:cond delay="0"/>
-                            </p:stCondLst>
-                            <p:childTnLst>
-                              <p:par>
-                                <p:cTn id="9" presetID="1" presetClass="entr" presetSubtype="0" fill="hold" grpId="0" nodeType="clickEffect">
-                                  <p:stCondLst>
-                                    <p:cond delay="0"/>
-                                  </p:stCondLst>
-                                  <p:childTnLst>
-                                    <p:set>
-                                      <p:cBhvr>
-                                        <p:cTn id="10" dur="1" fill="hold">
-                                          <p:stCondLst>
-                                            <p:cond delay="0"/>
-                                          </p:stCondLst>
-                                        </p:cTn>
-                                        <p:tgtEl>
-                                          <p:spTgt spid="3">
-                                            <p:txEl>
-                                              <p:pRg st="1" end="1"/>
-                                            </p:txEl>
-                                          </p:spTgt>
-                                        </p:tgtEl>
-                                        <p:attrNameLst>
-                                          <p:attrName>style.visibility</p:attrName>
-                                        </p:attrNameLst>
-                                      </p:cBhvr>
-                                      <p:to>
-                                        <p:strVal val="visible"/>
-                                      </p:to>
-                                    </p:set>
-                                  </p:childTnLst>
-                                </p:cTn>
-                              </p:par>
-                            </p:childTnLst>
-                          </p:cTn>
-                        </p:par>
-                      </p:childTnLst>
-                    </p:cTn>
-                  </p:par>
-                  <p:par>
-                    <p:cTn id="11" fill="hold">
-                      <p:stCondLst>
-                        <p:cond delay="indefinite"/>
-                      </p:stCondLst>
-                      <p:childTnLst>
-                        <p:par>
-                          <p:cTn id="12" fill="hold">
-                            <p:stCondLst>
-                              <p:cond delay="0"/>
-                            </p:stCondLst>
-                            <p:childTnLst>
-                              <p:par>
-                                <p:cTn id="13" presetID="1" presetClass="entr" presetSubtype="0" fill="hold" grpId="0" nodeType="clickEffect">
-                                  <p:stCondLst>
-                                    <p:cond delay="0"/>
-                                  </p:stCondLst>
-                                  <p:childTnLst>
-                                    <p:set>
-                                      <p:cBhvr>
-                                        <p:cTn id="14" dur="1" fill="hold">
-                                          <p:stCondLst>
-                                            <p:cond delay="0"/>
-                                          </p:stCondLst>
-                                        </p:cTn>
-                                        <p:tgtEl>
-                                          <p:spTgt spid="3">
-                                            <p:txEl>
-                                              <p:pRg st="2" end="2"/>
-                                            </p:txEl>
-                                          </p:spTgt>
-                                        </p:tgtEl>
-                                        <p:attrNameLst>
-                                          <p:attrName>style.visibility</p:attrName>
-                                        </p:attrNameLst>
-                                      </p:cBhvr>
-                                      <p:to>
-                                        <p:strVal val="visible"/>
-                                      </p:to>
-                                    </p:set>
-                                  </p:childTnLst>
-                                </p:cTn>
-                              </p:par>
-                            </p:childTnLst>
-                          </p:cTn>
-                        </p:par>
-                      </p:childTnLst>
-                    </p:cTn>
-                  </p:par>
-                  <p:par>
-                    <p:cTn id="15" fill="hold">
-                      <p:stCondLst>
-                        <p:cond delay="indefinite"/>
-                      </p:stCondLst>
-                      <p:childTnLst>
-                        <p:par>
-                          <p:cTn id="16" fill="hold">
-                            <p:stCondLst>
-                              <p:cond delay="0"/>
-                            </p:stCondLst>
-                            <p:childTnLst>
-                              <p:par>
-                                <p:cTn id="17" presetID="1" presetClass="entr" presetSubtype="0" fill="hold" grpId="0" nodeType="clickEffect">
-                                  <p:stCondLst>
-                                    <p:cond delay="0"/>
-                                  </p:stCondLst>
-                                  <p:childTnLst>
-                                    <p:set>
-                                      <p:cBhvr>
-                                        <p:cTn id="18" dur="1" fill="hold">
-                                          <p:stCondLst>
-                                            <p:cond delay="0"/>
-                                          </p:stCondLst>
-                                        </p:cTn>
-                                        <p:tgtEl>
-                                          <p:spTgt spid="3">
-                                            <p:txEl>
-                                              <p:pRg st="3" end="3"/>
-                                            </p:txEl>
-                                          </p:spTgt>
-                                        </p:tgtEl>
-                                        <p:attrNameLst>
-                                          <p:attrName>style.visibility</p:attrName>
-                                        </p:attrNameLst>
-                                      </p:cBhvr>
-                                      <p:to>
-                                        <p:strVal val="visible"/>
-                                      </p:to>
-                                    </p:set>
-                                  </p:childTnLst>
-                                </p:cTn>
-                              </p:par>
-                            </p:childTnLst>
-                          </p:cTn>
-                        </p:par>
-                      </p:childTnLst>
-                    </p:cTn>
-                  </p:par>
-                </p:childTnLst>
-              </p:cTn>
-              <p:prevCondLst>
-                <p:cond evt="onPrev" delay="0">
-                  <p:tgtEl>
-                    <p:sldTgt/>
-                  </p:tgtEl>
-                </p:cond>
-              </p:prevCondLst>
-              <p:nextCondLst>
-                <p:cond evt="onNext" delay="0">
-                  <p:tgtEl>
-                    <p:sldTgt/>
-                  </p:tgtEl>
-                </p:cond>
-              </p:nextCondLst>
-            </p:seq>
-          </p:childTnLst>
-        </p:cTn>
+        <p:cTn id="1" dur="indefinite" restart="never" nodeType="tmRoot"/>
       </p:par>
     </p:tnLst>
-    <p:bldLst>
-      <p:bldP spid="3" grpId="0" build="p"/>
-    </p:bldLst>
   </p:timing>
 </p:sld>
 </file>

--- a/01-CleanCode/CleanCode.pptx
+++ b/01-CleanCode/CleanCode.pptx
@@ -243,7 +243,7 @@
           <a:p>
             <a:fld id="{2C2C51BA-9C8E-4938-991B-0B9DAB69953D}" type="datetimeFigureOut">
               <a:rPr lang="ru-RU" smtClean="0"/>
-              <a:t>30.06.2014</a:t>
+              <a:t>01.07.2014</a:t>
             </a:fld>
             <a:endParaRPr lang="ru-RU"/>
           </a:p>
@@ -408,7 +408,7 @@
           <a:p>
             <a:fld id="{426FB16C-8069-43A4-A09F-21010F2DDFB6}" type="datetimeFigureOut">
               <a:rPr lang="ru-RU" smtClean="0"/>
-              <a:t>30.06.2014</a:t>
+              <a:t>01.07.2014</a:t>
             </a:fld>
             <a:endParaRPr lang="ru-RU"/>
           </a:p>
@@ -2539,7 +2539,7 @@
           <a:p>
             <a:fld id="{8097313E-B044-4ACF-96A1-82807229EA96}" type="datetimeFigureOut">
               <a:rPr lang="ru-RU" smtClean="0"/>
-              <a:t>30.06.2014</a:t>
+              <a:t>01.07.2014</a:t>
             </a:fld>
             <a:endParaRPr lang="ru-RU"/>
           </a:p>
@@ -2709,7 +2709,7 @@
           <a:p>
             <a:fld id="{8097313E-B044-4ACF-96A1-82807229EA96}" type="datetimeFigureOut">
               <a:rPr lang="ru-RU" smtClean="0"/>
-              <a:t>30.06.2014</a:t>
+              <a:t>01.07.2014</a:t>
             </a:fld>
             <a:endParaRPr lang="ru-RU"/>
           </a:p>
@@ -2889,7 +2889,7 @@
           <a:p>
             <a:fld id="{8097313E-B044-4ACF-96A1-82807229EA96}" type="datetimeFigureOut">
               <a:rPr lang="ru-RU" smtClean="0"/>
-              <a:t>30.06.2014</a:t>
+              <a:t>01.07.2014</a:t>
             </a:fld>
             <a:endParaRPr lang="ru-RU"/>
           </a:p>
@@ -3066,7 +3066,7 @@
           <a:p>
             <a:fld id="{8097313E-B044-4ACF-96A1-82807229EA96}" type="datetimeFigureOut">
               <a:rPr lang="ru-RU" smtClean="0"/>
-              <a:t>30.06.2014</a:t>
+              <a:t>01.07.2014</a:t>
             </a:fld>
             <a:endParaRPr lang="ru-RU"/>
           </a:p>
@@ -3319,7 +3319,7 @@
           <a:p>
             <a:fld id="{8097313E-B044-4ACF-96A1-82807229EA96}" type="datetimeFigureOut">
               <a:rPr lang="ru-RU" smtClean="0"/>
-              <a:t>30.06.2014</a:t>
+              <a:t>01.07.2014</a:t>
             </a:fld>
             <a:endParaRPr lang="ru-RU"/>
           </a:p>
@@ -3607,7 +3607,7 @@
           <a:p>
             <a:fld id="{8097313E-B044-4ACF-96A1-82807229EA96}" type="datetimeFigureOut">
               <a:rPr lang="ru-RU" smtClean="0"/>
-              <a:t>30.06.2014</a:t>
+              <a:t>01.07.2014</a:t>
             </a:fld>
             <a:endParaRPr lang="ru-RU"/>
           </a:p>
@@ -4029,7 +4029,7 @@
           <a:p>
             <a:fld id="{8097313E-B044-4ACF-96A1-82807229EA96}" type="datetimeFigureOut">
               <a:rPr lang="ru-RU" smtClean="0"/>
-              <a:t>30.06.2014</a:t>
+              <a:t>01.07.2014</a:t>
             </a:fld>
             <a:endParaRPr lang="ru-RU"/>
           </a:p>
@@ -4162,7 +4162,7 @@
           <a:p>
             <a:fld id="{8097313E-B044-4ACF-96A1-82807229EA96}" type="datetimeFigureOut">
               <a:rPr lang="ru-RU" smtClean="0"/>
-              <a:t>30.06.2014</a:t>
+              <a:t>01.07.2014</a:t>
             </a:fld>
             <a:endParaRPr lang="ru-RU"/>
           </a:p>
@@ -4264,7 +4264,7 @@
           <a:p>
             <a:fld id="{8097313E-B044-4ACF-96A1-82807229EA96}" type="datetimeFigureOut">
               <a:rPr lang="ru-RU" smtClean="0"/>
-              <a:t>30.06.2014</a:t>
+              <a:t>01.07.2014</a:t>
             </a:fld>
             <a:endParaRPr lang="ru-RU"/>
           </a:p>
@@ -4541,7 +4541,7 @@
           <a:p>
             <a:fld id="{8097313E-B044-4ACF-96A1-82807229EA96}" type="datetimeFigureOut">
               <a:rPr lang="ru-RU" smtClean="0"/>
-              <a:t>30.06.2014</a:t>
+              <a:t>01.07.2014</a:t>
             </a:fld>
             <a:endParaRPr lang="ru-RU"/>
           </a:p>
@@ -4794,7 +4794,7 @@
           <a:p>
             <a:fld id="{8097313E-B044-4ACF-96A1-82807229EA96}" type="datetimeFigureOut">
               <a:rPr lang="ru-RU" smtClean="0"/>
-              <a:t>30.06.2014</a:t>
+              <a:t>01.07.2014</a:t>
             </a:fld>
             <a:endParaRPr lang="ru-RU"/>
           </a:p>
@@ -5007,7 +5007,7 @@
           <a:p>
             <a:fld id="{8097313E-B044-4ACF-96A1-82807229EA96}" type="datetimeFigureOut">
               <a:rPr lang="ru-RU" smtClean="0"/>
-              <a:t>30.06.2014</a:t>
+              <a:t>01.07.2014</a:t>
             </a:fld>
             <a:endParaRPr lang="ru-RU"/>
           </a:p>
@@ -5446,41 +5446,6 @@
           <a:lstStyle/>
           <a:p>
             <a:pPr algn="r"/>
-            <a:r>
-              <a:rPr lang="ru-RU" sz="2400" dirty="0" err="1" smtClean="0"/>
-              <a:t>Контур.Кампус</a:t>
-            </a:r>
-            <a:r>
-              <a:rPr lang="ru-RU" sz="2400" smtClean="0"/>
-              <a:t>, март </a:t>
-            </a:r>
-            <a:r>
-              <a:rPr lang="ru-RU" sz="2400" dirty="0" smtClean="0"/>
-              <a:t>201</a:t>
-            </a:r>
-            <a:r>
-              <a:rPr lang="en-US" sz="2400" dirty="0" smtClean="0"/>
-              <a:t>4</a:t>
-            </a:r>
-          </a:p>
-          <a:p>
-            <a:pPr algn="r"/>
-            <a:r>
-              <a:rPr lang="ru-RU" sz="2400" dirty="0" smtClean="0"/>
-              <a:t>Павел Егоров</a:t>
-            </a:r>
-            <a:r>
-              <a:rPr lang="en-US" sz="2400" dirty="0"/>
-              <a:t>,</a:t>
-            </a:r>
-            <a:r>
-              <a:rPr lang="ru-RU" sz="2400" dirty="0" smtClean="0"/>
-              <a:t> </a:t>
-            </a:r>
-            <a:r>
-              <a:rPr lang="en-US" sz="2400" dirty="0" smtClean="0"/>
-              <a:t>@xoposhiy</a:t>
-            </a:r>
             <a:endParaRPr lang="ru-RU" sz="2400" dirty="0" smtClean="0"/>
           </a:p>
         </p:txBody>
@@ -5539,15 +5504,7 @@
           <a:p>
             <a:r>
               <a:rPr lang="ru-RU" dirty="0" smtClean="0"/>
-              <a:t>Хорошее </a:t>
-            </a:r>
-            <a:r>
-              <a:rPr lang="ru-RU" dirty="0" smtClean="0"/>
-              <a:t>ли </a:t>
-            </a:r>
-            <a:r>
-              <a:rPr lang="ru-RU" dirty="0" smtClean="0"/>
-              <a:t>имя?</a:t>
+              <a:t>Хорошее ли имя?</a:t>
             </a:r>
             <a:endParaRPr lang="ru-RU" dirty="0"/>
           </a:p>
@@ -6558,11 +6515,7 @@
           <a:p>
             <a:r>
               <a:rPr lang="ru-RU" dirty="0" smtClean="0"/>
-              <a:t>Хорошее </a:t>
-            </a:r>
-            <a:r>
-              <a:rPr lang="ru-RU" dirty="0" smtClean="0"/>
-              <a:t>ли имя?</a:t>
+              <a:t>Хорошее ли имя?</a:t>
             </a:r>
             <a:endParaRPr lang="ru-RU" dirty="0"/>
           </a:p>
@@ -8048,11 +8001,11 @@
   <p:clrMapOvr>
     <a:masterClrMapping/>
   </p:clrMapOvr>
-  <mc:AlternateContent xmlns:mc="http://schemas.openxmlformats.org/markup-compatibility/2006">
-    <mc:Choice xmlns:p14="http://schemas.microsoft.com/office/powerpoint/2010/main" Requires="p14">
+  <mc:AlternateContent xmlns:mc="http://schemas.openxmlformats.org/markup-compatibility/2006" xmlns:p14="http://schemas.microsoft.com/office/powerpoint/2010/main">
+    <mc:Choice Requires="p14">
       <p:transition spd="slow" p14:dur="2000"/>
     </mc:Choice>
-    <mc:Fallback>
+    <mc:Fallback xmlns="">
       <p:transition spd="slow"/>
     </mc:Fallback>
   </mc:AlternateContent>
@@ -12384,11 +12337,11 @@
   <p:clrMapOvr>
     <a:masterClrMapping/>
   </p:clrMapOvr>
-  <mc:AlternateContent xmlns:mc="http://schemas.openxmlformats.org/markup-compatibility/2006">
-    <mc:Choice xmlns:p14="http://schemas.microsoft.com/office/powerpoint/2010/main" Requires="p14">
+  <mc:AlternateContent xmlns:mc="http://schemas.openxmlformats.org/markup-compatibility/2006" xmlns:p14="http://schemas.microsoft.com/office/powerpoint/2010/main">
+    <mc:Choice Requires="p14">
       <p:transition spd="slow" p14:dur="2000"/>
     </mc:Choice>
-    <mc:Fallback>
+    <mc:Fallback xmlns="">
       <p:transition spd="slow"/>
     </mc:Fallback>
   </mc:AlternateContent>
@@ -13241,11 +13194,11 @@
   <p:clrMapOvr>
     <a:masterClrMapping/>
   </p:clrMapOvr>
-  <mc:AlternateContent xmlns:mc="http://schemas.openxmlformats.org/markup-compatibility/2006">
-    <mc:Choice xmlns:p14="http://schemas.microsoft.com/office/powerpoint/2010/main" Requires="p14">
+  <mc:AlternateContent xmlns:mc="http://schemas.openxmlformats.org/markup-compatibility/2006" xmlns:p14="http://schemas.microsoft.com/office/powerpoint/2010/main">
+    <mc:Choice Requires="p14">
       <p:transition spd="slow" p14:dur="2000"/>
     </mc:Choice>
-    <mc:Fallback>
+    <mc:Fallback xmlns="">
       <p:transition spd="slow"/>
     </mc:Fallback>
   </mc:AlternateContent>
@@ -15388,11 +15341,7 @@
           <a:p>
             <a:r>
               <a:rPr lang="ru-RU" dirty="0" smtClean="0"/>
-              <a:t>Работа с </a:t>
-            </a:r>
-            <a:r>
-              <a:rPr lang="ru-RU" dirty="0" smtClean="0"/>
-              <a:t>файлами</a:t>
+              <a:t>Работа с файлами</a:t>
             </a:r>
             <a:endParaRPr lang="ru-RU" dirty="0"/>
           </a:p>
@@ -17636,11 +17585,7 @@
           <a:p>
             <a:r>
               <a:rPr lang="ru-RU" dirty="0" smtClean="0"/>
-              <a:t>Работа с </a:t>
-            </a:r>
-            <a:r>
-              <a:rPr lang="ru-RU" dirty="0" smtClean="0"/>
-              <a:t>файлами. ОК!</a:t>
+              <a:t>Работа с файлами. ОК!</a:t>
             </a:r>
             <a:endParaRPr lang="ru-RU" dirty="0"/>
           </a:p>
@@ -17898,14 +17843,7 @@
                 <a:latin typeface="Consolas" panose="020B0609020204030204" pitchFamily="49" charset="0"/>
                 <a:cs typeface="Consolas" panose="020B0609020204030204" pitchFamily="49" charset="0"/>
               </a:rPr>
-              <a:t>) </a:t>
-            </a:r>
-            <a:r>
-              <a:rPr lang="en-US" sz="2800" dirty="0" smtClean="0">
-                <a:latin typeface="Consolas" panose="020B0609020204030204" pitchFamily="49" charset="0"/>
-                <a:cs typeface="Consolas" panose="020B0609020204030204" pitchFamily="49" charset="0"/>
-              </a:rPr>
-              <a:t>→ </a:t>
+              <a:t>) → </a:t>
             </a:r>
             <a:r>
               <a:rPr lang="en-US" sz="2800" dirty="0">
@@ -17974,14 +17912,7 @@
                 <a:latin typeface="Consolas" panose="020B0609020204030204" pitchFamily="49" charset="0"/>
                 <a:cs typeface="Consolas" panose="020B0609020204030204" pitchFamily="49" charset="0"/>
               </a:rPr>
-              <a:t>) </a:t>
-            </a:r>
-            <a:r>
-              <a:rPr lang="en-US" sz="2800" dirty="0" smtClean="0">
-                <a:latin typeface="Consolas" panose="020B0609020204030204" pitchFamily="49" charset="0"/>
-                <a:cs typeface="Consolas" panose="020B0609020204030204" pitchFamily="49" charset="0"/>
-              </a:rPr>
-              <a:t>→ </a:t>
+              <a:t>) → </a:t>
             </a:r>
             <a:r>
               <a:rPr lang="en-US" sz="2800" dirty="0">
@@ -18045,13 +17976,6 @@
               </a:rPr>
               <a:t>,</a:t>
             </a:r>
-            <a:r>
-              <a:rPr lang="en-US" sz="2800" dirty="0" smtClean="0">
-                <a:latin typeface="Consolas" panose="020B0609020204030204" pitchFamily="49" charset="0"/>
-                <a:cs typeface="Consolas" panose="020B0609020204030204" pitchFamily="49" charset="0"/>
-              </a:rPr>
-              <a:t/>
-            </a:r>
             <a:br>
               <a:rPr lang="en-US" sz="2800" dirty="0" smtClean="0">
                 <a:latin typeface="Consolas" panose="020B0609020204030204" pitchFamily="49" charset="0"/>
@@ -18103,10 +18027,6 @@
               </a:rPr>
               <a:t>})</a:t>
             </a:r>
-            <a:endParaRPr lang="en-US" sz="2800" dirty="0" smtClean="0">
-              <a:latin typeface="Consolas" panose="020B0609020204030204" pitchFamily="49" charset="0"/>
-              <a:cs typeface="Consolas" panose="020B0609020204030204" pitchFamily="49" charset="0"/>
-            </a:endParaRPr>
           </a:p>
           <a:p>
             <a:pPr marL="0" indent="0">
@@ -18156,13 +18076,6 @@
                 <a:cs typeface="Consolas" panose="020B0609020204030204" pitchFamily="49" charset="0"/>
               </a:rPr>
               <a:t>,</a:t>
-            </a:r>
-            <a:r>
-              <a:rPr lang="en-US" sz="2800" dirty="0" smtClean="0">
-                <a:latin typeface="Consolas" panose="020B0609020204030204" pitchFamily="49" charset="0"/>
-                <a:cs typeface="Consolas" panose="020B0609020204030204" pitchFamily="49" charset="0"/>
-              </a:rPr>
-              <a:t/>
             </a:r>
             <a:br>
               <a:rPr lang="en-US" sz="2800" dirty="0" smtClean="0">
@@ -18319,20 +18232,7 @@
                 <a:latin typeface="Consolas" panose="020B0609020204030204" pitchFamily="49" charset="0"/>
                 <a:cs typeface="Consolas" panose="020B0609020204030204" pitchFamily="49" charset="0"/>
               </a:rPr>
-              <a:t>i</a:t>
-            </a:r>
-            <a:r>
-              <a:rPr lang="en-US" sz="2800" dirty="0" err="1">
-                <a:solidFill>
-                  <a:srgbClr val="0000FF"/>
-                </a:solidFill>
-                <a:highlight>
-                  <a:srgbClr val="FFFFFF"/>
-                </a:highlight>
-                <a:latin typeface="Consolas" panose="020B0609020204030204" pitchFamily="49" charset="0"/>
-                <a:cs typeface="Consolas" panose="020B0609020204030204" pitchFamily="49" charset="0"/>
-              </a:rPr>
-              <a:t>nt</a:t>
+              <a:t>int</a:t>
             </a:r>
             <a:r>
               <a:rPr lang="en-US" dirty="0" smtClean="0">
@@ -18353,14 +18253,7 @@
                 <a:latin typeface="Consolas" panose="020B0609020204030204" pitchFamily="49" charset="0"/>
                 <a:cs typeface="Consolas" panose="020B0609020204030204" pitchFamily="49" charset="0"/>
               </a:rPr>
-              <a:t> </a:t>
-            </a:r>
-            <a:r>
-              <a:rPr lang="en-US" dirty="0" smtClean="0">
-                <a:latin typeface="Consolas" panose="020B0609020204030204" pitchFamily="49" charset="0"/>
-                <a:cs typeface="Consolas" panose="020B0609020204030204" pitchFamily="49" charset="0"/>
-              </a:rPr>
-              <a:t>= </a:t>
+              <a:t> = </a:t>
             </a:r>
             <a:r>
               <a:rPr lang="en-US" dirty="0" err="1" smtClean="0">

--- a/01-CleanCode/CleanCode.pptx
+++ b/01-CleanCode/CleanCode.pptx
@@ -18,8 +18,8 @@
     <p:sldId id="433" r:id="rId6"/>
     <p:sldId id="356" r:id="rId7"/>
     <p:sldId id="410" r:id="rId8"/>
-    <p:sldId id="257" r:id="rId9"/>
-    <p:sldId id="309" r:id="rId10"/>
+    <p:sldId id="309" r:id="rId9"/>
+    <p:sldId id="257" r:id="rId10"/>
     <p:sldId id="392" r:id="rId11"/>
     <p:sldId id="421" r:id="rId12"/>
     <p:sldId id="422" r:id="rId13"/>
@@ -1739,7 +1739,7 @@
           <a:p>
             <a:fld id="{414C0F9C-8EEB-4FCC-AFE2-CBC89CE9F378}" type="slidenum">
               <a:rPr lang="ru-RU" smtClean="0"/>
-              <a:t>9</a:t>
+              <a:t>8</a:t>
             </a:fld>
             <a:endParaRPr lang="ru-RU"/>
           </a:p>
@@ -9156,7 +9156,12 @@
             <p:ph idx="1"/>
           </p:nvPr>
         </p:nvSpPr>
-        <p:spPr/>
+        <p:spPr>
+          <a:xfrm>
+            <a:off x="457200" y="1600200"/>
+            <a:ext cx="8686800" cy="4525963"/>
+          </a:xfrm>
+        </p:spPr>
         <p:txBody>
           <a:bodyPr/>
           <a:lstStyle/>
@@ -9165,70 +9170,158 @@
               <a:buNone/>
             </a:pPr>
             <a:r>
-              <a:rPr lang="en-US" dirty="0" smtClean="0">
+              <a:rPr lang="en-US" sz="2800" dirty="0">
                 <a:solidFill>
                   <a:srgbClr val="0000FF"/>
                 </a:solidFill>
+                <a:latin typeface="Consolas" panose="020B0609020204030204" pitchFamily="49" charset="0"/>
+                <a:cs typeface="Consolas" panose="020B0609020204030204" pitchFamily="49" charset="0"/>
               </a:rPr>
               <a:t>string</a:t>
             </a:r>
             <a:r>
-              <a:rPr lang="en-US" dirty="0"/>
+              <a:rPr lang="en-US" sz="2800" dirty="0">
+                <a:latin typeface="Consolas" panose="020B0609020204030204" pitchFamily="49" charset="0"/>
+                <a:cs typeface="Consolas" panose="020B0609020204030204" pitchFamily="49" charset="0"/>
+              </a:rPr>
+              <a:t>[] </a:t>
+            </a:r>
+            <a:r>
+              <a:rPr lang="en-US" sz="2800" dirty="0" err="1">
+                <a:latin typeface="Consolas" panose="020B0609020204030204" pitchFamily="49" charset="0"/>
+                <a:cs typeface="Consolas" panose="020B0609020204030204" pitchFamily="49" charset="0"/>
+              </a:rPr>
+              <a:t>SplitToFields</a:t>
+            </a:r>
+            <a:r>
+              <a:rPr lang="en-US" sz="2800" dirty="0">
+                <a:latin typeface="Consolas" panose="020B0609020204030204" pitchFamily="49" charset="0"/>
+                <a:cs typeface="Consolas" panose="020B0609020204030204" pitchFamily="49" charset="0"/>
+              </a:rPr>
+              <a:t>(</a:t>
+            </a:r>
+            <a:r>
+              <a:rPr lang="en-US" sz="2800" dirty="0">
+                <a:solidFill>
+                  <a:srgbClr val="0000FF"/>
+                </a:solidFill>
+                <a:latin typeface="Consolas" panose="020B0609020204030204" pitchFamily="49" charset="0"/>
+                <a:cs typeface="Consolas" panose="020B0609020204030204" pitchFamily="49" charset="0"/>
+              </a:rPr>
+              <a:t>string</a:t>
+            </a:r>
+            <a:r>
+              <a:rPr lang="en-US" sz="2800" dirty="0">
+                <a:latin typeface="Consolas" panose="020B0609020204030204" pitchFamily="49" charset="0"/>
+                <a:cs typeface="Consolas" panose="020B0609020204030204" pitchFamily="49" charset="0"/>
+              </a:rPr>
+              <a:t> line)</a:t>
+            </a:r>
+          </a:p>
+          <a:p>
+            <a:pPr marL="0" indent="0">
+              <a:buNone/>
+            </a:pPr>
+            <a:r>
+              <a:rPr lang="en-US" sz="2800" dirty="0" smtClean="0">
+                <a:solidFill>
+                  <a:srgbClr val="0000FF"/>
+                </a:solidFill>
+                <a:latin typeface="Consolas" panose="020B0609020204030204" pitchFamily="49" charset="0"/>
+                <a:cs typeface="Consolas" panose="020B0609020204030204" pitchFamily="49" charset="0"/>
+              </a:rPr>
+              <a:t>string</a:t>
+            </a:r>
+            <a:r>
+              <a:rPr lang="en-US" sz="2800" dirty="0">
+                <a:latin typeface="Consolas" panose="020B0609020204030204" pitchFamily="49" charset="0"/>
+                <a:cs typeface="Consolas" panose="020B0609020204030204" pitchFamily="49" charset="0"/>
+              </a:rPr>
               <a:t> </a:t>
             </a:r>
             <a:r>
-              <a:rPr lang="en-US" dirty="0" err="1"/>
+              <a:rPr lang="en-US" sz="2800" dirty="0" err="1">
+                <a:latin typeface="Consolas" panose="020B0609020204030204" pitchFamily="49" charset="0"/>
+                <a:cs typeface="Consolas" panose="020B0609020204030204" pitchFamily="49" charset="0"/>
+              </a:rPr>
               <a:t>ReadField</a:t>
             </a:r>
             <a:r>
-              <a:rPr lang="en-US" dirty="0"/>
+              <a:rPr lang="en-US" sz="2800" dirty="0">
+                <a:latin typeface="Consolas" panose="020B0609020204030204" pitchFamily="49" charset="0"/>
+                <a:cs typeface="Consolas" panose="020B0609020204030204" pitchFamily="49" charset="0"/>
+              </a:rPr>
               <a:t>(</a:t>
             </a:r>
             <a:r>
-              <a:rPr lang="en-US" dirty="0">
+              <a:rPr lang="en-US" sz="2800" dirty="0">
                 <a:solidFill>
                   <a:srgbClr val="0000FF"/>
                 </a:solidFill>
+                <a:latin typeface="Consolas" panose="020B0609020204030204" pitchFamily="49" charset="0"/>
+                <a:cs typeface="Consolas" panose="020B0609020204030204" pitchFamily="49" charset="0"/>
               </a:rPr>
               <a:t>string</a:t>
             </a:r>
             <a:r>
-              <a:rPr lang="en-US" dirty="0"/>
+              <a:rPr lang="en-US" sz="2800" dirty="0">
+                <a:latin typeface="Consolas" panose="020B0609020204030204" pitchFamily="49" charset="0"/>
+                <a:cs typeface="Consolas" panose="020B0609020204030204" pitchFamily="49" charset="0"/>
+              </a:rPr>
               <a:t> line, </a:t>
             </a:r>
             <a:r>
-              <a:rPr lang="en-US" dirty="0">
+              <a:rPr lang="en-US" sz="2800" dirty="0" smtClean="0">
                 <a:solidFill>
                   <a:srgbClr val="0000FF"/>
                 </a:solidFill>
-              </a:rPr>
-              <a:t> ref</a:t>
-            </a:r>
-            <a:r>
-              <a:rPr lang="en-US" dirty="0"/>
+                <a:latin typeface="Consolas" panose="020B0609020204030204" pitchFamily="49" charset="0"/>
+                <a:cs typeface="Consolas" panose="020B0609020204030204" pitchFamily="49" charset="0"/>
+              </a:rPr>
+              <a:t>ref</a:t>
+            </a:r>
+            <a:r>
+              <a:rPr lang="en-US" sz="2800" dirty="0" smtClean="0">
+                <a:latin typeface="Consolas" panose="020B0609020204030204" pitchFamily="49" charset="0"/>
+                <a:cs typeface="Consolas" panose="020B0609020204030204" pitchFamily="49" charset="0"/>
+              </a:rPr>
               <a:t> </a:t>
             </a:r>
             <a:r>
-              <a:rPr lang="en-US" dirty="0" err="1">
+              <a:rPr lang="en-US" sz="2800" dirty="0" err="1">
                 <a:solidFill>
                   <a:srgbClr val="0000FF"/>
                 </a:solidFill>
+                <a:latin typeface="Consolas" panose="020B0609020204030204" pitchFamily="49" charset="0"/>
+                <a:cs typeface="Consolas" panose="020B0609020204030204" pitchFamily="49" charset="0"/>
               </a:rPr>
               <a:t>int</a:t>
             </a:r>
             <a:r>
-              <a:rPr lang="en-US" dirty="0"/>
+              <a:rPr lang="en-US" sz="2800" dirty="0">
+                <a:latin typeface="Consolas" panose="020B0609020204030204" pitchFamily="49" charset="0"/>
+                <a:cs typeface="Consolas" panose="020B0609020204030204" pitchFamily="49" charset="0"/>
+              </a:rPr>
               <a:t> </a:t>
             </a:r>
             <a:r>
-              <a:rPr lang="en-US" dirty="0" err="1"/>
+              <a:rPr lang="en-US" sz="2800" dirty="0" err="1">
+                <a:latin typeface="Consolas" panose="020B0609020204030204" pitchFamily="49" charset="0"/>
+                <a:cs typeface="Consolas" panose="020B0609020204030204" pitchFamily="49" charset="0"/>
+              </a:rPr>
               <a:t>pos</a:t>
             </a:r>
             <a:r>
-              <a:rPr lang="en-US" dirty="0"/>
+              <a:rPr lang="en-US" sz="2800" dirty="0">
+                <a:latin typeface="Consolas" panose="020B0609020204030204" pitchFamily="49" charset="0"/>
+                <a:cs typeface="Consolas" panose="020B0609020204030204" pitchFamily="49" charset="0"/>
+              </a:rPr>
               <a:t>) </a:t>
             </a:r>
-            <a:endParaRPr lang="en-US" dirty="0" smtClean="0"/>
+            <a:endParaRPr lang="en-US" dirty="0" smtClean="0">
+              <a:latin typeface="Consolas" panose="020B0609020204030204" pitchFamily="49" charset="0"/>
+              <a:cs typeface="Consolas" panose="020B0609020204030204" pitchFamily="49" charset="0"/>
+            </a:endParaRPr>
           </a:p>
         </p:txBody>
       </p:sp>
@@ -10367,6 +10460,59 @@
               <a:buNone/>
             </a:pPr>
             <a:r>
+              <a:rPr lang="en-US" sz="2800" dirty="0">
+                <a:solidFill>
+                  <a:srgbClr val="0000FF"/>
+                </a:solidFill>
+                <a:latin typeface="Consolas" panose="020B0609020204030204" pitchFamily="49" charset="0"/>
+                <a:cs typeface="Consolas" panose="020B0609020204030204" pitchFamily="49" charset="0"/>
+              </a:rPr>
+              <a:t>string</a:t>
+            </a:r>
+            <a:r>
+              <a:rPr lang="en-US" sz="2800" dirty="0">
+                <a:latin typeface="Consolas" panose="020B0609020204030204" pitchFamily="49" charset="0"/>
+                <a:cs typeface="Consolas" panose="020B0609020204030204" pitchFamily="49" charset="0"/>
+              </a:rPr>
+              <a:t>[] </a:t>
+            </a:r>
+            <a:r>
+              <a:rPr lang="en-US" sz="2800" dirty="0" err="1">
+                <a:latin typeface="Consolas" panose="020B0609020204030204" pitchFamily="49" charset="0"/>
+                <a:cs typeface="Consolas" panose="020B0609020204030204" pitchFamily="49" charset="0"/>
+              </a:rPr>
+              <a:t>SplitToFields</a:t>
+            </a:r>
+            <a:r>
+              <a:rPr lang="en-US" sz="2800" dirty="0">
+                <a:latin typeface="Consolas" panose="020B0609020204030204" pitchFamily="49" charset="0"/>
+                <a:cs typeface="Consolas" panose="020B0609020204030204" pitchFamily="49" charset="0"/>
+              </a:rPr>
+              <a:t>(</a:t>
+            </a:r>
+            <a:r>
+              <a:rPr lang="en-US" sz="2800" dirty="0">
+                <a:solidFill>
+                  <a:srgbClr val="0000FF"/>
+                </a:solidFill>
+                <a:latin typeface="Consolas" panose="020B0609020204030204" pitchFamily="49" charset="0"/>
+                <a:cs typeface="Consolas" panose="020B0609020204030204" pitchFamily="49" charset="0"/>
+              </a:rPr>
+              <a:t>string</a:t>
+            </a:r>
+            <a:r>
+              <a:rPr lang="en-US" sz="2800" dirty="0">
+                <a:latin typeface="Consolas" panose="020B0609020204030204" pitchFamily="49" charset="0"/>
+                <a:cs typeface="Consolas" panose="020B0609020204030204" pitchFamily="49" charset="0"/>
+              </a:rPr>
+              <a:t> line)</a:t>
+            </a:r>
+          </a:p>
+          <a:p>
+            <a:pPr marL="0" indent="0">
+              <a:buNone/>
+            </a:pPr>
+            <a:r>
               <a:rPr lang="en-US" sz="2800" dirty="0" smtClean="0">
                 <a:solidFill>
                   <a:srgbClr val="0000FF"/>
@@ -10521,6 +10667,55 @@
                                           <p:spTgt spid="3">
                                             <p:txEl>
                                               <p:pRg st="0" end="0"/>
+                                            </p:txEl>
+                                          </p:spTgt>
+                                        </p:tgtEl>
+                                        <p:attrNameLst>
+                                          <p:attrName>style.visibility</p:attrName>
+                                        </p:attrNameLst>
+                                      </p:cBhvr>
+                                      <p:to>
+                                        <p:strVal val="visible"/>
+                                      </p:to>
+                                    </p:set>
+                                  </p:childTnLst>
+                                </p:cTn>
+                              </p:par>
+                            </p:childTnLst>
+                          </p:cTn>
+                        </p:par>
+                      </p:childTnLst>
+                    </p:cTn>
+                  </p:par>
+                  <p:par>
+                    <p:cTn id="7" fill="hold">
+                      <p:stCondLst>
+                        <p:cond delay="indefinite"/>
+                      </p:stCondLst>
+                      <p:childTnLst>
+                        <p:par>
+                          <p:cTn id="8" fill="hold">
+                            <p:stCondLst>
+                              <p:cond delay="0"/>
+                            </p:stCondLst>
+                            <p:childTnLst>
+                              <p:par>
+                                <p:cTn id="9" presetID="1" presetClass="entr" presetSubtype="0" fill="hold" grpId="0" nodeType="clickEffect">
+                                  <p:stCondLst>
+                                    <p:cond delay="0"/>
+                                  </p:stCondLst>
+                                  <p:childTnLst>
+                                    <p:set>
+                                      <p:cBhvr>
+                                        <p:cTn id="10" dur="1" fill="hold">
+                                          <p:stCondLst>
+                                            <p:cond delay="0"/>
+                                          </p:stCondLst>
+                                        </p:cTn>
+                                        <p:tgtEl>
+                                          <p:spTgt spid="3">
+                                            <p:txEl>
+                                              <p:pRg st="1" end="1"/>
                                             </p:txEl>
                                           </p:spTgt>
                                         </p:tgtEl>
@@ -11360,7 +11555,7 @@
             </a:r>
             <a:r>
               <a:rPr lang="en-US" dirty="0" smtClean="0"/>
-              <a:t>01-parse</a:t>
+              <a:t>parse</a:t>
             </a:r>
             <a:endParaRPr lang="ru-RU" dirty="0" smtClean="0"/>
           </a:p>
@@ -13342,7 +13537,7 @@
 </file>
 
 <file path=ppt/slides/slide37.xml><?xml version="1.0" encoding="utf-8"?>
-<p:sld xmlns:a="http://schemas.openxmlformats.org/drawingml/2006/main" xmlns:r="http://schemas.openxmlformats.org/officeDocument/2006/relationships" xmlns:p="http://schemas.openxmlformats.org/presentationml/2006/main">
+<p:sld xmlns:a="http://schemas.openxmlformats.org/drawingml/2006/main" xmlns:r="http://schemas.openxmlformats.org/officeDocument/2006/relationships" xmlns:p="http://schemas.openxmlformats.org/presentationml/2006/main" show="0">
   <p:cSld>
     <p:spTree>
       <p:nvGrpSpPr>
@@ -13447,11 +13642,11 @@
   <p:clrMapOvr>
     <a:masterClrMapping/>
   </p:clrMapOvr>
-  <mc:AlternateContent xmlns:mc="http://schemas.openxmlformats.org/markup-compatibility/2006" xmlns:p14="http://schemas.microsoft.com/office/powerpoint/2010/main">
-    <mc:Choice Requires="p14">
+  <mc:AlternateContent xmlns:mc="http://schemas.openxmlformats.org/markup-compatibility/2006">
+    <mc:Choice xmlns:p14="http://schemas.microsoft.com/office/powerpoint/2010/main" Requires="p14">
       <p:transition spd="slow" p14:dur="2000"/>
     </mc:Choice>
-    <mc:Fallback xmlns="">
+    <mc:Fallback>
       <p:transition spd="slow"/>
     </mc:Fallback>
   </mc:AlternateContent>
@@ -16602,80 +16797,9 @@
   <p:timing>
     <p:tnLst>
       <p:par>
-        <p:cTn id="1" dur="indefinite" restart="never" nodeType="tmRoot">
-          <p:childTnLst>
-            <p:seq concurrent="1" nextAc="seek">
-              <p:cTn id="2" dur="indefinite" nodeType="mainSeq">
-                <p:childTnLst>
-                  <p:par>
-                    <p:cTn id="3" fill="hold">
-                      <p:stCondLst>
-                        <p:cond delay="indefinite"/>
-                      </p:stCondLst>
-                      <p:childTnLst>
-                        <p:par>
-                          <p:cTn id="4" fill="hold">
-                            <p:stCondLst>
-                              <p:cond delay="0"/>
-                            </p:stCondLst>
-                            <p:childTnLst>
-                              <p:par>
-                                <p:cTn id="5" presetID="1" presetClass="entr" presetSubtype="0" fill="hold" grpId="0" nodeType="clickEffect">
-                                  <p:stCondLst>
-                                    <p:cond delay="0"/>
-                                  </p:stCondLst>
-                                  <p:childTnLst>
-                                    <p:set>
-                                      <p:cBhvr>
-                                        <p:cTn id="6" dur="1" fill="hold">
-                                          <p:stCondLst>
-                                            <p:cond delay="0"/>
-                                          </p:stCondLst>
-                                        </p:cTn>
-                                        <p:tgtEl>
-                                          <p:spTgt spid="4"/>
-                                        </p:tgtEl>
-                                        <p:attrNameLst>
-                                          <p:attrName>style.visibility</p:attrName>
-                                        </p:attrNameLst>
-                                      </p:cBhvr>
-                                      <p:to>
-                                        <p:strVal val="visible"/>
-                                      </p:to>
-                                    </p:set>
-                                  </p:childTnLst>
-                                </p:cTn>
-                              </p:par>
-                            </p:childTnLst>
-                          </p:cTn>
-                        </p:par>
-                      </p:childTnLst>
-                    </p:cTn>
-                  </p:par>
-                </p:childTnLst>
-              </p:cTn>
-              <p:prevCondLst>
-                <p:cond evt="onPrev" delay="0">
-                  <p:tgtEl>
-                    <p:sldTgt/>
-                  </p:tgtEl>
-                </p:cond>
-              </p:prevCondLst>
-              <p:nextCondLst>
-                <p:cond evt="onNext" delay="0">
-                  <p:tgtEl>
-                    <p:sldTgt/>
-                  </p:tgtEl>
-                </p:cond>
-              </p:nextCondLst>
-            </p:seq>
-          </p:childTnLst>
-        </p:cTn>
+        <p:cTn id="1" dur="indefinite" restart="never" nodeType="tmRoot"/>
       </p:par>
     </p:tnLst>
-    <p:bldLst>
-      <p:bldP spid="4" grpId="0"/>
-    </p:bldLst>
   </p:timing>
 </p:sld>
 </file>
@@ -16742,7 +16866,7 @@
           <a:lstStyle/>
           <a:p>
             <a:r>
-              <a:rPr lang="en-US" sz="2400" dirty="0" err="1">
+              <a:rPr lang="en-US" sz="2400" dirty="0" err="1" smtClean="0">
                 <a:solidFill>
                   <a:srgbClr val="0000FF"/>
                 </a:solidFill>
@@ -16754,6 +16878,18 @@
               <a:t>var</a:t>
             </a:r>
             <a:r>
+              <a:rPr lang="en-US" sz="2400" dirty="0" smtClean="0">
+                <a:solidFill>
+                  <a:srgbClr val="000000"/>
+                </a:solidFill>
+                <a:highlight>
+                  <a:srgbClr val="FFFFFF"/>
+                </a:highlight>
+                <a:latin typeface="Consolas"/>
+              </a:rPr>
+              <a:t> </a:t>
+            </a:r>
+            <a:r>
               <a:rPr lang="en-US" sz="2400" dirty="0">
                 <a:solidFill>
                   <a:srgbClr val="000000"/>
@@ -16763,7 +16899,126 @@
                 </a:highlight>
                 <a:latin typeface="Consolas"/>
               </a:rPr>
-              <a:t> reader = </a:t>
+              <a:t>lines = </a:t>
+            </a:r>
+            <a:r>
+              <a:rPr lang="en-US" sz="2400" dirty="0">
+                <a:solidFill>
+                  <a:srgbClr val="0000FF"/>
+                </a:solidFill>
+                <a:highlight>
+                  <a:srgbClr val="FFFFFF"/>
+                </a:highlight>
+                <a:latin typeface="Consolas"/>
+              </a:rPr>
+              <a:t>new</a:t>
+            </a:r>
+            <a:r>
+              <a:rPr lang="en-US" sz="2400" dirty="0">
+                <a:solidFill>
+                  <a:srgbClr val="000000"/>
+                </a:solidFill>
+                <a:highlight>
+                  <a:srgbClr val="FFFFFF"/>
+                </a:highlight>
+                <a:latin typeface="Consolas"/>
+              </a:rPr>
+              <a:t> </a:t>
+            </a:r>
+            <a:r>
+              <a:rPr lang="en-US" sz="2400" dirty="0">
+                <a:solidFill>
+                  <a:srgbClr val="2B91AF"/>
+                </a:solidFill>
+                <a:highlight>
+                  <a:srgbClr val="FFFFFF"/>
+                </a:highlight>
+                <a:latin typeface="Consolas"/>
+              </a:rPr>
+              <a:t>List</a:t>
+            </a:r>
+            <a:r>
+              <a:rPr lang="en-US" sz="2400" dirty="0">
+                <a:solidFill>
+                  <a:srgbClr val="000000"/>
+                </a:solidFill>
+                <a:highlight>
+                  <a:srgbClr val="FFFFFF"/>
+                </a:highlight>
+                <a:latin typeface="Consolas"/>
+              </a:rPr>
+              <a:t>&lt;</a:t>
+            </a:r>
+            <a:r>
+              <a:rPr lang="en-US" sz="2400" dirty="0">
+                <a:solidFill>
+                  <a:srgbClr val="0000FF"/>
+                </a:solidFill>
+                <a:highlight>
+                  <a:srgbClr val="FFFFFF"/>
+                </a:highlight>
+                <a:latin typeface="Consolas"/>
+              </a:rPr>
+              <a:t>string</a:t>
+            </a:r>
+            <a:r>
+              <a:rPr lang="en-US" sz="2400" dirty="0" smtClean="0">
+                <a:solidFill>
+                  <a:srgbClr val="000000"/>
+                </a:solidFill>
+                <a:highlight>
+                  <a:srgbClr val="FFFFFF"/>
+                </a:highlight>
+                <a:latin typeface="Consolas"/>
+              </a:rPr>
+              <a:t>&gt;();</a:t>
+            </a:r>
+            <a:endParaRPr lang="ru-RU" sz="2400" dirty="0" smtClean="0">
+              <a:solidFill>
+                <a:srgbClr val="000000"/>
+              </a:solidFill>
+              <a:highlight>
+                <a:srgbClr val="FFFFFF"/>
+              </a:highlight>
+              <a:latin typeface="Consolas"/>
+            </a:endParaRPr>
+          </a:p>
+          <a:p>
+            <a:r>
+              <a:rPr lang="en-US" sz="2400" dirty="0" err="1" smtClean="0">
+                <a:solidFill>
+                  <a:srgbClr val="0000FF"/>
+                </a:solidFill>
+                <a:highlight>
+                  <a:srgbClr val="FFFFFF"/>
+                </a:highlight>
+                <a:latin typeface="Consolas"/>
+              </a:rPr>
+              <a:t>var</a:t>
+            </a:r>
+            <a:r>
+              <a:rPr lang="en-US" sz="2400" dirty="0" smtClean="0">
+                <a:solidFill>
+                  <a:srgbClr val="000000"/>
+                </a:solidFill>
+                <a:highlight>
+                  <a:srgbClr val="FFFFFF"/>
+                </a:highlight>
+                <a:latin typeface="Consolas"/>
+              </a:rPr>
+              <a:t> </a:t>
+            </a:r>
+            <a:r>
+              <a:rPr lang="en-US" sz="2400" dirty="0">
+                <a:solidFill>
+                  <a:srgbClr val="000000"/>
+                </a:solidFill>
+                <a:highlight>
+                  <a:srgbClr val="FFFFFF"/>
+                </a:highlight>
+                <a:latin typeface="Consolas"/>
+              </a:rPr>
+              <a:t>reader = </a:t>
             </a:r>
             <a:r>
               <a:rPr lang="en-US" sz="2400" dirty="0">
@@ -16875,6 +17130,18 @@
           </a:p>
           <a:p>
             <a:r>
+              <a:rPr lang="ru-RU" sz="2400" dirty="0" smtClean="0">
+                <a:solidFill>
+                  <a:srgbClr val="0000FF"/>
+                </a:solidFill>
+                <a:highlight>
+                  <a:srgbClr val="FFFFFF"/>
+                </a:highlight>
+                <a:latin typeface="Consolas"/>
+              </a:rPr>
+              <a:t>  </a:t>
+            </a:r>
+            <a:r>
               <a:rPr lang="en-US" sz="2400" dirty="0" smtClean="0">
                 <a:solidFill>
                   <a:srgbClr val="0000FF"/>
@@ -16884,129 +17151,7 @@
                 </a:highlight>
                 <a:latin typeface="Consolas"/>
               </a:rPr>
-              <a:t>  </a:t>
-            </a:r>
-            <a:r>
-              <a:rPr lang="en-US" sz="2400" dirty="0" err="1" smtClean="0">
-                <a:solidFill>
-                  <a:srgbClr val="0000FF"/>
-                </a:solidFill>
-                <a:highlight>
-                  <a:srgbClr val="FFFFFF"/>
-                </a:highlight>
-                <a:latin typeface="Consolas"/>
-              </a:rPr>
-              <a:t>var</a:t>
-            </a:r>
-            <a:r>
-              <a:rPr lang="en-US" sz="2400" dirty="0" smtClean="0">
-                <a:solidFill>
-                  <a:srgbClr val="000000"/>
-                </a:solidFill>
-                <a:highlight>
-                  <a:srgbClr val="FFFFFF"/>
-                </a:highlight>
-                <a:latin typeface="Consolas"/>
-              </a:rPr>
-              <a:t> </a:t>
-            </a:r>
-            <a:r>
-              <a:rPr lang="en-US" sz="2400" dirty="0">
-                <a:solidFill>
-                  <a:srgbClr val="000000"/>
-                </a:solidFill>
-                <a:highlight>
-                  <a:srgbClr val="FFFFFF"/>
-                </a:highlight>
-                <a:latin typeface="Consolas"/>
-              </a:rPr>
-              <a:t>lines = </a:t>
-            </a:r>
-            <a:r>
-              <a:rPr lang="en-US" sz="2400" dirty="0">
-                <a:solidFill>
-                  <a:srgbClr val="0000FF"/>
-                </a:solidFill>
-                <a:highlight>
-                  <a:srgbClr val="FFFFFF"/>
-                </a:highlight>
-                <a:latin typeface="Consolas"/>
-              </a:rPr>
-              <a:t>new</a:t>
-            </a:r>
-            <a:r>
-              <a:rPr lang="en-US" sz="2400" dirty="0">
-                <a:solidFill>
-                  <a:srgbClr val="000000"/>
-                </a:solidFill>
-                <a:highlight>
-                  <a:srgbClr val="FFFFFF"/>
-                </a:highlight>
-                <a:latin typeface="Consolas"/>
-              </a:rPr>
-              <a:t> </a:t>
-            </a:r>
-            <a:r>
-              <a:rPr lang="en-US" sz="2400" dirty="0">
-                <a:solidFill>
-                  <a:srgbClr val="2B91AF"/>
-                </a:solidFill>
-                <a:highlight>
-                  <a:srgbClr val="FFFFFF"/>
-                </a:highlight>
-                <a:latin typeface="Consolas"/>
-              </a:rPr>
-              <a:t>List</a:t>
-            </a:r>
-            <a:r>
-              <a:rPr lang="en-US" sz="2400" dirty="0">
-                <a:solidFill>
-                  <a:srgbClr val="000000"/>
-                </a:solidFill>
-                <a:highlight>
-                  <a:srgbClr val="FFFFFF"/>
-                </a:highlight>
-                <a:latin typeface="Consolas"/>
-              </a:rPr>
-              <a:t>&lt;</a:t>
-            </a:r>
-            <a:r>
-              <a:rPr lang="en-US" sz="2400" dirty="0">
-                <a:solidFill>
-                  <a:srgbClr val="0000FF"/>
-                </a:solidFill>
-                <a:highlight>
-                  <a:srgbClr val="FFFFFF"/>
-                </a:highlight>
-                <a:latin typeface="Consolas"/>
-              </a:rPr>
-              <a:t>string</a:t>
-            </a:r>
-            <a:r>
-              <a:rPr lang="en-US" sz="2400" dirty="0">
-                <a:solidFill>
-                  <a:srgbClr val="000000"/>
-                </a:solidFill>
-                <a:highlight>
-                  <a:srgbClr val="FFFFFF"/>
-                </a:highlight>
-                <a:latin typeface="Consolas"/>
-              </a:rPr>
-              <a:t>&gt;();</a:t>
-            </a:r>
-          </a:p>
-          <a:p>
-            <a:r>
-              <a:rPr lang="en-US" sz="2400" dirty="0" smtClean="0">
-                <a:solidFill>
-                  <a:srgbClr val="0000FF"/>
-                </a:solidFill>
-                <a:highlight>
-                  <a:srgbClr val="FFFFFF"/>
-                </a:highlight>
-                <a:latin typeface="Consolas"/>
-              </a:rPr>
-              <a:t>  while</a:t>
+              <a:t>while</a:t>
             </a:r>
             <a:r>
               <a:rPr lang="en-US" sz="2400" dirty="0" smtClean="0">
@@ -17435,7 +17580,7 @@
         <p:spPr>
           <a:xfrm>
             <a:off x="5076056" y="4581128"/>
-            <a:ext cx="2975495" cy="923330"/>
+            <a:ext cx="3612271" cy="923330"/>
           </a:xfrm>
           <a:prstGeom prst="rect">
             <a:avLst/>
@@ -17450,7 +17595,7 @@
           <a:p>
             <a:r>
               <a:rPr lang="ru-RU" sz="5400" dirty="0" smtClean="0"/>
-              <a:t>А так ОК</a:t>
+              <a:t>Может так</a:t>
             </a:r>
             <a:r>
               <a:rPr lang="en-US" sz="5400" dirty="0" smtClean="0"/>
@@ -17473,80 +17618,9 @@
   <p:timing>
     <p:tnLst>
       <p:par>
-        <p:cTn id="1" dur="indefinite" restart="never" nodeType="tmRoot">
-          <p:childTnLst>
-            <p:seq concurrent="1" nextAc="seek">
-              <p:cTn id="2" dur="indefinite" nodeType="mainSeq">
-                <p:childTnLst>
-                  <p:par>
-                    <p:cTn id="3" fill="hold">
-                      <p:stCondLst>
-                        <p:cond delay="indefinite"/>
-                      </p:stCondLst>
-                      <p:childTnLst>
-                        <p:par>
-                          <p:cTn id="4" fill="hold">
-                            <p:stCondLst>
-                              <p:cond delay="0"/>
-                            </p:stCondLst>
-                            <p:childTnLst>
-                              <p:par>
-                                <p:cTn id="5" presetID="1" presetClass="entr" presetSubtype="0" fill="hold" grpId="0" nodeType="clickEffect">
-                                  <p:stCondLst>
-                                    <p:cond delay="0"/>
-                                  </p:stCondLst>
-                                  <p:childTnLst>
-                                    <p:set>
-                                      <p:cBhvr>
-                                        <p:cTn id="6" dur="1" fill="hold">
-                                          <p:stCondLst>
-                                            <p:cond delay="0"/>
-                                          </p:stCondLst>
-                                        </p:cTn>
-                                        <p:tgtEl>
-                                          <p:spTgt spid="4"/>
-                                        </p:tgtEl>
-                                        <p:attrNameLst>
-                                          <p:attrName>style.visibility</p:attrName>
-                                        </p:attrNameLst>
-                                      </p:cBhvr>
-                                      <p:to>
-                                        <p:strVal val="visible"/>
-                                      </p:to>
-                                    </p:set>
-                                  </p:childTnLst>
-                                </p:cTn>
-                              </p:par>
-                            </p:childTnLst>
-                          </p:cTn>
-                        </p:par>
-                      </p:childTnLst>
-                    </p:cTn>
-                  </p:par>
-                </p:childTnLst>
-              </p:cTn>
-              <p:prevCondLst>
-                <p:cond evt="onPrev" delay="0">
-                  <p:tgtEl>
-                    <p:sldTgt/>
-                  </p:tgtEl>
-                </p:cond>
-              </p:prevCondLst>
-              <p:nextCondLst>
-                <p:cond evt="onNext" delay="0">
-                  <p:tgtEl>
-                    <p:sldTgt/>
-                  </p:tgtEl>
-                </p:cond>
-              </p:nextCondLst>
-            </p:seq>
-          </p:childTnLst>
-        </p:cTn>
+        <p:cTn id="1" dur="indefinite" restart="never" nodeType="tmRoot"/>
       </p:par>
     </p:tnLst>
-    <p:bldLst>
-      <p:bldP spid="4" grpId="0"/>
-    </p:bldLst>
   </p:timing>
 </p:sld>
 </file>
@@ -18752,7 +18826,7 @@
           <a:p>
             <a:r>
               <a:rPr lang="ru-RU" dirty="0" smtClean="0"/>
-              <a:t>Форматирование</a:t>
+              <a:t>Форматирование и Стиль</a:t>
             </a:r>
             <a:endParaRPr lang="ru-RU" dirty="0"/>
           </a:p>
@@ -18839,7 +18913,7 @@
           <a:p>
             <a:r>
               <a:rPr lang="ru-RU" sz="3600" dirty="0" smtClean="0"/>
-              <a:t>Всего одна мысль</a:t>
+              <a:t>Главная мысль</a:t>
             </a:r>
             <a:endParaRPr lang="ru-RU" sz="3600" dirty="0"/>
           </a:p>
@@ -19120,7 +19194,102 @@
       </p:grpSpPr>
       <p:sp>
         <p:nvSpPr>
-          <p:cNvPr id="2" name="Заголовок 1"/>
+          <p:cNvPr id="3" name="TextBox 2"/>
+          <p:cNvSpPr txBox="1"/>
+          <p:nvPr/>
+        </p:nvSpPr>
+        <p:spPr>
+          <a:xfrm>
+            <a:off x="2627784" y="2230993"/>
+            <a:ext cx="6022528" cy="2062103"/>
+          </a:xfrm>
+          <a:prstGeom prst="rect">
+            <a:avLst/>
+          </a:prstGeom>
+          <a:noFill/>
+        </p:spPr>
+        <p:txBody>
+          <a:bodyPr wrap="square" rtlCol="0">
+            <a:spAutoFit/>
+          </a:bodyPr>
+          <a:lstStyle/>
+          <a:p>
+            <a:pPr fontAlgn="t"/>
+            <a:r>
+              <a:rPr lang="en-US" sz="3200" b="1" dirty="0" err="1" smtClean="0">
+                <a:solidFill>
+                  <a:srgbClr val="000066"/>
+                </a:solidFill>
+                <a:latin typeface="Consolas"/>
+              </a:rPr>
+              <a:t>ClassName</a:t>
+            </a:r>
+            <a:endParaRPr lang="en-US" sz="3200" b="1" dirty="0" smtClean="0">
+              <a:solidFill>
+                <a:srgbClr val="000066"/>
+              </a:solidFill>
+              <a:latin typeface="Consolas"/>
+            </a:endParaRPr>
+          </a:p>
+          <a:p>
+            <a:pPr fontAlgn="t"/>
+            <a:r>
+              <a:rPr lang="en-US" sz="3200" b="1" dirty="0" err="1" smtClean="0">
+                <a:solidFill>
+                  <a:srgbClr val="000066"/>
+                </a:solidFill>
+                <a:latin typeface="Consolas"/>
+              </a:rPr>
+              <a:t>PublicMemberName</a:t>
+            </a:r>
+            <a:endParaRPr lang="en-US" sz="3200" b="1" dirty="0" smtClean="0">
+              <a:solidFill>
+                <a:srgbClr val="000066"/>
+              </a:solidFill>
+              <a:latin typeface="Consolas"/>
+            </a:endParaRPr>
+          </a:p>
+          <a:p>
+            <a:pPr fontAlgn="t"/>
+            <a:r>
+              <a:rPr lang="en-US" sz="3200" b="1" dirty="0" err="1" smtClean="0">
+                <a:solidFill>
+                  <a:srgbClr val="000066"/>
+                </a:solidFill>
+                <a:latin typeface="Consolas"/>
+              </a:rPr>
+              <a:t>privateField</a:t>
+            </a:r>
+            <a:endParaRPr lang="ru-RU" sz="3200" b="1" dirty="0" smtClean="0">
+              <a:solidFill>
+                <a:srgbClr val="000066"/>
+              </a:solidFill>
+              <a:latin typeface="Consolas"/>
+            </a:endParaRPr>
+          </a:p>
+          <a:p>
+            <a:pPr fontAlgn="t"/>
+            <a:r>
+              <a:rPr lang="en-US" sz="3200" b="1" dirty="0" err="1" smtClean="0">
+                <a:solidFill>
+                  <a:srgbClr val="000066"/>
+                </a:solidFill>
+                <a:latin typeface="Consolas"/>
+              </a:rPr>
+              <a:t>ISomeInterface</a:t>
+            </a:r>
+            <a:endParaRPr lang="en-US" sz="3200" b="1" dirty="0" smtClean="0">
+              <a:solidFill>
+                <a:srgbClr val="000066"/>
+              </a:solidFill>
+              <a:latin typeface="Consolas"/>
+            </a:endParaRPr>
+          </a:p>
+        </p:txBody>
+      </p:sp>
+      <p:sp>
+        <p:nvSpPr>
+          <p:cNvPr id="5" name="Заголовок 4"/>
           <p:cNvSpPr>
             <a:spLocks noGrp="1"/>
           </p:cNvSpPr>
@@ -19131,51 +19300,54 @@
         <p:spPr/>
         <p:txBody>
           <a:bodyPr>
-            <a:noAutofit/>
-          </a:bodyPr>
-          <a:lstStyle/>
-          <a:p>
-            <a:r>
-              <a:rPr lang="ru-RU" dirty="0"/>
-              <a:t>Имена и </a:t>
-            </a:r>
-            <a:r>
-              <a:rPr lang="ru-RU" dirty="0" smtClean="0"/>
-              <a:t>сигнатуры методов</a:t>
-            </a:r>
-            <a:endParaRPr lang="ru-RU" dirty="0"/>
-          </a:p>
-        </p:txBody>
-      </p:sp>
-      <p:sp>
-        <p:nvSpPr>
-          <p:cNvPr id="3" name="Текст 2"/>
-          <p:cNvSpPr>
-            <a:spLocks noGrp="1"/>
-          </p:cNvSpPr>
-          <p:nvPr>
-            <p:ph type="body" idx="1"/>
-          </p:nvPr>
-        </p:nvSpPr>
-        <p:spPr/>
-        <p:txBody>
-          <a:bodyPr>
             <a:normAutofit/>
           </a:bodyPr>
           <a:lstStyle/>
           <a:p>
             <a:r>
-              <a:rPr lang="ru-RU" sz="2400" dirty="0" smtClean="0"/>
-              <a:t>понятность</a:t>
-            </a:r>
-            <a:endParaRPr lang="ru-RU" sz="2400" dirty="0"/>
+              <a:rPr lang="ru-RU" b="1" dirty="0" smtClean="0">
+                <a:solidFill>
+                  <a:schemeClr val="accent6">
+                    <a:lumMod val="50000"/>
+                  </a:schemeClr>
+                </a:solidFill>
+              </a:rPr>
+              <a:t>Соглашения об</a:t>
+            </a:r>
+            <a:r>
+              <a:rPr lang="en-US" b="1" dirty="0" smtClean="0">
+                <a:solidFill>
+                  <a:schemeClr val="accent6">
+                    <a:lumMod val="50000"/>
+                  </a:schemeClr>
+                </a:solidFill>
+              </a:rPr>
+              <a:t> </a:t>
+            </a:r>
+            <a:r>
+              <a:rPr lang="ru-RU" b="1" dirty="0" smtClean="0">
+                <a:solidFill>
+                  <a:schemeClr val="accent6">
+                    <a:lumMod val="50000"/>
+                  </a:schemeClr>
+                </a:solidFill>
+              </a:rPr>
+              <a:t>именовании</a:t>
+            </a:r>
+            <a:endParaRPr lang="ru-RU" b="1" dirty="0">
+              <a:solidFill>
+                <a:schemeClr val="accent6">
+                  <a:lumMod val="50000"/>
+                </a:schemeClr>
+              </a:solidFill>
+            </a:endParaRPr>
           </a:p>
         </p:txBody>
       </p:sp>
     </p:spTree>
     <p:extLst>
       <p:ext uri="{BB962C8B-B14F-4D97-AF65-F5344CB8AC3E}">
-        <p14:creationId xmlns:p14="http://schemas.microsoft.com/office/powerpoint/2010/main" val="3181086803"/>
+        <p14:creationId xmlns:p14="http://schemas.microsoft.com/office/powerpoint/2010/main" val="3949716821"/>
       </p:ext>
     </p:extLst>
   </p:cSld>
@@ -19211,102 +19383,7 @@
       </p:grpSpPr>
       <p:sp>
         <p:nvSpPr>
-          <p:cNvPr id="3" name="TextBox 2"/>
-          <p:cNvSpPr txBox="1"/>
-          <p:nvPr/>
-        </p:nvSpPr>
-        <p:spPr>
-          <a:xfrm>
-            <a:off x="2627784" y="2230993"/>
-            <a:ext cx="6022528" cy="2062103"/>
-          </a:xfrm>
-          <a:prstGeom prst="rect">
-            <a:avLst/>
-          </a:prstGeom>
-          <a:noFill/>
-        </p:spPr>
-        <p:txBody>
-          <a:bodyPr wrap="square" rtlCol="0">
-            <a:spAutoFit/>
-          </a:bodyPr>
-          <a:lstStyle/>
-          <a:p>
-            <a:pPr fontAlgn="t"/>
-            <a:r>
-              <a:rPr lang="en-US" sz="3200" b="1" dirty="0" err="1" smtClean="0">
-                <a:solidFill>
-                  <a:srgbClr val="000066"/>
-                </a:solidFill>
-                <a:latin typeface="Consolas"/>
-              </a:rPr>
-              <a:t>ClassName</a:t>
-            </a:r>
-            <a:endParaRPr lang="en-US" sz="3200" b="1" dirty="0" smtClean="0">
-              <a:solidFill>
-                <a:srgbClr val="000066"/>
-              </a:solidFill>
-              <a:latin typeface="Consolas"/>
-            </a:endParaRPr>
-          </a:p>
-          <a:p>
-            <a:pPr fontAlgn="t"/>
-            <a:r>
-              <a:rPr lang="en-US" sz="3200" b="1" dirty="0" err="1" smtClean="0">
-                <a:solidFill>
-                  <a:srgbClr val="000066"/>
-                </a:solidFill>
-                <a:latin typeface="Consolas"/>
-              </a:rPr>
-              <a:t>PublicMemberName</a:t>
-            </a:r>
-            <a:endParaRPr lang="en-US" sz="3200" b="1" dirty="0" smtClean="0">
-              <a:solidFill>
-                <a:srgbClr val="000066"/>
-              </a:solidFill>
-              <a:latin typeface="Consolas"/>
-            </a:endParaRPr>
-          </a:p>
-          <a:p>
-            <a:pPr fontAlgn="t"/>
-            <a:r>
-              <a:rPr lang="en-US" sz="3200" b="1" dirty="0" err="1" smtClean="0">
-                <a:solidFill>
-                  <a:srgbClr val="000066"/>
-                </a:solidFill>
-                <a:latin typeface="Consolas"/>
-              </a:rPr>
-              <a:t>privateField</a:t>
-            </a:r>
-            <a:endParaRPr lang="ru-RU" sz="3200" b="1" dirty="0" smtClean="0">
-              <a:solidFill>
-                <a:srgbClr val="000066"/>
-              </a:solidFill>
-              <a:latin typeface="Consolas"/>
-            </a:endParaRPr>
-          </a:p>
-          <a:p>
-            <a:pPr fontAlgn="t"/>
-            <a:r>
-              <a:rPr lang="en-US" sz="3200" b="1" dirty="0" err="1" smtClean="0">
-                <a:solidFill>
-                  <a:srgbClr val="000066"/>
-                </a:solidFill>
-                <a:latin typeface="Consolas"/>
-              </a:rPr>
-              <a:t>ISomeInterface</a:t>
-            </a:r>
-            <a:endParaRPr lang="en-US" sz="3200" b="1" dirty="0" smtClean="0">
-              <a:solidFill>
-                <a:srgbClr val="000066"/>
-              </a:solidFill>
-              <a:latin typeface="Consolas"/>
-            </a:endParaRPr>
-          </a:p>
-        </p:txBody>
-      </p:sp>
-      <p:sp>
-        <p:nvSpPr>
-          <p:cNvPr id="5" name="Заголовок 4"/>
+          <p:cNvPr id="2" name="Заголовок 1"/>
           <p:cNvSpPr>
             <a:spLocks noGrp="1"/>
           </p:cNvSpPr>
@@ -19317,54 +19394,51 @@
         <p:spPr/>
         <p:txBody>
           <a:bodyPr>
+            <a:noAutofit/>
+          </a:bodyPr>
+          <a:lstStyle/>
+          <a:p>
+            <a:r>
+              <a:rPr lang="ru-RU" dirty="0"/>
+              <a:t>Имена и </a:t>
+            </a:r>
+            <a:r>
+              <a:rPr lang="ru-RU" dirty="0" smtClean="0"/>
+              <a:t>сигнатуры методов</a:t>
+            </a:r>
+            <a:endParaRPr lang="ru-RU" dirty="0"/>
+          </a:p>
+        </p:txBody>
+      </p:sp>
+      <p:sp>
+        <p:nvSpPr>
+          <p:cNvPr id="3" name="Текст 2"/>
+          <p:cNvSpPr>
+            <a:spLocks noGrp="1"/>
+          </p:cNvSpPr>
+          <p:nvPr>
+            <p:ph type="body" idx="1"/>
+          </p:nvPr>
+        </p:nvSpPr>
+        <p:spPr/>
+        <p:txBody>
+          <a:bodyPr>
             <a:normAutofit/>
           </a:bodyPr>
           <a:lstStyle/>
           <a:p>
             <a:r>
-              <a:rPr lang="ru-RU" b="1" dirty="0" smtClean="0">
-                <a:solidFill>
-                  <a:schemeClr val="accent6">
-                    <a:lumMod val="50000"/>
-                  </a:schemeClr>
-                </a:solidFill>
-              </a:rPr>
-              <a:t>Соглашения об</a:t>
-            </a:r>
-            <a:r>
-              <a:rPr lang="en-US" b="1" dirty="0" smtClean="0">
-                <a:solidFill>
-                  <a:schemeClr val="accent6">
-                    <a:lumMod val="50000"/>
-                  </a:schemeClr>
-                </a:solidFill>
-              </a:rPr>
-              <a:t> </a:t>
-            </a:r>
-            <a:r>
-              <a:rPr lang="ru-RU" b="1" dirty="0" smtClean="0">
-                <a:solidFill>
-                  <a:schemeClr val="accent6">
-                    <a:lumMod val="50000"/>
-                  </a:schemeClr>
-                </a:solidFill>
-              </a:rPr>
-              <a:t>именовании</a:t>
-            </a:r>
-            <a:endParaRPr lang="ru-RU" b="1" dirty="0">
-              <a:solidFill>
-                <a:schemeClr val="accent6">
-                  <a:lumMod val="50000"/>
-                </a:schemeClr>
-              </a:solidFill>
-            </a:endParaRPr>
+              <a:rPr lang="ru-RU" sz="2400" dirty="0" smtClean="0"/>
+              <a:t>понятность</a:t>
+            </a:r>
+            <a:endParaRPr lang="ru-RU" sz="2400" dirty="0"/>
           </a:p>
         </p:txBody>
       </p:sp>
     </p:spTree>
     <p:extLst>
       <p:ext uri="{BB962C8B-B14F-4D97-AF65-F5344CB8AC3E}">
-        <p14:creationId xmlns:p14="http://schemas.microsoft.com/office/powerpoint/2010/main" val="3949716821"/>
+        <p14:creationId xmlns:p14="http://schemas.microsoft.com/office/powerpoint/2010/main" val="3181086803"/>
       </p:ext>
     </p:extLst>
   </p:cSld>
